--- a/CSE215_lab-Manuals/UML.pptx
+++ b/CSE215_lab-Manuals/UML.pptx
@@ -6,6 +6,9 @@
   </p:sldMasterIdLst>
   <p:sldIdLst>
     <p:sldId id="256" r:id="rId2"/>
+    <p:sldId id="257" r:id="rId3"/>
+    <p:sldId id="258" r:id="rId4"/>
+    <p:sldId id="259" r:id="rId5"/>
   </p:sldIdLst>
   <p:sldSz cx="12192000" cy="6858000"/>
   <p:notesSz cx="6858000" cy="9144000"/>
@@ -259,7 +262,7 @@
           <a:p>
             <a:fld id="{B0E4FD5C-81AD-4480-9B3D-2DDB48C9A47E}" type="datetimeFigureOut">
               <a:rPr lang="en-US" smtClean="0"/>
-              <a:t>12/5/2020</a:t>
+              <a:t>12/25/2020</a:t>
             </a:fld>
             <a:endParaRPr lang="en-US"/>
           </a:p>
@@ -457,7 +460,7 @@
           <a:p>
             <a:fld id="{B0E4FD5C-81AD-4480-9B3D-2DDB48C9A47E}" type="datetimeFigureOut">
               <a:rPr lang="en-US" smtClean="0"/>
-              <a:t>12/5/2020</a:t>
+              <a:t>12/25/2020</a:t>
             </a:fld>
             <a:endParaRPr lang="en-US"/>
           </a:p>
@@ -665,7 +668,7 @@
           <a:p>
             <a:fld id="{B0E4FD5C-81AD-4480-9B3D-2DDB48C9A47E}" type="datetimeFigureOut">
               <a:rPr lang="en-US" smtClean="0"/>
-              <a:t>12/5/2020</a:t>
+              <a:t>12/25/2020</a:t>
             </a:fld>
             <a:endParaRPr lang="en-US"/>
           </a:p>
@@ -863,7 +866,7 @@
           <a:p>
             <a:fld id="{B0E4FD5C-81AD-4480-9B3D-2DDB48C9A47E}" type="datetimeFigureOut">
               <a:rPr lang="en-US" smtClean="0"/>
-              <a:t>12/5/2020</a:t>
+              <a:t>12/25/2020</a:t>
             </a:fld>
             <a:endParaRPr lang="en-US"/>
           </a:p>
@@ -1138,7 +1141,7 @@
           <a:p>
             <a:fld id="{B0E4FD5C-81AD-4480-9B3D-2DDB48C9A47E}" type="datetimeFigureOut">
               <a:rPr lang="en-US" smtClean="0"/>
-              <a:t>12/5/2020</a:t>
+              <a:t>12/25/2020</a:t>
             </a:fld>
             <a:endParaRPr lang="en-US"/>
           </a:p>
@@ -1403,7 +1406,7 @@
           <a:p>
             <a:fld id="{B0E4FD5C-81AD-4480-9B3D-2DDB48C9A47E}" type="datetimeFigureOut">
               <a:rPr lang="en-US" smtClean="0"/>
-              <a:t>12/5/2020</a:t>
+              <a:t>12/25/2020</a:t>
             </a:fld>
             <a:endParaRPr lang="en-US"/>
           </a:p>
@@ -1815,7 +1818,7 @@
           <a:p>
             <a:fld id="{B0E4FD5C-81AD-4480-9B3D-2DDB48C9A47E}" type="datetimeFigureOut">
               <a:rPr lang="en-US" smtClean="0"/>
-              <a:t>12/5/2020</a:t>
+              <a:t>12/25/2020</a:t>
             </a:fld>
             <a:endParaRPr lang="en-US"/>
           </a:p>
@@ -1956,7 +1959,7 @@
           <a:p>
             <a:fld id="{B0E4FD5C-81AD-4480-9B3D-2DDB48C9A47E}" type="datetimeFigureOut">
               <a:rPr lang="en-US" smtClean="0"/>
-              <a:t>12/5/2020</a:t>
+              <a:t>12/25/2020</a:t>
             </a:fld>
             <a:endParaRPr lang="en-US"/>
           </a:p>
@@ -2069,7 +2072,7 @@
           <a:p>
             <a:fld id="{B0E4FD5C-81AD-4480-9B3D-2DDB48C9A47E}" type="datetimeFigureOut">
               <a:rPr lang="en-US" smtClean="0"/>
-              <a:t>12/5/2020</a:t>
+              <a:t>12/25/2020</a:t>
             </a:fld>
             <a:endParaRPr lang="en-US"/>
           </a:p>
@@ -2380,7 +2383,7 @@
           <a:p>
             <a:fld id="{B0E4FD5C-81AD-4480-9B3D-2DDB48C9A47E}" type="datetimeFigureOut">
               <a:rPr lang="en-US" smtClean="0"/>
-              <a:t>12/5/2020</a:t>
+              <a:t>12/25/2020</a:t>
             </a:fld>
             <a:endParaRPr lang="en-US"/>
           </a:p>
@@ -2668,7 +2671,7 @@
           <a:p>
             <a:fld id="{B0E4FD5C-81AD-4480-9B3D-2DDB48C9A47E}" type="datetimeFigureOut">
               <a:rPr lang="en-US" smtClean="0"/>
-              <a:t>12/5/2020</a:t>
+              <a:t>12/25/2020</a:t>
             </a:fld>
             <a:endParaRPr lang="en-US"/>
           </a:p>
@@ -2909,7 +2912,7 @@
           <a:p>
             <a:fld id="{B0E4FD5C-81AD-4480-9B3D-2DDB48C9A47E}" type="datetimeFigureOut">
               <a:rPr lang="en-US" smtClean="0"/>
-              <a:t>12/5/2020</a:t>
+              <a:t>12/25/2020</a:t>
             </a:fld>
             <a:endParaRPr lang="en-US"/>
           </a:p>
@@ -3340,7 +3343,7 @@
         </p:nvGrpSpPr>
         <p:grpSpPr>
           <a:xfrm>
-            <a:off x="939938" y="354634"/>
+            <a:off x="993071" y="350316"/>
             <a:ext cx="10205858" cy="6157367"/>
             <a:chOff x="939938" y="354634"/>
             <a:chExt cx="10205858" cy="6157367"/>
@@ -4294,7 +4297,7 @@
                       <a:schemeClr val="tx1"/>
                     </a:solidFill>
                   </a:rPr>
-                  <a:t>+ Circle(length: double, width: double)</a:t>
+                  <a:t>+ Circle(radius: double)</a:t>
                 </a:r>
               </a:p>
               <a:p>
@@ -5417,6 +5420,4493 @@
     <p:extLst>
       <p:ext uri="{BB962C8B-B14F-4D97-AF65-F5344CB8AC3E}">
         <p14:creationId xmlns:p14="http://schemas.microsoft.com/office/powerpoint/2010/main" val="3858817668"/>
+      </p:ext>
+    </p:extLst>
+  </p:cSld>
+  <p:clrMapOvr>
+    <a:masterClrMapping/>
+  </p:clrMapOvr>
+</p:sld>
+</file>
+
+<file path=ppt/slides/slide2.xml><?xml version="1.0" encoding="utf-8"?>
+<p:sld xmlns:a="http://schemas.openxmlformats.org/drawingml/2006/main" xmlns:r="http://schemas.openxmlformats.org/officeDocument/2006/relationships" xmlns:p="http://schemas.openxmlformats.org/presentationml/2006/main">
+  <p:cSld>
+    <p:spTree>
+      <p:nvGrpSpPr>
+        <p:cNvPr id="1" name=""/>
+        <p:cNvGrpSpPr/>
+        <p:nvPr/>
+      </p:nvGrpSpPr>
+      <p:grpSpPr>
+        <a:xfrm>
+          <a:off x="0" y="0"/>
+          <a:ext cx="0" cy="0"/>
+          <a:chOff x="0" y="0"/>
+          <a:chExt cx="0" cy="0"/>
+        </a:xfrm>
+      </p:grpSpPr>
+      <p:grpSp>
+        <p:nvGrpSpPr>
+          <p:cNvPr id="47" name="Group 46">
+            <a:extLst>
+              <a:ext uri="{FF2B5EF4-FFF2-40B4-BE49-F238E27FC236}">
+                <a16:creationId xmlns:a16="http://schemas.microsoft.com/office/drawing/2014/main" id="{33F68568-3618-4AF1-95FB-C9CF7EFCC892}"/>
+              </a:ext>
+            </a:extLst>
+          </p:cNvPr>
+          <p:cNvGrpSpPr/>
+          <p:nvPr/>
+        </p:nvGrpSpPr>
+        <p:grpSpPr>
+          <a:xfrm>
+            <a:off x="1676185" y="145459"/>
+            <a:ext cx="9358397" cy="6393066"/>
+            <a:chOff x="1676185" y="145459"/>
+            <a:chExt cx="9358397" cy="6393066"/>
+          </a:xfrm>
+        </p:grpSpPr>
+        <p:grpSp>
+          <p:nvGrpSpPr>
+            <p:cNvPr id="25" name="Group 24">
+              <a:extLst>
+                <a:ext uri="{FF2B5EF4-FFF2-40B4-BE49-F238E27FC236}">
+                  <a16:creationId xmlns:a16="http://schemas.microsoft.com/office/drawing/2014/main" id="{BE922DED-FA08-491B-A95E-8337269F1431}"/>
+                </a:ext>
+              </a:extLst>
+            </p:cNvPr>
+            <p:cNvGrpSpPr/>
+            <p:nvPr/>
+          </p:nvGrpSpPr>
+          <p:grpSpPr>
+            <a:xfrm>
+              <a:off x="6895068" y="568669"/>
+              <a:ext cx="3782345" cy="2635644"/>
+              <a:chOff x="4927875" y="552275"/>
+              <a:chExt cx="3054590" cy="2395335"/>
+            </a:xfrm>
+          </p:grpSpPr>
+          <p:sp>
+            <p:nvSpPr>
+              <p:cNvPr id="26" name="Rectangle: Rounded Corners 25">
+                <a:extLst>
+                  <a:ext uri="{FF2B5EF4-FFF2-40B4-BE49-F238E27FC236}">
+                    <a16:creationId xmlns:a16="http://schemas.microsoft.com/office/drawing/2014/main" id="{FB0109FC-8AC5-4173-B93F-1279477F0B8E}"/>
+                  </a:ext>
+                </a:extLst>
+              </p:cNvPr>
+              <p:cNvSpPr/>
+              <p:nvPr/>
+            </p:nvSpPr>
+            <p:spPr>
+              <a:xfrm>
+                <a:off x="4927875" y="552275"/>
+                <a:ext cx="3054590" cy="2395335"/>
+              </a:xfrm>
+              <a:prstGeom prst="roundRect">
+                <a:avLst/>
+              </a:prstGeom>
+              <a:noFill/>
+              <a:ln>
+                <a:solidFill>
+                  <a:schemeClr val="tx1"/>
+                </a:solidFill>
+              </a:ln>
+            </p:spPr>
+            <p:style>
+              <a:lnRef idx="2">
+                <a:schemeClr val="accent1">
+                  <a:shade val="50000"/>
+                </a:schemeClr>
+              </a:lnRef>
+              <a:fillRef idx="1">
+                <a:schemeClr val="accent1"/>
+              </a:fillRef>
+              <a:effectRef idx="0">
+                <a:schemeClr val="accent1"/>
+              </a:effectRef>
+              <a:fontRef idx="minor">
+                <a:schemeClr val="lt1"/>
+              </a:fontRef>
+            </p:style>
+            <p:txBody>
+              <a:bodyPr rtlCol="0" anchor="ctr"/>
+              <a:lstStyle/>
+              <a:p>
+                <a:pPr algn="ctr"/>
+                <a:endParaRPr lang="en-US" sz="1200" dirty="0">
+                  <a:solidFill>
+                    <a:schemeClr val="tx1"/>
+                  </a:solidFill>
+                </a:endParaRPr>
+              </a:p>
+              <a:p>
+                <a:pPr algn="ctr"/>
+                <a:endParaRPr lang="en-US" sz="1200" dirty="0">
+                  <a:solidFill>
+                    <a:schemeClr val="tx1"/>
+                  </a:solidFill>
+                </a:endParaRPr>
+              </a:p>
+              <a:p>
+                <a:pPr marL="171450" indent="-171450" algn="ctr">
+                  <a:buFontTx/>
+                  <a:buChar char="-"/>
+                </a:pPr>
+                <a:r>
+                  <a:rPr lang="en-US" sz="1200" dirty="0" err="1">
+                    <a:solidFill>
+                      <a:schemeClr val="tx1"/>
+                    </a:solidFill>
+                  </a:rPr>
+                  <a:t>working_since</a:t>
+                </a:r>
+                <a:r>
+                  <a:rPr lang="en-US" sz="1200" dirty="0">
+                    <a:solidFill>
+                      <a:schemeClr val="tx1"/>
+                    </a:solidFill>
+                  </a:rPr>
+                  <a:t>: String</a:t>
+                </a:r>
+              </a:p>
+              <a:p>
+                <a:pPr marL="171450" indent="-171450" algn="ctr">
+                  <a:buFontTx/>
+                  <a:buChar char="-"/>
+                </a:pPr>
+                <a:r>
+                  <a:rPr lang="en-US" sz="1200" dirty="0" err="1">
+                    <a:solidFill>
+                      <a:schemeClr val="tx1"/>
+                    </a:solidFill>
+                  </a:rPr>
+                  <a:t>project_name</a:t>
+                </a:r>
+                <a:r>
+                  <a:rPr lang="en-US" sz="1200" dirty="0">
+                    <a:solidFill>
+                      <a:schemeClr val="tx1"/>
+                    </a:solidFill>
+                  </a:rPr>
+                  <a:t>: String </a:t>
+                </a:r>
+              </a:p>
+              <a:p>
+                <a:pPr marL="171450" indent="-171450" algn="ctr">
+                  <a:buFontTx/>
+                  <a:buChar char="-"/>
+                </a:pPr>
+                <a:r>
+                  <a:rPr lang="en-US" sz="1200" dirty="0" err="1">
+                    <a:solidFill>
+                      <a:schemeClr val="tx1"/>
+                    </a:solidFill>
+                  </a:rPr>
+                  <a:t>team_members</a:t>
+                </a:r>
+                <a:r>
+                  <a:rPr lang="en-US" sz="1200" dirty="0">
+                    <a:solidFill>
+                      <a:schemeClr val="tx1"/>
+                    </a:solidFill>
+                  </a:rPr>
+                  <a:t>: int</a:t>
+                </a:r>
+              </a:p>
+              <a:p>
+                <a:pPr algn="ctr"/>
+                <a:endParaRPr lang="en-US" sz="1200" dirty="0">
+                  <a:solidFill>
+                    <a:schemeClr val="tx1"/>
+                  </a:solidFill>
+                </a:endParaRPr>
+              </a:p>
+              <a:p>
+                <a:pPr algn="ctr"/>
+                <a:r>
+                  <a:rPr lang="en-US" sz="1200" dirty="0">
+                    <a:solidFill>
+                      <a:schemeClr val="tx1"/>
+                    </a:solidFill>
+                  </a:rPr>
+                  <a:t>+ DBA(super(name, id, salary), </a:t>
+                </a:r>
+                <a:r>
+                  <a:rPr lang="en-US" sz="1200" dirty="0" err="1">
+                    <a:solidFill>
+                      <a:schemeClr val="tx1"/>
+                    </a:solidFill>
+                  </a:rPr>
+                  <a:t>working_since</a:t>
+                </a:r>
+                <a:r>
+                  <a:rPr lang="en-US" sz="1200" dirty="0">
+                    <a:solidFill>
+                      <a:schemeClr val="tx1"/>
+                    </a:solidFill>
+                  </a:rPr>
+                  <a:t>: String)</a:t>
+                </a:r>
+              </a:p>
+              <a:p>
+                <a:pPr algn="ctr"/>
+                <a:r>
+                  <a:rPr lang="en-US" sz="1200" dirty="0">
+                    <a:solidFill>
+                      <a:schemeClr val="tx1"/>
+                    </a:solidFill>
+                  </a:rPr>
+                  <a:t>+ </a:t>
+                </a:r>
+                <a:r>
+                  <a:rPr lang="en-US" sz="1200" dirty="0" err="1">
+                    <a:solidFill>
+                      <a:schemeClr val="tx1"/>
+                    </a:solidFill>
+                  </a:rPr>
+                  <a:t>printEmploymentYears</a:t>
+                </a:r>
+                <a:r>
+                  <a:rPr lang="en-US" sz="1200" dirty="0">
+                    <a:solidFill>
+                      <a:schemeClr val="tx1"/>
+                    </a:solidFill>
+                  </a:rPr>
+                  <a:t>(</a:t>
+                </a:r>
+                <a:r>
+                  <a:rPr lang="en-US" sz="1200" dirty="0" err="1">
+                    <a:solidFill>
+                      <a:schemeClr val="tx1"/>
+                    </a:solidFill>
+                  </a:rPr>
+                  <a:t>working_since</a:t>
+                </a:r>
+                <a:r>
+                  <a:rPr lang="en-US" sz="1200" dirty="0">
+                    <a:solidFill>
+                      <a:schemeClr val="tx1"/>
+                    </a:solidFill>
+                  </a:rPr>
+                  <a:t>: String)</a:t>
+                </a:r>
+              </a:p>
+              <a:p>
+                <a:pPr algn="ctr"/>
+                <a:r>
+                  <a:rPr lang="en-US" sz="1200" dirty="0">
+                    <a:solidFill>
+                      <a:schemeClr val="tx1"/>
+                    </a:solidFill>
+                  </a:rPr>
+                  <a:t>+ </a:t>
+                </a:r>
+                <a:r>
+                  <a:rPr lang="en-US" sz="1200" dirty="0" err="1">
+                    <a:solidFill>
+                      <a:schemeClr val="tx1"/>
+                    </a:solidFill>
+                  </a:rPr>
+                  <a:t>assignProject</a:t>
+                </a:r>
+                <a:r>
+                  <a:rPr lang="en-US" sz="1200" dirty="0">
+                    <a:solidFill>
+                      <a:schemeClr val="tx1"/>
+                    </a:solidFill>
+                  </a:rPr>
+                  <a:t>(</a:t>
+                </a:r>
+                <a:r>
+                  <a:rPr lang="en-US" sz="1200" dirty="0" err="1">
+                    <a:solidFill>
+                      <a:schemeClr val="tx1"/>
+                    </a:solidFill>
+                  </a:rPr>
+                  <a:t>project_name</a:t>
+                </a:r>
+                <a:r>
+                  <a:rPr lang="en-US" sz="1200" dirty="0">
+                    <a:solidFill>
+                      <a:schemeClr val="tx1"/>
+                    </a:solidFill>
+                  </a:rPr>
+                  <a:t>: String, </a:t>
+                </a:r>
+                <a:r>
+                  <a:rPr lang="en-US" sz="1200" dirty="0" err="1">
+                    <a:solidFill>
+                      <a:schemeClr val="tx1"/>
+                    </a:solidFill>
+                  </a:rPr>
+                  <a:t>team_members</a:t>
+                </a:r>
+                <a:r>
+                  <a:rPr lang="en-US" sz="1200" dirty="0">
+                    <a:solidFill>
+                      <a:schemeClr val="tx1"/>
+                    </a:solidFill>
+                  </a:rPr>
+                  <a:t>: int, </a:t>
+                </a:r>
+                <a:r>
+                  <a:rPr lang="en-US" sz="1200" dirty="0" err="1">
+                    <a:solidFill>
+                      <a:schemeClr val="tx1"/>
+                    </a:solidFill>
+                  </a:rPr>
+                  <a:t>query_language</a:t>
+                </a:r>
+                <a:r>
+                  <a:rPr lang="en-US" sz="1200" dirty="0">
+                    <a:solidFill>
+                      <a:schemeClr val="tx1"/>
+                    </a:solidFill>
+                  </a:rPr>
+                  <a:t>: String)</a:t>
+                </a:r>
+              </a:p>
+              <a:p>
+                <a:pPr algn="ctr"/>
+                <a:r>
+                  <a:rPr lang="en-US" sz="1200" dirty="0">
+                    <a:solidFill>
+                      <a:schemeClr val="tx1"/>
+                    </a:solidFill>
+                  </a:rPr>
+                  <a:t>+ </a:t>
+                </a:r>
+                <a:r>
+                  <a:rPr lang="en-US" sz="1200" dirty="0" err="1">
+                    <a:solidFill>
+                      <a:schemeClr val="tx1"/>
+                    </a:solidFill>
+                  </a:rPr>
+                  <a:t>printAssignedProject</a:t>
+                </a:r>
+                <a:r>
+                  <a:rPr lang="en-US" sz="1200" dirty="0">
+                    <a:solidFill>
+                      <a:schemeClr val="tx1"/>
+                    </a:solidFill>
+                  </a:rPr>
+                  <a:t>()</a:t>
+                </a:r>
+              </a:p>
+              <a:p>
+                <a:pPr algn="ctr"/>
+                <a:endParaRPr lang="en-US" sz="1200" dirty="0">
+                  <a:solidFill>
+                    <a:schemeClr val="tx1"/>
+                  </a:solidFill>
+                </a:endParaRPr>
+              </a:p>
+            </p:txBody>
+          </p:sp>
+          <p:cxnSp>
+            <p:nvCxnSpPr>
+              <p:cNvPr id="27" name="Straight Connector 26">
+                <a:extLst>
+                  <a:ext uri="{FF2B5EF4-FFF2-40B4-BE49-F238E27FC236}">
+                    <a16:creationId xmlns:a16="http://schemas.microsoft.com/office/drawing/2014/main" id="{7065442B-B518-4FD1-B6C9-EAEEE2AB0144}"/>
+                  </a:ext>
+                </a:extLst>
+              </p:cNvPr>
+              <p:cNvCxnSpPr>
+                <a:cxnSpLocks/>
+              </p:cNvCxnSpPr>
+              <p:nvPr/>
+            </p:nvCxnSpPr>
+            <p:spPr>
+              <a:xfrm>
+                <a:off x="4927875" y="917886"/>
+                <a:ext cx="3054590" cy="0"/>
+              </a:xfrm>
+              <a:prstGeom prst="line">
+                <a:avLst/>
+              </a:prstGeom>
+            </p:spPr>
+            <p:style>
+              <a:lnRef idx="1">
+                <a:schemeClr val="dk1"/>
+              </a:lnRef>
+              <a:fillRef idx="0">
+                <a:schemeClr val="dk1"/>
+              </a:fillRef>
+              <a:effectRef idx="0">
+                <a:schemeClr val="dk1"/>
+              </a:effectRef>
+              <a:fontRef idx="minor">
+                <a:schemeClr val="tx1"/>
+              </a:fontRef>
+            </p:style>
+          </p:cxnSp>
+          <p:cxnSp>
+            <p:nvCxnSpPr>
+              <p:cNvPr id="28" name="Straight Connector 27">
+                <a:extLst>
+                  <a:ext uri="{FF2B5EF4-FFF2-40B4-BE49-F238E27FC236}">
+                    <a16:creationId xmlns:a16="http://schemas.microsoft.com/office/drawing/2014/main" id="{34EFB7BB-A280-4CFD-BC3A-039161B60F59}"/>
+                  </a:ext>
+                </a:extLst>
+              </p:cNvPr>
+              <p:cNvCxnSpPr>
+                <a:cxnSpLocks/>
+              </p:cNvCxnSpPr>
+              <p:nvPr/>
+            </p:nvCxnSpPr>
+            <p:spPr>
+              <a:xfrm>
+                <a:off x="4927875" y="1651682"/>
+                <a:ext cx="3054590" cy="0"/>
+              </a:xfrm>
+              <a:prstGeom prst="line">
+                <a:avLst/>
+              </a:prstGeom>
+            </p:spPr>
+            <p:style>
+              <a:lnRef idx="1">
+                <a:schemeClr val="dk1"/>
+              </a:lnRef>
+              <a:fillRef idx="0">
+                <a:schemeClr val="dk1"/>
+              </a:fillRef>
+              <a:effectRef idx="0">
+                <a:schemeClr val="dk1"/>
+              </a:effectRef>
+              <a:fontRef idx="minor">
+                <a:schemeClr val="tx1"/>
+              </a:fontRef>
+            </p:style>
+          </p:cxnSp>
+        </p:grpSp>
+        <p:sp>
+          <p:nvSpPr>
+            <p:cNvPr id="30" name="TextBox 29">
+              <a:extLst>
+                <a:ext uri="{FF2B5EF4-FFF2-40B4-BE49-F238E27FC236}">
+                  <a16:creationId xmlns:a16="http://schemas.microsoft.com/office/drawing/2014/main" id="{E59AD37D-B4CB-4571-B304-8F4C85FA8000}"/>
+                </a:ext>
+              </a:extLst>
+            </p:cNvPr>
+            <p:cNvSpPr txBox="1"/>
+            <p:nvPr/>
+          </p:nvSpPr>
+          <p:spPr>
+            <a:xfrm>
+              <a:off x="8495984" y="601627"/>
+              <a:ext cx="580511" cy="369332"/>
+            </a:xfrm>
+            <a:prstGeom prst="rect">
+              <a:avLst/>
+            </a:prstGeom>
+            <a:noFill/>
+          </p:spPr>
+          <p:txBody>
+            <a:bodyPr wrap="square">
+              <a:spAutoFit/>
+            </a:bodyPr>
+            <a:lstStyle/>
+            <a:p>
+              <a:r>
+                <a:rPr lang="en-US" sz="1800" dirty="0">
+                  <a:solidFill>
+                    <a:schemeClr val="tx1"/>
+                  </a:solidFill>
+                </a:rPr>
+                <a:t>DBA</a:t>
+              </a:r>
+              <a:endParaRPr lang="en-US" dirty="0"/>
+            </a:p>
+          </p:txBody>
+        </p:sp>
+        <p:grpSp>
+          <p:nvGrpSpPr>
+            <p:cNvPr id="11" name="Group 10">
+              <a:extLst>
+                <a:ext uri="{FF2B5EF4-FFF2-40B4-BE49-F238E27FC236}">
+                  <a16:creationId xmlns:a16="http://schemas.microsoft.com/office/drawing/2014/main" id="{73CFF13F-FF3A-45AB-897F-F7E65FD67565}"/>
+                </a:ext>
+              </a:extLst>
+            </p:cNvPr>
+            <p:cNvGrpSpPr/>
+            <p:nvPr/>
+          </p:nvGrpSpPr>
+          <p:grpSpPr>
+            <a:xfrm>
+              <a:off x="1676185" y="145459"/>
+              <a:ext cx="3782345" cy="3283541"/>
+              <a:chOff x="2467232" y="354633"/>
+              <a:chExt cx="3782345" cy="3283541"/>
+            </a:xfrm>
+          </p:grpSpPr>
+          <p:grpSp>
+            <p:nvGrpSpPr>
+              <p:cNvPr id="12" name="Group 11">
+                <a:extLst>
+                  <a:ext uri="{FF2B5EF4-FFF2-40B4-BE49-F238E27FC236}">
+                    <a16:creationId xmlns:a16="http://schemas.microsoft.com/office/drawing/2014/main" id="{6491C055-7A63-43B5-B0DE-C185B1088808}"/>
+                  </a:ext>
+                </a:extLst>
+              </p:cNvPr>
+              <p:cNvGrpSpPr/>
+              <p:nvPr/>
+            </p:nvGrpSpPr>
+            <p:grpSpPr>
+              <a:xfrm>
+                <a:off x="2467232" y="354633"/>
+                <a:ext cx="3782345" cy="3283541"/>
+                <a:chOff x="4927875" y="325802"/>
+                <a:chExt cx="3054590" cy="2651760"/>
+              </a:xfrm>
+            </p:grpSpPr>
+            <p:sp>
+              <p:nvSpPr>
+                <p:cNvPr id="4" name="Rectangle: Rounded Corners 3">
+                  <a:extLst>
+                    <a:ext uri="{FF2B5EF4-FFF2-40B4-BE49-F238E27FC236}">
+                      <a16:creationId xmlns:a16="http://schemas.microsoft.com/office/drawing/2014/main" id="{48078D98-D850-4F63-B81D-06BA862C9076}"/>
+                    </a:ext>
+                  </a:extLst>
+                </p:cNvPr>
+                <p:cNvSpPr/>
+                <p:nvPr/>
+              </p:nvSpPr>
+              <p:spPr>
+                <a:xfrm>
+                  <a:off x="4927875" y="325802"/>
+                  <a:ext cx="3054590" cy="2651760"/>
+                </a:xfrm>
+                <a:prstGeom prst="roundRect">
+                  <a:avLst/>
+                </a:prstGeom>
+                <a:noFill/>
+                <a:ln>
+                  <a:solidFill>
+                    <a:schemeClr val="tx1"/>
+                  </a:solidFill>
+                </a:ln>
+              </p:spPr>
+              <p:style>
+                <a:lnRef idx="2">
+                  <a:schemeClr val="accent1">
+                    <a:shade val="50000"/>
+                  </a:schemeClr>
+                </a:lnRef>
+                <a:fillRef idx="1">
+                  <a:schemeClr val="accent1"/>
+                </a:fillRef>
+                <a:effectRef idx="0">
+                  <a:schemeClr val="accent1"/>
+                </a:effectRef>
+                <a:fontRef idx="minor">
+                  <a:schemeClr val="lt1"/>
+                </a:fontRef>
+              </p:style>
+              <p:txBody>
+                <a:bodyPr rtlCol="0" anchor="ctr"/>
+                <a:lstStyle/>
+                <a:p>
+                  <a:pPr algn="ctr"/>
+                  <a:endParaRPr lang="en-US" sz="1200" dirty="0">
+                    <a:solidFill>
+                      <a:schemeClr val="tx1"/>
+                    </a:solidFill>
+                  </a:endParaRPr>
+                </a:p>
+                <a:p>
+                  <a:pPr algn="ctr"/>
+                  <a:endParaRPr lang="en-US" sz="1200" dirty="0">
+                    <a:solidFill>
+                      <a:schemeClr val="tx1"/>
+                    </a:solidFill>
+                  </a:endParaRPr>
+                </a:p>
+                <a:p>
+                  <a:pPr algn="ctr"/>
+                  <a:endParaRPr lang="en-US" sz="1200" dirty="0">
+                    <a:solidFill>
+                      <a:schemeClr val="tx1"/>
+                    </a:solidFill>
+                  </a:endParaRPr>
+                </a:p>
+                <a:p>
+                  <a:pPr algn="ctr"/>
+                  <a:endParaRPr lang="en-US" sz="1200" dirty="0">
+                    <a:solidFill>
+                      <a:schemeClr val="tx1"/>
+                    </a:solidFill>
+                  </a:endParaRPr>
+                </a:p>
+                <a:p>
+                  <a:pPr algn="ctr"/>
+                  <a:r>
+                    <a:rPr lang="en-US" sz="1200" dirty="0">
+                      <a:solidFill>
+                        <a:schemeClr val="tx1"/>
+                      </a:solidFill>
+                    </a:rPr>
+                    <a:t>- name: String</a:t>
+                  </a:r>
+                </a:p>
+                <a:p>
+                  <a:pPr algn="ctr"/>
+                  <a:r>
+                    <a:rPr lang="en-US" sz="1200" dirty="0">
+                      <a:solidFill>
+                        <a:schemeClr val="tx1"/>
+                      </a:solidFill>
+                    </a:rPr>
+                    <a:t>- id: int</a:t>
+                  </a:r>
+                </a:p>
+                <a:p>
+                  <a:pPr marL="171450" indent="-171450" algn="ctr">
+                    <a:buFontTx/>
+                    <a:buChar char="-"/>
+                  </a:pPr>
+                  <a:r>
+                    <a:rPr lang="en-US" sz="1200" dirty="0">
+                      <a:solidFill>
+                        <a:schemeClr val="tx1"/>
+                      </a:solidFill>
+                    </a:rPr>
+                    <a:t>email: String</a:t>
+                  </a:r>
+                </a:p>
+                <a:p>
+                  <a:pPr marL="171450" indent="-171450" algn="ctr">
+                    <a:buFontTx/>
+                    <a:buChar char="-"/>
+                  </a:pPr>
+                  <a:endParaRPr lang="en-US" sz="1200" dirty="0">
+                    <a:solidFill>
+                      <a:schemeClr val="tx1"/>
+                    </a:solidFill>
+                  </a:endParaRPr>
+                </a:p>
+                <a:p>
+                  <a:pPr algn="ctr"/>
+                  <a:r>
+                    <a:rPr lang="en-US" sz="1200" dirty="0">
+                      <a:solidFill>
+                        <a:schemeClr val="tx1"/>
+                      </a:solidFill>
+                    </a:rPr>
+                    <a:t>+ Employees(name: String, id: int, salary: double)</a:t>
+                  </a:r>
+                </a:p>
+                <a:p>
+                  <a:pPr algn="ctr"/>
+                  <a:r>
+                    <a:rPr lang="en-US" sz="1200" dirty="0">
+                      <a:solidFill>
+                        <a:schemeClr val="tx1"/>
+                      </a:solidFill>
+                    </a:rPr>
+                    <a:t>+ </a:t>
+                  </a:r>
+                  <a:r>
+                    <a:rPr lang="en-US" sz="1200" dirty="0" err="1">
+                      <a:solidFill>
+                        <a:schemeClr val="tx1"/>
+                      </a:solidFill>
+                    </a:rPr>
+                    <a:t>getName</a:t>
+                  </a:r>
+                  <a:r>
+                    <a:rPr lang="en-US" sz="1200" dirty="0">
+                      <a:solidFill>
+                        <a:schemeClr val="tx1"/>
+                      </a:solidFill>
+                    </a:rPr>
+                    <a:t>(): String</a:t>
+                  </a:r>
+                </a:p>
+                <a:p>
+                  <a:pPr algn="ctr"/>
+                  <a:r>
+                    <a:rPr lang="en-US" sz="1200" dirty="0">
+                      <a:solidFill>
+                        <a:schemeClr val="tx1"/>
+                      </a:solidFill>
+                    </a:rPr>
+                    <a:t>+ </a:t>
+                  </a:r>
+                  <a:r>
+                    <a:rPr lang="en-US" sz="1200" dirty="0" err="1">
+                      <a:solidFill>
+                        <a:schemeClr val="tx1"/>
+                      </a:solidFill>
+                    </a:rPr>
+                    <a:t>setName</a:t>
+                  </a:r>
+                  <a:r>
+                    <a:rPr lang="en-US" sz="1200" dirty="0">
+                      <a:solidFill>
+                        <a:schemeClr val="tx1"/>
+                      </a:solidFill>
+                    </a:rPr>
+                    <a:t>(name: String): void</a:t>
+                  </a:r>
+                </a:p>
+                <a:p>
+                  <a:pPr algn="ctr"/>
+                  <a:r>
+                    <a:rPr lang="en-US" sz="1200" dirty="0">
+                      <a:solidFill>
+                        <a:schemeClr val="tx1"/>
+                      </a:solidFill>
+                    </a:rPr>
+                    <a:t>+ </a:t>
+                  </a:r>
+                  <a:r>
+                    <a:rPr lang="en-US" sz="1200" dirty="0" err="1">
+                      <a:solidFill>
+                        <a:schemeClr val="tx1"/>
+                      </a:solidFill>
+                    </a:rPr>
+                    <a:t>getId</a:t>
+                  </a:r>
+                  <a:r>
+                    <a:rPr lang="en-US" sz="1200" dirty="0">
+                      <a:solidFill>
+                        <a:schemeClr val="tx1"/>
+                      </a:solidFill>
+                    </a:rPr>
+                    <a:t>(): int</a:t>
+                  </a:r>
+                </a:p>
+                <a:p>
+                  <a:pPr algn="ctr"/>
+                  <a:r>
+                    <a:rPr lang="en-US" sz="1200" dirty="0">
+                      <a:solidFill>
+                        <a:schemeClr val="tx1"/>
+                      </a:solidFill>
+                    </a:rPr>
+                    <a:t>+ </a:t>
+                  </a:r>
+                  <a:r>
+                    <a:rPr lang="en-US" sz="1200" dirty="0" err="1">
+                      <a:solidFill>
+                        <a:schemeClr val="tx1"/>
+                      </a:solidFill>
+                    </a:rPr>
+                    <a:t>setId</a:t>
+                  </a:r>
+                  <a:r>
+                    <a:rPr lang="en-US" sz="1200" dirty="0">
+                      <a:solidFill>
+                        <a:schemeClr val="tx1"/>
+                      </a:solidFill>
+                    </a:rPr>
+                    <a:t>(id: int): void</a:t>
+                  </a:r>
+                </a:p>
+                <a:p>
+                  <a:pPr algn="ctr"/>
+                  <a:r>
+                    <a:rPr lang="en-US" sz="1200" dirty="0">
+                      <a:solidFill>
+                        <a:schemeClr val="tx1"/>
+                      </a:solidFill>
+                    </a:rPr>
+                    <a:t>+ </a:t>
+                  </a:r>
+                  <a:r>
+                    <a:rPr lang="en-US" sz="1200" dirty="0" err="1">
+                      <a:solidFill>
+                        <a:schemeClr val="tx1"/>
+                      </a:solidFill>
+                    </a:rPr>
+                    <a:t>getEmail</a:t>
+                  </a:r>
+                  <a:r>
+                    <a:rPr lang="en-US" sz="1200" dirty="0">
+                      <a:solidFill>
+                        <a:schemeClr val="tx1"/>
+                      </a:solidFill>
+                    </a:rPr>
+                    <a:t>(): String</a:t>
+                  </a:r>
+                </a:p>
+                <a:p>
+                  <a:pPr algn="ctr"/>
+                  <a:r>
+                    <a:rPr lang="en-US" sz="1200" dirty="0">
+                      <a:solidFill>
+                        <a:schemeClr val="tx1"/>
+                      </a:solidFill>
+                    </a:rPr>
+                    <a:t>+ </a:t>
+                  </a:r>
+                  <a:r>
+                    <a:rPr lang="en-US" sz="1200" dirty="0" err="1">
+                      <a:solidFill>
+                        <a:schemeClr val="tx1"/>
+                      </a:solidFill>
+                    </a:rPr>
+                    <a:t>setEmail</a:t>
+                  </a:r>
+                  <a:r>
+                    <a:rPr lang="en-US" sz="1200" dirty="0">
+                      <a:solidFill>
+                        <a:schemeClr val="tx1"/>
+                      </a:solidFill>
+                    </a:rPr>
+                    <a:t>(email: String): void</a:t>
+                  </a:r>
+                </a:p>
+                <a:p>
+                  <a:pPr algn="ctr"/>
+                  <a:r>
+                    <a:rPr lang="en-US" sz="1200" dirty="0">
+                      <a:solidFill>
+                        <a:schemeClr val="tx1"/>
+                      </a:solidFill>
+                    </a:rPr>
+                    <a:t>+ </a:t>
+                  </a:r>
+                  <a:r>
+                    <a:rPr lang="en-US" sz="1200" dirty="0" err="1">
+                      <a:solidFill>
+                        <a:schemeClr val="tx1"/>
+                      </a:solidFill>
+                    </a:rPr>
+                    <a:t>verifyEmail</a:t>
+                  </a:r>
+                  <a:r>
+                    <a:rPr lang="en-US" sz="1200" dirty="0">
+                      <a:solidFill>
+                        <a:schemeClr val="tx1"/>
+                      </a:solidFill>
+                    </a:rPr>
+                    <a:t>(email: String): Boolean</a:t>
+                  </a:r>
+                </a:p>
+                <a:p>
+                  <a:pPr algn="ctr"/>
+                  <a:r>
+                    <a:rPr lang="en-US" sz="1200" dirty="0">
+                      <a:solidFill>
+                        <a:schemeClr val="tx1"/>
+                      </a:solidFill>
+                    </a:rPr>
+                    <a:t>+ </a:t>
+                  </a:r>
+                  <a:r>
+                    <a:rPr lang="en-US" sz="1200" dirty="0" err="1">
+                      <a:solidFill>
+                        <a:schemeClr val="tx1"/>
+                      </a:solidFill>
+                    </a:rPr>
+                    <a:t>printStatus</a:t>
+                  </a:r>
+                  <a:r>
+                    <a:rPr lang="en-US" sz="1200" dirty="0">
+                      <a:solidFill>
+                        <a:schemeClr val="tx1"/>
+                      </a:solidFill>
+                    </a:rPr>
+                    <a:t>(</a:t>
+                  </a:r>
+                  <a:r>
+                    <a:rPr lang="en-US" sz="1200" b="1" dirty="0" err="1">
+                      <a:solidFill>
+                        <a:schemeClr val="tx1"/>
+                      </a:solidFill>
+                    </a:rPr>
+                    <a:t>getName</a:t>
+                  </a:r>
+                  <a:r>
+                    <a:rPr lang="en-US" sz="1200" b="1" dirty="0">
+                      <a:solidFill>
+                        <a:schemeClr val="tx1"/>
+                      </a:solidFill>
+                    </a:rPr>
+                    <a:t>(), </a:t>
+                  </a:r>
+                  <a:r>
+                    <a:rPr lang="en-US" sz="1200" dirty="0">
+                      <a:solidFill>
+                        <a:schemeClr val="tx1"/>
+                      </a:solidFill>
+                    </a:rPr>
+                    <a:t>id, salary)</a:t>
+                  </a:r>
+                </a:p>
+              </p:txBody>
+            </p:sp>
+            <p:cxnSp>
+              <p:nvCxnSpPr>
+                <p:cNvPr id="6" name="Straight Connector 5">
+                  <a:extLst>
+                    <a:ext uri="{FF2B5EF4-FFF2-40B4-BE49-F238E27FC236}">
+                      <a16:creationId xmlns:a16="http://schemas.microsoft.com/office/drawing/2014/main" id="{B1FCE7C6-1EE4-4258-937F-621E4535A63D}"/>
+                    </a:ext>
+                  </a:extLst>
+                </p:cNvPr>
+                <p:cNvCxnSpPr>
+                  <a:cxnSpLocks/>
+                </p:cNvCxnSpPr>
+                <p:nvPr/>
+              </p:nvCxnSpPr>
+              <p:spPr>
+                <a:xfrm>
+                  <a:off x="4927875" y="877332"/>
+                  <a:ext cx="3054590" cy="0"/>
+                </a:xfrm>
+                <a:prstGeom prst="line">
+                  <a:avLst/>
+                </a:prstGeom>
+              </p:spPr>
+              <p:style>
+                <a:lnRef idx="1">
+                  <a:schemeClr val="dk1"/>
+                </a:lnRef>
+                <a:fillRef idx="0">
+                  <a:schemeClr val="dk1"/>
+                </a:fillRef>
+                <a:effectRef idx="0">
+                  <a:schemeClr val="dk1"/>
+                </a:effectRef>
+                <a:fontRef idx="minor">
+                  <a:schemeClr val="tx1"/>
+                </a:fontRef>
+              </p:style>
+            </p:cxnSp>
+            <p:cxnSp>
+              <p:nvCxnSpPr>
+                <p:cNvPr id="7" name="Straight Connector 6">
+                  <a:extLst>
+                    <a:ext uri="{FF2B5EF4-FFF2-40B4-BE49-F238E27FC236}">
+                      <a16:creationId xmlns:a16="http://schemas.microsoft.com/office/drawing/2014/main" id="{5FB76313-39ED-43FD-AA5C-A3A68B1D5607}"/>
+                    </a:ext>
+                  </a:extLst>
+                </p:cNvPr>
+                <p:cNvCxnSpPr>
+                  <a:cxnSpLocks/>
+                </p:cNvCxnSpPr>
+                <p:nvPr/>
+              </p:nvCxnSpPr>
+              <p:spPr>
+                <a:xfrm>
+                  <a:off x="4927875" y="1491044"/>
+                  <a:ext cx="3054590" cy="0"/>
+                </a:xfrm>
+                <a:prstGeom prst="line">
+                  <a:avLst/>
+                </a:prstGeom>
+              </p:spPr>
+              <p:style>
+                <a:lnRef idx="1">
+                  <a:schemeClr val="dk1"/>
+                </a:lnRef>
+                <a:fillRef idx="0">
+                  <a:schemeClr val="dk1"/>
+                </a:fillRef>
+                <a:effectRef idx="0">
+                  <a:schemeClr val="dk1"/>
+                </a:effectRef>
+                <a:fontRef idx="minor">
+                  <a:schemeClr val="tx1"/>
+                </a:fontRef>
+              </p:style>
+            </p:cxnSp>
+          </p:grpSp>
+          <p:sp>
+            <p:nvSpPr>
+              <p:cNvPr id="32" name="TextBox 31">
+                <a:extLst>
+                  <a:ext uri="{FF2B5EF4-FFF2-40B4-BE49-F238E27FC236}">
+                    <a16:creationId xmlns:a16="http://schemas.microsoft.com/office/drawing/2014/main" id="{3CB13B25-D642-4C16-95FD-F5068E62E69D}"/>
+                  </a:ext>
+                </a:extLst>
+              </p:cNvPr>
+              <p:cNvSpPr txBox="1"/>
+              <p:nvPr/>
+            </p:nvSpPr>
+            <p:spPr>
+              <a:xfrm>
+                <a:off x="3822407" y="494273"/>
+                <a:ext cx="1639278" cy="369332"/>
+              </a:xfrm>
+              <a:prstGeom prst="rect">
+                <a:avLst/>
+              </a:prstGeom>
+              <a:noFill/>
+            </p:spPr>
+            <p:txBody>
+              <a:bodyPr wrap="square">
+                <a:spAutoFit/>
+              </a:bodyPr>
+              <a:lstStyle/>
+              <a:p>
+                <a:r>
+                  <a:rPr lang="en-US" sz="1800" dirty="0">
+                    <a:solidFill>
+                      <a:schemeClr val="tx1"/>
+                    </a:solidFill>
+                  </a:rPr>
+                  <a:t>Employees</a:t>
+                </a:r>
+                <a:endParaRPr lang="en-US" dirty="0"/>
+              </a:p>
+            </p:txBody>
+          </p:sp>
+        </p:grpSp>
+        <p:grpSp>
+          <p:nvGrpSpPr>
+            <p:cNvPr id="10" name="Group 9">
+              <a:extLst>
+                <a:ext uri="{FF2B5EF4-FFF2-40B4-BE49-F238E27FC236}">
+                  <a16:creationId xmlns:a16="http://schemas.microsoft.com/office/drawing/2014/main" id="{9C8004BC-8404-4C4C-A076-A96863ABB60D}"/>
+                </a:ext>
+              </a:extLst>
+            </p:cNvPr>
+            <p:cNvGrpSpPr/>
+            <p:nvPr/>
+          </p:nvGrpSpPr>
+          <p:grpSpPr>
+            <a:xfrm>
+              <a:off x="1959827" y="3745449"/>
+              <a:ext cx="3782344" cy="2793076"/>
+              <a:chOff x="939937" y="3607868"/>
+              <a:chExt cx="3470603" cy="3219815"/>
+            </a:xfrm>
+          </p:grpSpPr>
+          <p:grpSp>
+            <p:nvGrpSpPr>
+              <p:cNvPr id="13" name="Group 12">
+                <a:extLst>
+                  <a:ext uri="{FF2B5EF4-FFF2-40B4-BE49-F238E27FC236}">
+                    <a16:creationId xmlns:a16="http://schemas.microsoft.com/office/drawing/2014/main" id="{5DE198D1-401A-47A4-B746-F77667FCB198}"/>
+                  </a:ext>
+                </a:extLst>
+              </p:cNvPr>
+              <p:cNvGrpSpPr/>
+              <p:nvPr/>
+            </p:nvGrpSpPr>
+            <p:grpSpPr>
+              <a:xfrm>
+                <a:off x="939937" y="3607869"/>
+                <a:ext cx="3470603" cy="3219814"/>
+                <a:chOff x="4927875" y="620961"/>
+                <a:chExt cx="3160856" cy="2640813"/>
+              </a:xfrm>
+            </p:grpSpPr>
+            <p:sp>
+              <p:nvSpPr>
+                <p:cNvPr id="14" name="Rectangle: Rounded Corners 13">
+                  <a:extLst>
+                    <a:ext uri="{FF2B5EF4-FFF2-40B4-BE49-F238E27FC236}">
+                      <a16:creationId xmlns:a16="http://schemas.microsoft.com/office/drawing/2014/main" id="{044FD8D8-ACF4-4C28-8348-0890F10ABE9F}"/>
+                    </a:ext>
+                  </a:extLst>
+                </p:cNvPr>
+                <p:cNvSpPr/>
+                <p:nvPr/>
+              </p:nvSpPr>
+              <p:spPr>
+                <a:xfrm>
+                  <a:off x="4927875" y="620961"/>
+                  <a:ext cx="3160856" cy="2640813"/>
+                </a:xfrm>
+                <a:prstGeom prst="roundRect">
+                  <a:avLst/>
+                </a:prstGeom>
+                <a:noFill/>
+                <a:ln>
+                  <a:solidFill>
+                    <a:schemeClr val="tx1"/>
+                  </a:solidFill>
+                </a:ln>
+              </p:spPr>
+              <p:style>
+                <a:lnRef idx="2">
+                  <a:schemeClr val="accent1">
+                    <a:shade val="50000"/>
+                  </a:schemeClr>
+                </a:lnRef>
+                <a:fillRef idx="1">
+                  <a:schemeClr val="accent1"/>
+                </a:fillRef>
+                <a:effectRef idx="0">
+                  <a:schemeClr val="accent1"/>
+                </a:effectRef>
+                <a:fontRef idx="minor">
+                  <a:schemeClr val="lt1"/>
+                </a:fontRef>
+              </p:style>
+              <p:txBody>
+                <a:bodyPr rtlCol="0" anchor="ctr"/>
+                <a:lstStyle/>
+                <a:p>
+                  <a:pPr algn="ctr"/>
+                  <a:endParaRPr lang="en-US" sz="1200" dirty="0">
+                    <a:solidFill>
+                      <a:schemeClr val="tx1"/>
+                    </a:solidFill>
+                  </a:endParaRPr>
+                </a:p>
+                <a:p>
+                  <a:pPr algn="ctr"/>
+                  <a:endParaRPr lang="en-US" sz="1200" dirty="0">
+                    <a:solidFill>
+                      <a:schemeClr val="tx1"/>
+                    </a:solidFill>
+                  </a:endParaRPr>
+                </a:p>
+                <a:p>
+                  <a:pPr marL="171450" indent="-171450" algn="ctr">
+                    <a:buFontTx/>
+                    <a:buChar char="-"/>
+                  </a:pPr>
+                  <a:r>
+                    <a:rPr lang="en-US" sz="1200" dirty="0" err="1">
+                      <a:solidFill>
+                        <a:schemeClr val="tx1"/>
+                      </a:solidFill>
+                    </a:rPr>
+                    <a:t>working_since</a:t>
+                  </a:r>
+                  <a:r>
+                    <a:rPr lang="en-US" sz="1200" dirty="0">
+                      <a:solidFill>
+                        <a:schemeClr val="tx1"/>
+                      </a:solidFill>
+                    </a:rPr>
+                    <a:t>: String</a:t>
+                  </a:r>
+                </a:p>
+                <a:p>
+                  <a:pPr marL="171450" indent="-171450" algn="ctr">
+                    <a:buFontTx/>
+                    <a:buChar char="-"/>
+                  </a:pPr>
+                  <a:r>
+                    <a:rPr lang="en-US" sz="1200" dirty="0" err="1">
+                      <a:solidFill>
+                        <a:schemeClr val="tx1"/>
+                      </a:solidFill>
+                    </a:rPr>
+                    <a:t>project_name</a:t>
+                  </a:r>
+                  <a:r>
+                    <a:rPr lang="en-US" sz="1200" dirty="0">
+                      <a:solidFill>
+                        <a:schemeClr val="tx1"/>
+                      </a:solidFill>
+                    </a:rPr>
+                    <a:t>: String </a:t>
+                  </a:r>
+                </a:p>
+                <a:p>
+                  <a:pPr marL="171450" indent="-171450" algn="ctr">
+                    <a:buFontTx/>
+                    <a:buChar char="-"/>
+                  </a:pPr>
+                  <a:r>
+                    <a:rPr lang="en-US" sz="1200" dirty="0" err="1">
+                      <a:solidFill>
+                        <a:schemeClr val="tx1"/>
+                      </a:solidFill>
+                    </a:rPr>
+                    <a:t>team_members</a:t>
+                  </a:r>
+                  <a:r>
+                    <a:rPr lang="en-US" sz="1200" dirty="0">
+                      <a:solidFill>
+                        <a:schemeClr val="tx1"/>
+                      </a:solidFill>
+                    </a:rPr>
+                    <a:t>: int</a:t>
+                  </a:r>
+                </a:p>
+                <a:p>
+                  <a:pPr marL="171450" indent="-171450" algn="ctr">
+                    <a:buFontTx/>
+                    <a:buChar char="-"/>
+                  </a:pPr>
+                  <a:r>
+                    <a:rPr lang="en-US" sz="1200" dirty="0" err="1">
+                      <a:solidFill>
+                        <a:schemeClr val="tx1"/>
+                      </a:solidFill>
+                    </a:rPr>
+                    <a:t>scrum_master</a:t>
+                  </a:r>
+                  <a:r>
+                    <a:rPr lang="en-US" sz="1200" dirty="0">
+                      <a:solidFill>
+                        <a:schemeClr val="tx1"/>
+                      </a:solidFill>
+                    </a:rPr>
+                    <a:t>: </a:t>
+                  </a:r>
+                  <a:r>
+                    <a:rPr lang="en-US" sz="1200" dirty="0" err="1">
+                      <a:solidFill>
+                        <a:schemeClr val="tx1"/>
+                      </a:solidFill>
+                    </a:rPr>
+                    <a:t>boolean</a:t>
+                  </a:r>
+                  <a:endParaRPr lang="en-US" sz="1200" dirty="0">
+                    <a:solidFill>
+                      <a:schemeClr val="tx1"/>
+                    </a:solidFill>
+                  </a:endParaRPr>
+                </a:p>
+                <a:p>
+                  <a:pPr algn="ctr"/>
+                  <a:endParaRPr lang="en-US" sz="1200" dirty="0">
+                    <a:solidFill>
+                      <a:schemeClr val="tx1"/>
+                    </a:solidFill>
+                  </a:endParaRPr>
+                </a:p>
+                <a:p>
+                  <a:pPr algn="ctr"/>
+                  <a:r>
+                    <a:rPr lang="en-US" sz="1200" dirty="0">
+                      <a:solidFill>
+                        <a:schemeClr val="tx1"/>
+                      </a:solidFill>
+                    </a:rPr>
+                    <a:t>+ </a:t>
+                  </a:r>
+                  <a:r>
+                    <a:rPr lang="en-US" sz="1200" dirty="0" err="1">
+                      <a:solidFill>
+                        <a:schemeClr val="tx1"/>
+                      </a:solidFill>
+                    </a:rPr>
+                    <a:t>BackEndDev</a:t>
+                  </a:r>
+                  <a:r>
+                    <a:rPr lang="en-US" sz="1200" dirty="0">
+                      <a:solidFill>
+                        <a:schemeClr val="tx1"/>
+                      </a:solidFill>
+                    </a:rPr>
+                    <a:t>(super(name, id, salary, </a:t>
+                  </a:r>
+                  <a:r>
+                    <a:rPr lang="en-US" sz="1200" dirty="0" err="1">
+                      <a:solidFill>
+                        <a:schemeClr val="tx1"/>
+                      </a:solidFill>
+                    </a:rPr>
+                    <a:t>working_since</a:t>
+                  </a:r>
+                  <a:r>
+                    <a:rPr lang="en-US" sz="1200" dirty="0">
+                      <a:solidFill>
+                        <a:schemeClr val="tx1"/>
+                      </a:solidFill>
+                    </a:rPr>
+                    <a:t>: String), </a:t>
+                  </a:r>
+                  <a:r>
+                    <a:rPr lang="en-US" sz="1200" dirty="0" err="1">
+                      <a:solidFill>
+                        <a:schemeClr val="tx1"/>
+                      </a:solidFill>
+                    </a:rPr>
+                    <a:t>scrum_master</a:t>
+                  </a:r>
+                  <a:r>
+                    <a:rPr lang="en-US" sz="1200" dirty="0">
+                      <a:solidFill>
+                        <a:schemeClr val="tx1"/>
+                      </a:solidFill>
+                    </a:rPr>
+                    <a:t>: </a:t>
+                  </a:r>
+                  <a:r>
+                    <a:rPr lang="en-US" sz="1200" dirty="0" err="1">
+                      <a:solidFill>
+                        <a:schemeClr val="tx1"/>
+                      </a:solidFill>
+                    </a:rPr>
+                    <a:t>boolean</a:t>
+                  </a:r>
+                  <a:r>
+                    <a:rPr lang="en-US" sz="1200" dirty="0">
+                      <a:solidFill>
+                        <a:schemeClr val="tx1"/>
+                      </a:solidFill>
+                    </a:rPr>
+                    <a:t>)</a:t>
+                  </a:r>
+                </a:p>
+                <a:p>
+                  <a:pPr algn="ctr"/>
+                  <a:r>
+                    <a:rPr lang="en-US" sz="1200" dirty="0">
+                      <a:solidFill>
+                        <a:schemeClr val="tx1"/>
+                      </a:solidFill>
+                    </a:rPr>
+                    <a:t>+ </a:t>
+                  </a:r>
+                  <a:r>
+                    <a:rPr lang="en-US" sz="1200" dirty="0" err="1">
+                      <a:solidFill>
+                        <a:schemeClr val="tx1"/>
+                      </a:solidFill>
+                    </a:rPr>
+                    <a:t>printEmploymentYears</a:t>
+                  </a:r>
+                  <a:r>
+                    <a:rPr lang="en-US" sz="1200" dirty="0">
+                      <a:solidFill>
+                        <a:schemeClr val="tx1"/>
+                      </a:solidFill>
+                    </a:rPr>
+                    <a:t>(</a:t>
+                  </a:r>
+                  <a:r>
+                    <a:rPr lang="en-US" sz="1200" dirty="0" err="1">
+                      <a:solidFill>
+                        <a:schemeClr val="tx1"/>
+                      </a:solidFill>
+                    </a:rPr>
+                    <a:t>working_since</a:t>
+                  </a:r>
+                  <a:r>
+                    <a:rPr lang="en-US" sz="1200" dirty="0">
+                      <a:solidFill>
+                        <a:schemeClr val="tx1"/>
+                      </a:solidFill>
+                    </a:rPr>
+                    <a:t>: String)</a:t>
+                  </a:r>
+                </a:p>
+                <a:p>
+                  <a:pPr algn="ctr"/>
+                  <a:r>
+                    <a:rPr lang="en-US" sz="1200" dirty="0">
+                      <a:solidFill>
+                        <a:schemeClr val="tx1"/>
+                      </a:solidFill>
+                    </a:rPr>
+                    <a:t>+ </a:t>
+                  </a:r>
+                  <a:r>
+                    <a:rPr lang="en-US" sz="1200" dirty="0" err="1">
+                      <a:solidFill>
+                        <a:schemeClr val="tx1"/>
+                      </a:solidFill>
+                    </a:rPr>
+                    <a:t>assignProject</a:t>
+                  </a:r>
+                  <a:r>
+                    <a:rPr lang="en-US" sz="1200" dirty="0">
+                      <a:solidFill>
+                        <a:schemeClr val="tx1"/>
+                      </a:solidFill>
+                    </a:rPr>
+                    <a:t>(</a:t>
+                  </a:r>
+                  <a:r>
+                    <a:rPr lang="en-US" sz="1200" dirty="0" err="1">
+                      <a:solidFill>
+                        <a:schemeClr val="tx1"/>
+                      </a:solidFill>
+                    </a:rPr>
+                    <a:t>project_name</a:t>
+                  </a:r>
+                  <a:r>
+                    <a:rPr lang="en-US" sz="1200" dirty="0">
+                      <a:solidFill>
+                        <a:schemeClr val="tx1"/>
+                      </a:solidFill>
+                    </a:rPr>
+                    <a:t>: String, </a:t>
+                  </a:r>
+                  <a:r>
+                    <a:rPr lang="en-US" sz="1200" dirty="0" err="1">
+                      <a:solidFill>
+                        <a:schemeClr val="tx1"/>
+                      </a:solidFill>
+                    </a:rPr>
+                    <a:t>team_members</a:t>
+                  </a:r>
+                  <a:r>
+                    <a:rPr lang="en-US" sz="1200" dirty="0">
+                      <a:solidFill>
+                        <a:schemeClr val="tx1"/>
+                      </a:solidFill>
+                    </a:rPr>
+                    <a:t>: int, </a:t>
+                  </a:r>
+                  <a:r>
+                    <a:rPr lang="en-US" sz="1200" dirty="0" err="1">
+                      <a:solidFill>
+                        <a:schemeClr val="tx1"/>
+                      </a:solidFill>
+                    </a:rPr>
+                    <a:t>server_side_framework</a:t>
+                  </a:r>
+                  <a:r>
+                    <a:rPr lang="en-US" sz="1200" dirty="0">
+                      <a:solidFill>
+                        <a:schemeClr val="tx1"/>
+                      </a:solidFill>
+                    </a:rPr>
+                    <a:t>: String)</a:t>
+                  </a:r>
+                </a:p>
+                <a:p>
+                  <a:pPr algn="ctr"/>
+                  <a:r>
+                    <a:rPr lang="en-US" sz="1200" dirty="0">
+                      <a:solidFill>
+                        <a:schemeClr val="tx1"/>
+                      </a:solidFill>
+                    </a:rPr>
+                    <a:t>+ </a:t>
+                  </a:r>
+                  <a:r>
+                    <a:rPr lang="en-US" sz="1200" dirty="0" err="1">
+                      <a:solidFill>
+                        <a:schemeClr val="tx1"/>
+                      </a:solidFill>
+                    </a:rPr>
+                    <a:t>printAssignedProject</a:t>
+                  </a:r>
+                  <a:r>
+                    <a:rPr lang="en-US" sz="1200" dirty="0">
+                      <a:solidFill>
+                        <a:schemeClr val="tx1"/>
+                      </a:solidFill>
+                    </a:rPr>
+                    <a:t>()</a:t>
+                  </a:r>
+                </a:p>
+              </p:txBody>
+            </p:sp>
+            <p:cxnSp>
+              <p:nvCxnSpPr>
+                <p:cNvPr id="15" name="Straight Connector 14">
+                  <a:extLst>
+                    <a:ext uri="{FF2B5EF4-FFF2-40B4-BE49-F238E27FC236}">
+                      <a16:creationId xmlns:a16="http://schemas.microsoft.com/office/drawing/2014/main" id="{AF7B474A-85D3-41C0-9367-C7D09FAB2736}"/>
+                    </a:ext>
+                  </a:extLst>
+                </p:cNvPr>
+                <p:cNvCxnSpPr>
+                  <a:cxnSpLocks/>
+                </p:cNvCxnSpPr>
+                <p:nvPr/>
+              </p:nvCxnSpPr>
+              <p:spPr>
+                <a:xfrm>
+                  <a:off x="4927875" y="1024375"/>
+                  <a:ext cx="3160856" cy="0"/>
+                </a:xfrm>
+                <a:prstGeom prst="line">
+                  <a:avLst/>
+                </a:prstGeom>
+              </p:spPr>
+              <p:style>
+                <a:lnRef idx="1">
+                  <a:schemeClr val="dk1"/>
+                </a:lnRef>
+                <a:fillRef idx="0">
+                  <a:schemeClr val="dk1"/>
+                </a:fillRef>
+                <a:effectRef idx="0">
+                  <a:schemeClr val="dk1"/>
+                </a:effectRef>
+                <a:fontRef idx="minor">
+                  <a:schemeClr val="tx1"/>
+                </a:fontRef>
+              </p:style>
+            </p:cxnSp>
+            <p:cxnSp>
+              <p:nvCxnSpPr>
+                <p:cNvPr id="16" name="Straight Connector 15">
+                  <a:extLst>
+                    <a:ext uri="{FF2B5EF4-FFF2-40B4-BE49-F238E27FC236}">
+                      <a16:creationId xmlns:a16="http://schemas.microsoft.com/office/drawing/2014/main" id="{5E84FB68-3859-470D-8003-131AD51DA0CE}"/>
+                    </a:ext>
+                  </a:extLst>
+                </p:cNvPr>
+                <p:cNvCxnSpPr>
+                  <a:cxnSpLocks/>
+                </p:cNvCxnSpPr>
+                <p:nvPr/>
+              </p:nvCxnSpPr>
+              <p:spPr>
+                <a:xfrm>
+                  <a:off x="4927875" y="1935801"/>
+                  <a:ext cx="3160856" cy="0"/>
+                </a:xfrm>
+                <a:prstGeom prst="line">
+                  <a:avLst/>
+                </a:prstGeom>
+              </p:spPr>
+              <p:style>
+                <a:lnRef idx="1">
+                  <a:schemeClr val="dk1"/>
+                </a:lnRef>
+                <a:fillRef idx="0">
+                  <a:schemeClr val="dk1"/>
+                </a:fillRef>
+                <a:effectRef idx="0">
+                  <a:schemeClr val="dk1"/>
+                </a:effectRef>
+                <a:fontRef idx="minor">
+                  <a:schemeClr val="tx1"/>
+                </a:fontRef>
+              </p:style>
+            </p:cxnSp>
+          </p:grpSp>
+          <p:sp>
+            <p:nvSpPr>
+              <p:cNvPr id="34" name="TextBox 33">
+                <a:extLst>
+                  <a:ext uri="{FF2B5EF4-FFF2-40B4-BE49-F238E27FC236}">
+                    <a16:creationId xmlns:a16="http://schemas.microsoft.com/office/drawing/2014/main" id="{3606E09D-20EC-4658-AB0F-6AB0CE998427}"/>
+                  </a:ext>
+                </a:extLst>
+              </p:cNvPr>
+              <p:cNvSpPr txBox="1"/>
+              <p:nvPr/>
+            </p:nvSpPr>
+            <p:spPr>
+              <a:xfrm>
+                <a:off x="2057915" y="3607868"/>
+                <a:ext cx="1344364" cy="369332"/>
+              </a:xfrm>
+              <a:prstGeom prst="rect">
+                <a:avLst/>
+              </a:prstGeom>
+              <a:noFill/>
+            </p:spPr>
+            <p:txBody>
+              <a:bodyPr wrap="square">
+                <a:spAutoFit/>
+              </a:bodyPr>
+              <a:lstStyle/>
+              <a:p>
+                <a:r>
+                  <a:rPr lang="en-US" sz="1800" dirty="0" err="1">
+                    <a:solidFill>
+                      <a:schemeClr val="tx1"/>
+                    </a:solidFill>
+                  </a:rPr>
+                  <a:t>BackEndDev</a:t>
+                </a:r>
+                <a:endParaRPr lang="en-US" dirty="0"/>
+              </a:p>
+            </p:txBody>
+          </p:sp>
+        </p:grpSp>
+        <p:grpSp>
+          <p:nvGrpSpPr>
+            <p:cNvPr id="9" name="Group 8">
+              <a:extLst>
+                <a:ext uri="{FF2B5EF4-FFF2-40B4-BE49-F238E27FC236}">
+                  <a16:creationId xmlns:a16="http://schemas.microsoft.com/office/drawing/2014/main" id="{2282C704-1AC4-473A-88FC-1A3765A6ADCC}"/>
+                </a:ext>
+              </a:extLst>
+            </p:cNvPr>
+            <p:cNvGrpSpPr/>
+            <p:nvPr/>
+          </p:nvGrpSpPr>
+          <p:grpSpPr>
+            <a:xfrm>
+              <a:off x="7336615" y="3705360"/>
+              <a:ext cx="3697967" cy="2833165"/>
+              <a:chOff x="4123859" y="3780458"/>
+              <a:chExt cx="3697967" cy="2833165"/>
+            </a:xfrm>
+          </p:grpSpPr>
+          <p:sp>
+            <p:nvSpPr>
+              <p:cNvPr id="22" name="Rectangle: Rounded Corners 21">
+                <a:extLst>
+                  <a:ext uri="{FF2B5EF4-FFF2-40B4-BE49-F238E27FC236}">
+                    <a16:creationId xmlns:a16="http://schemas.microsoft.com/office/drawing/2014/main" id="{D436DD61-F889-4FBB-9298-CD3C32911F0A}"/>
+                  </a:ext>
+                </a:extLst>
+              </p:cNvPr>
+              <p:cNvSpPr/>
+              <p:nvPr/>
+            </p:nvSpPr>
+            <p:spPr>
+              <a:xfrm>
+                <a:off x="4123861" y="3780458"/>
+                <a:ext cx="3697965" cy="2833165"/>
+              </a:xfrm>
+              <a:prstGeom prst="roundRect">
+                <a:avLst/>
+              </a:prstGeom>
+              <a:noFill/>
+              <a:ln>
+                <a:solidFill>
+                  <a:schemeClr val="tx1"/>
+                </a:solidFill>
+              </a:ln>
+            </p:spPr>
+            <p:style>
+              <a:lnRef idx="2">
+                <a:schemeClr val="accent1">
+                  <a:shade val="50000"/>
+                </a:schemeClr>
+              </a:lnRef>
+              <a:fillRef idx="1">
+                <a:schemeClr val="accent1"/>
+              </a:fillRef>
+              <a:effectRef idx="0">
+                <a:schemeClr val="accent1"/>
+              </a:effectRef>
+              <a:fontRef idx="minor">
+                <a:schemeClr val="lt1"/>
+              </a:fontRef>
+            </p:style>
+            <p:txBody>
+              <a:bodyPr rtlCol="0" anchor="ctr"/>
+              <a:lstStyle/>
+              <a:p>
+                <a:pPr algn="ctr"/>
+                <a:endParaRPr lang="en-US" sz="1200" dirty="0">
+                  <a:solidFill>
+                    <a:schemeClr val="tx1"/>
+                  </a:solidFill>
+                </a:endParaRPr>
+              </a:p>
+              <a:p>
+                <a:pPr algn="ctr"/>
+                <a:endParaRPr lang="en-US" sz="1200" dirty="0">
+                  <a:solidFill>
+                    <a:schemeClr val="tx1"/>
+                  </a:solidFill>
+                </a:endParaRPr>
+              </a:p>
+              <a:p>
+                <a:pPr algn="ctr"/>
+                <a:endParaRPr lang="en-US" sz="1200" dirty="0">
+                  <a:solidFill>
+                    <a:schemeClr val="tx1"/>
+                  </a:solidFill>
+                </a:endParaRPr>
+              </a:p>
+              <a:p>
+                <a:pPr marL="171450" indent="-171450" algn="ctr">
+                  <a:buFontTx/>
+                  <a:buChar char="-"/>
+                </a:pPr>
+                <a:r>
+                  <a:rPr lang="en-US" sz="1200" dirty="0" err="1">
+                    <a:solidFill>
+                      <a:schemeClr val="tx1"/>
+                    </a:solidFill>
+                  </a:rPr>
+                  <a:t>working_since</a:t>
+                </a:r>
+                <a:r>
+                  <a:rPr lang="en-US" sz="1200" dirty="0">
+                    <a:solidFill>
+                      <a:schemeClr val="tx1"/>
+                    </a:solidFill>
+                  </a:rPr>
+                  <a:t>: String</a:t>
+                </a:r>
+              </a:p>
+              <a:p>
+                <a:pPr marL="171450" indent="-171450" algn="ctr">
+                  <a:buFontTx/>
+                  <a:buChar char="-"/>
+                </a:pPr>
+                <a:r>
+                  <a:rPr lang="en-US" sz="1200" dirty="0" err="1">
+                    <a:solidFill>
+                      <a:schemeClr val="tx1"/>
+                    </a:solidFill>
+                  </a:rPr>
+                  <a:t>project_name</a:t>
+                </a:r>
+                <a:r>
+                  <a:rPr lang="en-US" sz="1200" dirty="0">
+                    <a:solidFill>
+                      <a:schemeClr val="tx1"/>
+                    </a:solidFill>
+                  </a:rPr>
+                  <a:t>: String </a:t>
+                </a:r>
+              </a:p>
+              <a:p>
+                <a:pPr marL="171450" indent="-171450" algn="ctr">
+                  <a:buFontTx/>
+                  <a:buChar char="-"/>
+                </a:pPr>
+                <a:r>
+                  <a:rPr lang="en-US" sz="1200" dirty="0" err="1">
+                    <a:solidFill>
+                      <a:schemeClr val="tx1"/>
+                    </a:solidFill>
+                  </a:rPr>
+                  <a:t>team_members</a:t>
+                </a:r>
+                <a:r>
+                  <a:rPr lang="en-US" sz="1200" dirty="0">
+                    <a:solidFill>
+                      <a:schemeClr val="tx1"/>
+                    </a:solidFill>
+                  </a:rPr>
+                  <a:t>: int</a:t>
+                </a:r>
+              </a:p>
+              <a:p>
+                <a:pPr marL="171450" indent="-171450" algn="ctr">
+                  <a:buFontTx/>
+                  <a:buChar char="-"/>
+                </a:pPr>
+                <a:r>
+                  <a:rPr lang="en-US" sz="1200" dirty="0" err="1">
+                    <a:solidFill>
+                      <a:schemeClr val="tx1"/>
+                    </a:solidFill>
+                  </a:rPr>
+                  <a:t>team_leader</a:t>
+                </a:r>
+                <a:r>
+                  <a:rPr lang="en-US" sz="1200" dirty="0">
+                    <a:solidFill>
+                      <a:schemeClr val="tx1"/>
+                    </a:solidFill>
+                  </a:rPr>
+                  <a:t>: String</a:t>
+                </a:r>
+              </a:p>
+              <a:p>
+                <a:pPr algn="ctr"/>
+                <a:endParaRPr lang="en-US" sz="1200" dirty="0">
+                  <a:solidFill>
+                    <a:schemeClr val="tx1"/>
+                  </a:solidFill>
+                </a:endParaRPr>
+              </a:p>
+              <a:p>
+                <a:pPr algn="ctr"/>
+                <a:r>
+                  <a:rPr lang="en-US" sz="1200" dirty="0">
+                    <a:solidFill>
+                      <a:schemeClr val="tx1"/>
+                    </a:solidFill>
+                  </a:rPr>
+                  <a:t>+ </a:t>
+                </a:r>
+                <a:r>
+                  <a:rPr lang="en-US" sz="1200" dirty="0" err="1">
+                    <a:solidFill>
+                      <a:schemeClr val="tx1"/>
+                    </a:solidFill>
+                  </a:rPr>
+                  <a:t>FrontEndDev</a:t>
+                </a:r>
+                <a:r>
+                  <a:rPr lang="en-US" sz="1200" dirty="0">
+                    <a:solidFill>
+                      <a:schemeClr val="tx1"/>
+                    </a:solidFill>
+                  </a:rPr>
+                  <a:t>(super(name, id, salary, </a:t>
+                </a:r>
+                <a:r>
+                  <a:rPr lang="en-US" sz="1200" dirty="0" err="1">
+                    <a:solidFill>
+                      <a:schemeClr val="tx1"/>
+                    </a:solidFill>
+                  </a:rPr>
+                  <a:t>working_since</a:t>
+                </a:r>
+                <a:r>
+                  <a:rPr lang="en-US" sz="1200" dirty="0">
+                    <a:solidFill>
+                      <a:schemeClr val="tx1"/>
+                    </a:solidFill>
+                  </a:rPr>
+                  <a:t>: String, </a:t>
+                </a:r>
+                <a:r>
+                  <a:rPr lang="en-US" sz="1200" dirty="0" err="1">
+                    <a:solidFill>
+                      <a:schemeClr val="tx1"/>
+                    </a:solidFill>
+                  </a:rPr>
+                  <a:t>scrum_master</a:t>
+                </a:r>
+                <a:r>
+                  <a:rPr lang="en-US" sz="1200" dirty="0">
+                    <a:solidFill>
+                      <a:schemeClr val="tx1"/>
+                    </a:solidFill>
+                  </a:rPr>
+                  <a:t>: </a:t>
+                </a:r>
+                <a:r>
+                  <a:rPr lang="en-US" sz="1200" dirty="0" err="1">
+                    <a:solidFill>
+                      <a:schemeClr val="tx1"/>
+                    </a:solidFill>
+                  </a:rPr>
+                  <a:t>boolean</a:t>
+                </a:r>
+                <a:r>
+                  <a:rPr lang="en-US" sz="1200" dirty="0">
+                    <a:solidFill>
+                      <a:schemeClr val="tx1"/>
+                    </a:solidFill>
+                  </a:rPr>
+                  <a:t>) </a:t>
+                </a:r>
+                <a:r>
+                  <a:rPr lang="en-US" sz="1200" dirty="0" err="1">
+                    <a:solidFill>
+                      <a:schemeClr val="tx1"/>
+                    </a:solidFill>
+                  </a:rPr>
+                  <a:t>team_leader</a:t>
+                </a:r>
+                <a:r>
+                  <a:rPr lang="en-US" sz="1200" dirty="0">
+                    <a:solidFill>
+                      <a:schemeClr val="tx1"/>
+                    </a:solidFill>
+                  </a:rPr>
+                  <a:t>: String)</a:t>
+                </a:r>
+              </a:p>
+              <a:p>
+                <a:pPr algn="ctr"/>
+                <a:r>
+                  <a:rPr lang="en-US" sz="1200" dirty="0">
+                    <a:solidFill>
+                      <a:schemeClr val="tx1"/>
+                    </a:solidFill>
+                  </a:rPr>
+                  <a:t>+ </a:t>
+                </a:r>
+                <a:r>
+                  <a:rPr lang="en-US" sz="1200" dirty="0" err="1">
+                    <a:solidFill>
+                      <a:schemeClr val="tx1"/>
+                    </a:solidFill>
+                  </a:rPr>
+                  <a:t>printEmploymentYears</a:t>
+                </a:r>
+                <a:r>
+                  <a:rPr lang="en-US" sz="1200" dirty="0">
+                    <a:solidFill>
+                      <a:schemeClr val="tx1"/>
+                    </a:solidFill>
+                  </a:rPr>
+                  <a:t>(</a:t>
+                </a:r>
+                <a:r>
+                  <a:rPr lang="en-US" sz="1200" dirty="0" err="1">
+                    <a:solidFill>
+                      <a:schemeClr val="tx1"/>
+                    </a:solidFill>
+                  </a:rPr>
+                  <a:t>working_since</a:t>
+                </a:r>
+                <a:r>
+                  <a:rPr lang="en-US" sz="1200" dirty="0">
+                    <a:solidFill>
+                      <a:schemeClr val="tx1"/>
+                    </a:solidFill>
+                  </a:rPr>
+                  <a:t>: String)</a:t>
+                </a:r>
+              </a:p>
+              <a:p>
+                <a:pPr algn="ctr"/>
+                <a:r>
+                  <a:rPr lang="en-US" sz="1200" dirty="0">
+                    <a:solidFill>
+                      <a:schemeClr val="tx1"/>
+                    </a:solidFill>
+                  </a:rPr>
+                  <a:t>+ </a:t>
+                </a:r>
+                <a:r>
+                  <a:rPr lang="en-US" sz="1200" dirty="0" err="1">
+                    <a:solidFill>
+                      <a:schemeClr val="tx1"/>
+                    </a:solidFill>
+                  </a:rPr>
+                  <a:t>assignProject</a:t>
+                </a:r>
+                <a:r>
+                  <a:rPr lang="en-US" sz="1200" dirty="0">
+                    <a:solidFill>
+                      <a:schemeClr val="tx1"/>
+                    </a:solidFill>
+                  </a:rPr>
+                  <a:t>(</a:t>
+                </a:r>
+                <a:r>
+                  <a:rPr lang="en-US" sz="1200" dirty="0" err="1">
+                    <a:solidFill>
+                      <a:schemeClr val="tx1"/>
+                    </a:solidFill>
+                  </a:rPr>
+                  <a:t>project_name</a:t>
+                </a:r>
+                <a:r>
+                  <a:rPr lang="en-US" sz="1200" dirty="0">
+                    <a:solidFill>
+                      <a:schemeClr val="tx1"/>
+                    </a:solidFill>
+                  </a:rPr>
+                  <a:t>: String, </a:t>
+                </a:r>
+                <a:r>
+                  <a:rPr lang="en-US" sz="1200" dirty="0" err="1">
+                    <a:solidFill>
+                      <a:schemeClr val="tx1"/>
+                    </a:solidFill>
+                  </a:rPr>
+                  <a:t>team_members</a:t>
+                </a:r>
+                <a:r>
+                  <a:rPr lang="en-US" sz="1200" dirty="0">
+                    <a:solidFill>
+                      <a:schemeClr val="tx1"/>
+                    </a:solidFill>
+                  </a:rPr>
+                  <a:t>: int, </a:t>
+                </a:r>
+                <a:r>
+                  <a:rPr lang="en-US" sz="1200" dirty="0" err="1">
+                    <a:solidFill>
+                      <a:schemeClr val="tx1"/>
+                    </a:solidFill>
+                  </a:rPr>
+                  <a:t>fornt_end_framework</a:t>
+                </a:r>
+                <a:r>
+                  <a:rPr lang="en-US" sz="1200" dirty="0">
+                    <a:solidFill>
+                      <a:schemeClr val="tx1"/>
+                    </a:solidFill>
+                  </a:rPr>
+                  <a:t>: String)</a:t>
+                </a:r>
+              </a:p>
+              <a:p>
+                <a:pPr algn="ctr"/>
+                <a:r>
+                  <a:rPr lang="en-US" sz="1200" dirty="0">
+                    <a:solidFill>
+                      <a:schemeClr val="tx1"/>
+                    </a:solidFill>
+                  </a:rPr>
+                  <a:t>+ </a:t>
+                </a:r>
+                <a:r>
+                  <a:rPr lang="en-US" sz="1200" dirty="0" err="1">
+                    <a:solidFill>
+                      <a:schemeClr val="tx1"/>
+                    </a:solidFill>
+                  </a:rPr>
+                  <a:t>printAssignedProject</a:t>
+                </a:r>
+                <a:r>
+                  <a:rPr lang="en-US" sz="1200" dirty="0">
+                    <a:solidFill>
+                      <a:schemeClr val="tx1"/>
+                    </a:solidFill>
+                  </a:rPr>
+                  <a:t>()</a:t>
+                </a:r>
+              </a:p>
+            </p:txBody>
+          </p:sp>
+          <p:cxnSp>
+            <p:nvCxnSpPr>
+              <p:cNvPr id="23" name="Straight Connector 22">
+                <a:extLst>
+                  <a:ext uri="{FF2B5EF4-FFF2-40B4-BE49-F238E27FC236}">
+                    <a16:creationId xmlns:a16="http://schemas.microsoft.com/office/drawing/2014/main" id="{F0F923A1-1902-4C77-B3CB-ACE695F822BC}"/>
+                  </a:ext>
+                </a:extLst>
+              </p:cNvPr>
+              <p:cNvCxnSpPr>
+                <a:cxnSpLocks/>
+              </p:cNvCxnSpPr>
+              <p:nvPr/>
+            </p:nvCxnSpPr>
+            <p:spPr>
+              <a:xfrm>
+                <a:off x="4123859" y="4245625"/>
+                <a:ext cx="3697964" cy="0"/>
+              </a:xfrm>
+              <a:prstGeom prst="line">
+                <a:avLst/>
+              </a:prstGeom>
+            </p:spPr>
+            <p:style>
+              <a:lnRef idx="1">
+                <a:schemeClr val="dk1"/>
+              </a:lnRef>
+              <a:fillRef idx="0">
+                <a:schemeClr val="dk1"/>
+              </a:fillRef>
+              <a:effectRef idx="0">
+                <a:schemeClr val="dk1"/>
+              </a:effectRef>
+              <a:fontRef idx="minor">
+                <a:schemeClr val="tx1"/>
+              </a:fontRef>
+            </p:style>
+          </p:cxnSp>
+          <p:cxnSp>
+            <p:nvCxnSpPr>
+              <p:cNvPr id="24" name="Straight Connector 23">
+                <a:extLst>
+                  <a:ext uri="{FF2B5EF4-FFF2-40B4-BE49-F238E27FC236}">
+                    <a16:creationId xmlns:a16="http://schemas.microsoft.com/office/drawing/2014/main" id="{54089EA2-276F-4154-8234-A68EF68CC349}"/>
+                  </a:ext>
+                </a:extLst>
+              </p:cNvPr>
+              <p:cNvCxnSpPr>
+                <a:cxnSpLocks/>
+              </p:cNvCxnSpPr>
+              <p:nvPr/>
+            </p:nvCxnSpPr>
+            <p:spPr>
+              <a:xfrm>
+                <a:off x="4123859" y="5151418"/>
+                <a:ext cx="3697964" cy="0"/>
+              </a:xfrm>
+              <a:prstGeom prst="line">
+                <a:avLst/>
+              </a:prstGeom>
+            </p:spPr>
+            <p:style>
+              <a:lnRef idx="1">
+                <a:schemeClr val="dk1"/>
+              </a:lnRef>
+              <a:fillRef idx="0">
+                <a:schemeClr val="dk1"/>
+              </a:fillRef>
+              <a:effectRef idx="0">
+                <a:schemeClr val="dk1"/>
+              </a:effectRef>
+              <a:fontRef idx="minor">
+                <a:schemeClr val="tx1"/>
+              </a:fontRef>
+            </p:style>
+          </p:cxnSp>
+          <p:sp>
+            <p:nvSpPr>
+              <p:cNvPr id="36" name="TextBox 35">
+                <a:extLst>
+                  <a:ext uri="{FF2B5EF4-FFF2-40B4-BE49-F238E27FC236}">
+                    <a16:creationId xmlns:a16="http://schemas.microsoft.com/office/drawing/2014/main" id="{FD78A01F-DC65-4065-BE29-95D090553787}"/>
+                  </a:ext>
+                </a:extLst>
+              </p:cNvPr>
+              <p:cNvSpPr txBox="1"/>
+              <p:nvPr/>
+            </p:nvSpPr>
+            <p:spPr>
+              <a:xfrm>
+                <a:off x="5689100" y="3780459"/>
+                <a:ext cx="1457171" cy="369332"/>
+              </a:xfrm>
+              <a:prstGeom prst="rect">
+                <a:avLst/>
+              </a:prstGeom>
+              <a:noFill/>
+            </p:spPr>
+            <p:txBody>
+              <a:bodyPr wrap="square">
+                <a:spAutoFit/>
+              </a:bodyPr>
+              <a:lstStyle/>
+              <a:p>
+                <a:r>
+                  <a:rPr lang="en-US" sz="1800" dirty="0" err="1">
+                    <a:solidFill>
+                      <a:schemeClr val="tx1"/>
+                    </a:solidFill>
+                  </a:rPr>
+                  <a:t>FrontEndDev</a:t>
+                </a:r>
+                <a:endParaRPr lang="en-US" dirty="0"/>
+              </a:p>
+            </p:txBody>
+          </p:sp>
+        </p:grpSp>
+        <p:cxnSp>
+          <p:nvCxnSpPr>
+            <p:cNvPr id="33" name="Straight Arrow Connector 32">
+              <a:extLst>
+                <a:ext uri="{FF2B5EF4-FFF2-40B4-BE49-F238E27FC236}">
+                  <a16:creationId xmlns:a16="http://schemas.microsoft.com/office/drawing/2014/main" id="{8A78CF78-3BA4-4200-8254-8BC8005DD59A}"/>
+                </a:ext>
+              </a:extLst>
+            </p:cNvPr>
+            <p:cNvCxnSpPr>
+              <a:stCxn id="26" idx="1"/>
+            </p:cNvCxnSpPr>
+            <p:nvPr/>
+          </p:nvCxnSpPr>
+          <p:spPr>
+            <a:xfrm flipH="1">
+              <a:off x="5458530" y="1886491"/>
+              <a:ext cx="1436538" cy="0"/>
+            </a:xfrm>
+            <a:prstGeom prst="straightConnector1">
+              <a:avLst/>
+            </a:prstGeom>
+            <a:ln>
+              <a:tailEnd type="triangle"/>
+            </a:ln>
+          </p:spPr>
+          <p:style>
+            <a:lnRef idx="1">
+              <a:schemeClr val="accent1"/>
+            </a:lnRef>
+            <a:fillRef idx="0">
+              <a:schemeClr val="accent1"/>
+            </a:fillRef>
+            <a:effectRef idx="0">
+              <a:schemeClr val="accent1"/>
+            </a:effectRef>
+            <a:fontRef idx="minor">
+              <a:schemeClr val="tx1"/>
+            </a:fontRef>
+          </p:style>
+        </p:cxnSp>
+        <p:cxnSp>
+          <p:nvCxnSpPr>
+            <p:cNvPr id="40" name="Straight Arrow Connector 39">
+              <a:extLst>
+                <a:ext uri="{FF2B5EF4-FFF2-40B4-BE49-F238E27FC236}">
+                  <a16:creationId xmlns:a16="http://schemas.microsoft.com/office/drawing/2014/main" id="{53B03AF5-DE1A-4D0C-9903-28D1AA7FB10B}"/>
+                </a:ext>
+              </a:extLst>
+            </p:cNvPr>
+            <p:cNvCxnSpPr>
+              <a:cxnSpLocks/>
+            </p:cNvCxnSpPr>
+            <p:nvPr/>
+          </p:nvCxnSpPr>
+          <p:spPr>
+            <a:xfrm flipV="1">
+              <a:off x="5641766" y="3076832"/>
+              <a:ext cx="1321209" cy="813195"/>
+            </a:xfrm>
+            <a:prstGeom prst="straightConnector1">
+              <a:avLst/>
+            </a:prstGeom>
+            <a:ln>
+              <a:tailEnd type="triangle"/>
+            </a:ln>
+          </p:spPr>
+          <p:style>
+            <a:lnRef idx="1">
+              <a:schemeClr val="accent1"/>
+            </a:lnRef>
+            <a:fillRef idx="0">
+              <a:schemeClr val="accent1"/>
+            </a:fillRef>
+            <a:effectRef idx="0">
+              <a:schemeClr val="accent1"/>
+            </a:effectRef>
+            <a:fontRef idx="minor">
+              <a:schemeClr val="tx1"/>
+            </a:fontRef>
+          </p:style>
+        </p:cxnSp>
+        <p:cxnSp>
+          <p:nvCxnSpPr>
+            <p:cNvPr id="41" name="Straight Arrow Connector 40">
+              <a:extLst>
+                <a:ext uri="{FF2B5EF4-FFF2-40B4-BE49-F238E27FC236}">
+                  <a16:creationId xmlns:a16="http://schemas.microsoft.com/office/drawing/2014/main" id="{E8E67587-D7D8-48B3-81BA-D7E5723E1CB5}"/>
+                </a:ext>
+              </a:extLst>
+            </p:cNvPr>
+            <p:cNvCxnSpPr>
+              <a:cxnSpLocks/>
+            </p:cNvCxnSpPr>
+            <p:nvPr/>
+          </p:nvCxnSpPr>
+          <p:spPr>
+            <a:xfrm flipH="1">
+              <a:off x="5742171" y="4895783"/>
+              <a:ext cx="1594446" cy="1"/>
+            </a:xfrm>
+            <a:prstGeom prst="straightConnector1">
+              <a:avLst/>
+            </a:prstGeom>
+            <a:ln>
+              <a:tailEnd type="triangle"/>
+            </a:ln>
+          </p:spPr>
+          <p:style>
+            <a:lnRef idx="1">
+              <a:schemeClr val="accent1"/>
+            </a:lnRef>
+            <a:fillRef idx="0">
+              <a:schemeClr val="accent1"/>
+            </a:fillRef>
+            <a:effectRef idx="0">
+              <a:schemeClr val="accent1"/>
+            </a:effectRef>
+            <a:fontRef idx="minor">
+              <a:schemeClr val="tx1"/>
+            </a:fontRef>
+          </p:style>
+        </p:cxnSp>
+      </p:grpSp>
+    </p:spTree>
+    <p:extLst>
+      <p:ext uri="{BB962C8B-B14F-4D97-AF65-F5344CB8AC3E}">
+        <p14:creationId xmlns:p14="http://schemas.microsoft.com/office/powerpoint/2010/main" val="4127823595"/>
+      </p:ext>
+    </p:extLst>
+  </p:cSld>
+  <p:clrMapOvr>
+    <a:masterClrMapping/>
+  </p:clrMapOvr>
+</p:sld>
+</file>
+
+<file path=ppt/slides/slide3.xml><?xml version="1.0" encoding="utf-8"?>
+<p:sld xmlns:a="http://schemas.openxmlformats.org/drawingml/2006/main" xmlns:r="http://schemas.openxmlformats.org/officeDocument/2006/relationships" xmlns:p="http://schemas.openxmlformats.org/presentationml/2006/main">
+  <p:cSld>
+    <p:spTree>
+      <p:nvGrpSpPr>
+        <p:cNvPr id="1" name=""/>
+        <p:cNvGrpSpPr/>
+        <p:nvPr/>
+      </p:nvGrpSpPr>
+      <p:grpSpPr>
+        <a:xfrm>
+          <a:off x="0" y="0"/>
+          <a:ext cx="0" cy="0"/>
+          <a:chOff x="0" y="0"/>
+          <a:chExt cx="0" cy="0"/>
+        </a:xfrm>
+      </p:grpSpPr>
+      <p:grpSp>
+        <p:nvGrpSpPr>
+          <p:cNvPr id="2" name="Group 1">
+            <a:extLst>
+              <a:ext uri="{FF2B5EF4-FFF2-40B4-BE49-F238E27FC236}">
+                <a16:creationId xmlns:a16="http://schemas.microsoft.com/office/drawing/2014/main" id="{62AB00A4-F126-42A5-918B-94333E00D51D}"/>
+              </a:ext>
+            </a:extLst>
+          </p:cNvPr>
+          <p:cNvGrpSpPr/>
+          <p:nvPr/>
+        </p:nvGrpSpPr>
+        <p:grpSpPr>
+          <a:xfrm>
+            <a:off x="1243697" y="585535"/>
+            <a:ext cx="8271004" cy="5686930"/>
+            <a:chOff x="1676185" y="145459"/>
+            <a:chExt cx="4990070" cy="3283541"/>
+          </a:xfrm>
+        </p:grpSpPr>
+        <p:sp>
+          <p:nvSpPr>
+            <p:cNvPr id="29" name="Rectangle: Rounded Corners 28">
+              <a:extLst>
+                <a:ext uri="{FF2B5EF4-FFF2-40B4-BE49-F238E27FC236}">
+                  <a16:creationId xmlns:a16="http://schemas.microsoft.com/office/drawing/2014/main" id="{13E507AE-FF57-4902-8FB4-3963D1349DF5}"/>
+                </a:ext>
+              </a:extLst>
+            </p:cNvPr>
+            <p:cNvSpPr/>
+            <p:nvPr/>
+          </p:nvSpPr>
+          <p:spPr>
+            <a:xfrm>
+              <a:off x="1676185" y="145459"/>
+              <a:ext cx="4990070" cy="3283541"/>
+            </a:xfrm>
+            <a:prstGeom prst="roundRect">
+              <a:avLst/>
+            </a:prstGeom>
+            <a:noFill/>
+            <a:ln>
+              <a:solidFill>
+                <a:schemeClr val="tx1"/>
+              </a:solidFill>
+            </a:ln>
+          </p:spPr>
+          <p:style>
+            <a:lnRef idx="2">
+              <a:schemeClr val="accent1">
+                <a:shade val="50000"/>
+              </a:schemeClr>
+            </a:lnRef>
+            <a:fillRef idx="1">
+              <a:schemeClr val="accent1"/>
+            </a:fillRef>
+            <a:effectRef idx="0">
+              <a:schemeClr val="accent1"/>
+            </a:effectRef>
+            <a:fontRef idx="minor">
+              <a:schemeClr val="lt1"/>
+            </a:fontRef>
+          </p:style>
+          <p:txBody>
+            <a:bodyPr rtlCol="0" anchor="ctr"/>
+            <a:lstStyle/>
+            <a:p>
+              <a:pPr algn="ctr"/>
+              <a:r>
+                <a:rPr lang="en-US" sz="1600" dirty="0" err="1">
+                  <a:solidFill>
+                    <a:schemeClr val="tx1"/>
+                  </a:solidFill>
+                </a:rPr>
+                <a:t>GenerateInvoice</a:t>
+              </a:r>
+              <a:endParaRPr lang="en-US" sz="1600" dirty="0">
+                <a:solidFill>
+                  <a:schemeClr val="tx1"/>
+                </a:solidFill>
+              </a:endParaRPr>
+            </a:p>
+            <a:p>
+              <a:pPr algn="ctr"/>
+              <a:endParaRPr lang="en-US" sz="1600" dirty="0">
+                <a:solidFill>
+                  <a:schemeClr val="tx1"/>
+                </a:solidFill>
+              </a:endParaRPr>
+            </a:p>
+            <a:p>
+              <a:pPr algn="ctr"/>
+              <a:endParaRPr lang="en-US" sz="1600" dirty="0">
+                <a:solidFill>
+                  <a:schemeClr val="tx1"/>
+                </a:solidFill>
+              </a:endParaRPr>
+            </a:p>
+            <a:p>
+              <a:pPr algn="ctr"/>
+              <a:r>
+                <a:rPr lang="en-US" sz="1600" dirty="0">
+                  <a:solidFill>
+                    <a:schemeClr val="tx1"/>
+                  </a:solidFill>
+                </a:rPr>
+                <a:t>- </a:t>
+              </a:r>
+              <a:r>
+                <a:rPr lang="en-US" sz="1600" dirty="0" err="1">
+                  <a:solidFill>
+                    <a:schemeClr val="tx1"/>
+                  </a:solidFill>
+                </a:rPr>
+                <a:t>customer_name</a:t>
+              </a:r>
+              <a:r>
+                <a:rPr lang="en-US" sz="1600" dirty="0">
+                  <a:solidFill>
+                    <a:schemeClr val="tx1"/>
+                  </a:solidFill>
+                </a:rPr>
+                <a:t>: String</a:t>
+              </a:r>
+            </a:p>
+            <a:p>
+              <a:pPr algn="ctr"/>
+              <a:r>
+                <a:rPr lang="en-US" sz="1600" dirty="0">
+                  <a:solidFill>
+                    <a:schemeClr val="tx1"/>
+                  </a:solidFill>
+                </a:rPr>
+                <a:t>- </a:t>
+              </a:r>
+              <a:r>
+                <a:rPr lang="en-US" sz="1600" dirty="0" err="1">
+                  <a:solidFill>
+                    <a:schemeClr val="tx1"/>
+                  </a:solidFill>
+                </a:rPr>
+                <a:t>order_placement_date</a:t>
+              </a:r>
+              <a:r>
+                <a:rPr lang="en-US" sz="1600" dirty="0">
+                  <a:solidFill>
+                    <a:schemeClr val="tx1"/>
+                  </a:solidFill>
+                </a:rPr>
+                <a:t>: Date</a:t>
+              </a:r>
+            </a:p>
+            <a:p>
+              <a:pPr marL="171450" indent="-171450" algn="ctr">
+                <a:buFontTx/>
+                <a:buChar char="-"/>
+              </a:pPr>
+              <a:r>
+                <a:rPr lang="en-US" sz="1600" dirty="0" err="1">
+                  <a:solidFill>
+                    <a:schemeClr val="tx1"/>
+                  </a:solidFill>
+                </a:rPr>
+                <a:t>invoiceID</a:t>
+              </a:r>
+              <a:r>
+                <a:rPr lang="en-US" sz="1600" dirty="0">
+                  <a:solidFill>
+                    <a:schemeClr val="tx1"/>
+                  </a:solidFill>
+                </a:rPr>
+                <a:t>: int</a:t>
+              </a:r>
+            </a:p>
+            <a:p>
+              <a:pPr marL="171450" indent="-171450" algn="ctr">
+                <a:buFontTx/>
+                <a:buChar char="-"/>
+              </a:pPr>
+              <a:r>
+                <a:rPr lang="en-US" sz="1600" dirty="0" err="1">
+                  <a:solidFill>
+                    <a:schemeClr val="tx1"/>
+                  </a:solidFill>
+                </a:rPr>
+                <a:t>purchased_products</a:t>
+              </a:r>
+              <a:r>
+                <a:rPr lang="en-US" sz="1600" dirty="0">
+                  <a:solidFill>
+                    <a:schemeClr val="tx1"/>
+                  </a:solidFill>
+                </a:rPr>
+                <a:t>[m][m]: String</a:t>
+              </a:r>
+            </a:p>
+            <a:p>
+              <a:pPr marL="171450" indent="-171450" algn="ctr">
+                <a:buFontTx/>
+                <a:buChar char="-"/>
+              </a:pPr>
+              <a:r>
+                <a:rPr lang="en-US" sz="1600" dirty="0" err="1">
+                  <a:solidFill>
+                    <a:schemeClr val="tx1"/>
+                  </a:solidFill>
+                </a:rPr>
+                <a:t>total_Cost</a:t>
+              </a:r>
+              <a:r>
+                <a:rPr lang="en-US" sz="1600" dirty="0">
+                  <a:solidFill>
+                    <a:schemeClr val="tx1"/>
+                  </a:solidFill>
+                </a:rPr>
+                <a:t>: double</a:t>
+              </a:r>
+            </a:p>
+            <a:p>
+              <a:pPr algn="ctr"/>
+              <a:r>
+                <a:rPr lang="en-US" sz="1600" dirty="0">
+                  <a:solidFill>
+                    <a:schemeClr val="tx1"/>
+                  </a:solidFill>
+                </a:rPr>
+                <a:t>- discount: double</a:t>
+              </a:r>
+            </a:p>
+            <a:p>
+              <a:pPr algn="ctr"/>
+              <a:r>
+                <a:rPr lang="en-US" sz="1600" dirty="0">
+                  <a:solidFill>
+                    <a:schemeClr val="tx1"/>
+                  </a:solidFill>
+                </a:rPr>
+                <a:t>- </a:t>
+              </a:r>
+              <a:r>
+                <a:rPr lang="en-US" sz="1600" dirty="0" err="1">
+                  <a:solidFill>
+                    <a:schemeClr val="tx1"/>
+                  </a:solidFill>
+                </a:rPr>
+                <a:t>total_payable</a:t>
+              </a:r>
+              <a:r>
+                <a:rPr lang="en-US" sz="1600" dirty="0">
+                  <a:solidFill>
+                    <a:schemeClr val="tx1"/>
+                  </a:solidFill>
+                </a:rPr>
+                <a:t>: double</a:t>
+              </a:r>
+            </a:p>
+            <a:p>
+              <a:pPr marL="171450" indent="-171450" algn="ctr">
+                <a:buFontTx/>
+                <a:buChar char="-"/>
+              </a:pPr>
+              <a:endParaRPr lang="en-US" sz="1600" dirty="0">
+                <a:solidFill>
+                  <a:schemeClr val="tx1"/>
+                </a:solidFill>
+              </a:endParaRPr>
+            </a:p>
+            <a:p>
+              <a:pPr marL="171450" indent="-171450" algn="ctr">
+                <a:buFontTx/>
+                <a:buChar char="-"/>
+              </a:pPr>
+              <a:endParaRPr lang="en-US" sz="1600" dirty="0">
+                <a:solidFill>
+                  <a:schemeClr val="tx1"/>
+                </a:solidFill>
+              </a:endParaRPr>
+            </a:p>
+            <a:p>
+              <a:pPr algn="ctr"/>
+              <a:r>
+                <a:rPr lang="en-US" sz="1600" dirty="0">
+                  <a:solidFill>
+                    <a:schemeClr val="tx1"/>
+                  </a:solidFill>
+                </a:rPr>
+                <a:t>+ </a:t>
+              </a:r>
+              <a:r>
+                <a:rPr lang="en-US" sz="1600" dirty="0" err="1">
+                  <a:solidFill>
+                    <a:schemeClr val="tx1"/>
+                  </a:solidFill>
+                </a:rPr>
+                <a:t>GenerateInvoice</a:t>
+              </a:r>
+              <a:r>
+                <a:rPr lang="en-US" sz="1600" dirty="0">
+                  <a:solidFill>
+                    <a:schemeClr val="tx1"/>
+                  </a:solidFill>
+                </a:rPr>
+                <a:t>(</a:t>
+              </a:r>
+              <a:r>
+                <a:rPr lang="en-US" sz="1600" dirty="0" err="1">
+                  <a:solidFill>
+                    <a:schemeClr val="tx1"/>
+                  </a:solidFill>
+                </a:rPr>
+                <a:t>customer_name</a:t>
+              </a:r>
+              <a:r>
+                <a:rPr lang="en-US" sz="1600" dirty="0">
+                  <a:solidFill>
+                    <a:schemeClr val="tx1"/>
+                  </a:solidFill>
+                </a:rPr>
+                <a:t>: String, </a:t>
+              </a:r>
+              <a:r>
+                <a:rPr lang="en-US" sz="1600" dirty="0" err="1">
+                  <a:solidFill>
+                    <a:schemeClr val="tx1"/>
+                  </a:solidFill>
+                </a:rPr>
+                <a:t>order_placement_date</a:t>
+              </a:r>
+              <a:r>
+                <a:rPr lang="en-US" sz="1600" dirty="0">
+                  <a:solidFill>
+                    <a:schemeClr val="tx1"/>
+                  </a:solidFill>
+                </a:rPr>
+                <a:t>: String, </a:t>
+              </a:r>
+              <a:r>
+                <a:rPr lang="en-US" sz="1600" dirty="0" err="1">
+                  <a:solidFill>
+                    <a:schemeClr val="tx1"/>
+                  </a:solidFill>
+                </a:rPr>
+                <a:t>invoiceID</a:t>
+              </a:r>
+              <a:r>
+                <a:rPr lang="en-US" sz="1600" dirty="0">
+                  <a:solidFill>
+                    <a:schemeClr val="tx1"/>
+                  </a:solidFill>
+                </a:rPr>
+                <a:t>: int)</a:t>
+              </a:r>
+            </a:p>
+            <a:p>
+              <a:pPr algn="ctr"/>
+              <a:r>
+                <a:rPr lang="en-US" sz="1600" dirty="0">
+                  <a:solidFill>
+                    <a:schemeClr val="tx1"/>
+                  </a:solidFill>
+                </a:rPr>
+                <a:t>+ </a:t>
+              </a:r>
+              <a:r>
+                <a:rPr lang="en-US" sz="1600" dirty="0" err="1">
+                  <a:solidFill>
+                    <a:schemeClr val="tx1"/>
+                  </a:solidFill>
+                </a:rPr>
+                <a:t>getCustomer_name</a:t>
+              </a:r>
+              <a:r>
+                <a:rPr lang="en-US" sz="1600" dirty="0">
+                  <a:solidFill>
+                    <a:schemeClr val="tx1"/>
+                  </a:solidFill>
+                </a:rPr>
+                <a:t>(): String</a:t>
+              </a:r>
+            </a:p>
+            <a:p>
+              <a:pPr algn="ctr"/>
+              <a:r>
+                <a:rPr lang="en-US" sz="1600" dirty="0">
+                  <a:solidFill>
+                    <a:schemeClr val="tx1"/>
+                  </a:solidFill>
+                </a:rPr>
+                <a:t>+ </a:t>
+              </a:r>
+              <a:r>
+                <a:rPr lang="en-US" sz="1600" dirty="0" err="1">
+                  <a:solidFill>
+                    <a:schemeClr val="tx1"/>
+                  </a:solidFill>
+                </a:rPr>
+                <a:t>getInvoiceID</a:t>
+              </a:r>
+              <a:r>
+                <a:rPr lang="en-US" sz="1600" dirty="0">
+                  <a:solidFill>
+                    <a:schemeClr val="tx1"/>
+                  </a:solidFill>
+                </a:rPr>
+                <a:t>(): int</a:t>
+              </a:r>
+            </a:p>
+            <a:p>
+              <a:pPr algn="ctr"/>
+              <a:r>
+                <a:rPr lang="en-US" sz="1600" dirty="0">
+                  <a:solidFill>
+                    <a:schemeClr val="tx1"/>
+                  </a:solidFill>
+                </a:rPr>
+                <a:t>+ </a:t>
+              </a:r>
+              <a:r>
+                <a:rPr lang="en-US" sz="1600" dirty="0" err="1">
+                  <a:solidFill>
+                    <a:schemeClr val="tx1"/>
+                  </a:solidFill>
+                </a:rPr>
+                <a:t>purchasedProduct</a:t>
+              </a:r>
+              <a:r>
+                <a:rPr lang="en-US" sz="1600" dirty="0">
+                  <a:solidFill>
+                    <a:schemeClr val="tx1"/>
+                  </a:solidFill>
+                </a:rPr>
+                <a:t>(</a:t>
+              </a:r>
+              <a:r>
+                <a:rPr lang="en-US" sz="1600" dirty="0" err="1">
+                  <a:solidFill>
+                    <a:schemeClr val="tx1"/>
+                  </a:solidFill>
+                </a:rPr>
+                <a:t>purchased_products</a:t>
+              </a:r>
+              <a:r>
+                <a:rPr lang="en-US" sz="1600" dirty="0">
+                  <a:solidFill>
+                    <a:schemeClr val="tx1"/>
+                  </a:solidFill>
+                </a:rPr>
+                <a:t>[</a:t>
+              </a:r>
+              <a:r>
+                <a:rPr lang="en-US" sz="1600" dirty="0" err="1">
+                  <a:solidFill>
+                    <a:schemeClr val="tx1"/>
+                  </a:solidFill>
+                </a:rPr>
+                <a:t>i</a:t>
+              </a:r>
+              <a:r>
+                <a:rPr lang="en-US" sz="1600" dirty="0">
+                  <a:solidFill>
+                    <a:schemeClr val="tx1"/>
+                  </a:solidFill>
+                </a:rPr>
+                <a:t>][</a:t>
+              </a:r>
+              <a:r>
+                <a:rPr lang="en-US" sz="1600" dirty="0" err="1">
+                  <a:solidFill>
+                    <a:schemeClr val="tx1"/>
+                  </a:solidFill>
+                </a:rPr>
+                <a:t>i</a:t>
+              </a:r>
+              <a:r>
+                <a:rPr lang="en-US" sz="1600" dirty="0">
+                  <a:solidFill>
+                    <a:schemeClr val="tx1"/>
+                  </a:solidFill>
+                </a:rPr>
+                <a:t>]: String, i: int, cost: double): void</a:t>
+              </a:r>
+            </a:p>
+            <a:p>
+              <a:pPr algn="ctr"/>
+              <a:r>
+                <a:rPr lang="en-US" sz="1600" dirty="0">
+                  <a:solidFill>
+                    <a:schemeClr val="tx1"/>
+                  </a:solidFill>
+                </a:rPr>
+                <a:t>+ </a:t>
+              </a:r>
+              <a:r>
+                <a:rPr lang="en-US" sz="1600" dirty="0" err="1">
+                  <a:solidFill>
+                    <a:schemeClr val="tx1"/>
+                  </a:solidFill>
+                </a:rPr>
+                <a:t>getTotalCost</a:t>
+              </a:r>
+              <a:r>
+                <a:rPr lang="en-US" sz="1600" dirty="0">
+                  <a:solidFill>
+                    <a:schemeClr val="tx1"/>
+                  </a:solidFill>
+                </a:rPr>
+                <a:t>(): double</a:t>
+              </a:r>
+            </a:p>
+            <a:p>
+              <a:pPr algn="ctr"/>
+              <a:r>
+                <a:rPr lang="en-US" sz="1600" dirty="0">
+                  <a:solidFill>
+                    <a:schemeClr val="tx1"/>
+                  </a:solidFill>
+                </a:rPr>
+                <a:t>+ </a:t>
+              </a:r>
+              <a:r>
+                <a:rPr lang="en-US" sz="1600" dirty="0" err="1">
+                  <a:solidFill>
+                    <a:schemeClr val="tx1"/>
+                  </a:solidFill>
+                </a:rPr>
+                <a:t>activateVoucher</a:t>
+              </a:r>
+              <a:r>
+                <a:rPr lang="en-US" sz="1600" dirty="0">
+                  <a:solidFill>
+                    <a:schemeClr val="tx1"/>
+                  </a:solidFill>
+                </a:rPr>
+                <a:t>(</a:t>
+              </a:r>
+              <a:r>
+                <a:rPr lang="en-US" sz="1600" dirty="0" err="1">
+                  <a:solidFill>
+                    <a:schemeClr val="tx1"/>
+                  </a:solidFill>
+                </a:rPr>
+                <a:t>total_cost</a:t>
+              </a:r>
+              <a:r>
+                <a:rPr lang="en-US" sz="1600" dirty="0">
+                  <a:solidFill>
+                    <a:schemeClr val="tx1"/>
+                  </a:solidFill>
+                </a:rPr>
+                <a:t>): Boolean</a:t>
+              </a:r>
+            </a:p>
+            <a:p>
+              <a:pPr algn="ctr"/>
+              <a:r>
+                <a:rPr lang="en-US" sz="1600" dirty="0">
+                  <a:solidFill>
+                    <a:schemeClr val="tx1"/>
+                  </a:solidFill>
+                </a:rPr>
+                <a:t>+ </a:t>
+              </a:r>
+              <a:r>
+                <a:rPr lang="en-US" sz="1600" dirty="0" err="1">
+                  <a:solidFill>
+                    <a:schemeClr val="tx1"/>
+                  </a:solidFill>
+                </a:rPr>
+                <a:t>availDiscount</a:t>
+              </a:r>
+              <a:r>
+                <a:rPr lang="en-US" sz="1600" dirty="0">
+                  <a:solidFill>
+                    <a:schemeClr val="tx1"/>
+                  </a:solidFill>
+                </a:rPr>
+                <a:t>(</a:t>
+              </a:r>
+              <a:r>
+                <a:rPr lang="en-US" sz="1600" dirty="0" err="1">
+                  <a:solidFill>
+                    <a:schemeClr val="tx1"/>
+                  </a:solidFill>
+                </a:rPr>
+                <a:t>total_cost</a:t>
+              </a:r>
+              <a:r>
+                <a:rPr lang="en-US" sz="1600" dirty="0">
+                  <a:solidFill>
+                    <a:schemeClr val="tx1"/>
+                  </a:solidFill>
+                </a:rPr>
+                <a:t>: double): discount: double</a:t>
+              </a:r>
+            </a:p>
+            <a:p>
+              <a:pPr algn="ctr"/>
+              <a:r>
+                <a:rPr lang="en-US" sz="1600" dirty="0">
+                  <a:solidFill>
+                    <a:schemeClr val="tx1"/>
+                  </a:solidFill>
+                </a:rPr>
+                <a:t>+ </a:t>
+              </a:r>
+              <a:r>
+                <a:rPr lang="en-US" sz="1600" dirty="0" err="1">
+                  <a:solidFill>
+                    <a:schemeClr val="tx1"/>
+                  </a:solidFill>
+                </a:rPr>
+                <a:t>toBePaid</a:t>
+              </a:r>
+              <a:r>
+                <a:rPr lang="en-US" sz="1600" dirty="0">
+                  <a:solidFill>
+                    <a:schemeClr val="tx1"/>
+                  </a:solidFill>
+                </a:rPr>
+                <a:t>(): </a:t>
+              </a:r>
+              <a:r>
+                <a:rPr lang="en-US" sz="1600" dirty="0" err="1">
+                  <a:solidFill>
+                    <a:schemeClr val="tx1"/>
+                  </a:solidFill>
+                </a:rPr>
+                <a:t>total_payable</a:t>
+              </a:r>
+              <a:r>
+                <a:rPr lang="en-US" sz="1600" dirty="0">
+                  <a:solidFill>
+                    <a:schemeClr val="tx1"/>
+                  </a:solidFill>
+                </a:rPr>
+                <a:t>: double</a:t>
+              </a:r>
+            </a:p>
+            <a:p>
+              <a:pPr algn="ctr"/>
+              <a:r>
+                <a:rPr lang="en-US" sz="1600" dirty="0">
+                  <a:solidFill>
+                    <a:schemeClr val="tx1"/>
+                  </a:solidFill>
+                </a:rPr>
+                <a:t>+ </a:t>
+              </a:r>
+              <a:r>
+                <a:rPr lang="en-US" sz="1600" dirty="0" err="1">
+                  <a:solidFill>
+                    <a:schemeClr val="tx1"/>
+                  </a:solidFill>
+                </a:rPr>
+                <a:t>printStatus</a:t>
+              </a:r>
+              <a:r>
+                <a:rPr lang="en-US" sz="1600" dirty="0">
+                  <a:solidFill>
+                    <a:schemeClr val="tx1"/>
+                  </a:solidFill>
+                </a:rPr>
+                <a:t>(</a:t>
+              </a:r>
+              <a:r>
+                <a:rPr lang="en-US" sz="1600" b="1" dirty="0" err="1">
+                  <a:solidFill>
+                    <a:schemeClr val="tx1"/>
+                  </a:solidFill>
+                </a:rPr>
+                <a:t>getInvoiseID</a:t>
+              </a:r>
+              <a:r>
+                <a:rPr lang="en-US" sz="1600" b="1" dirty="0">
+                  <a:solidFill>
+                    <a:schemeClr val="tx1"/>
+                  </a:solidFill>
+                </a:rPr>
+                <a:t>()</a:t>
+              </a:r>
+              <a:r>
+                <a:rPr lang="en-US" sz="1600" dirty="0">
+                  <a:solidFill>
+                    <a:schemeClr val="tx1"/>
+                  </a:solidFill>
+                </a:rPr>
+                <a:t>): String</a:t>
+              </a:r>
+            </a:p>
+          </p:txBody>
+        </p:sp>
+        <p:cxnSp>
+          <p:nvCxnSpPr>
+            <p:cNvPr id="31" name="Straight Connector 30">
+              <a:extLst>
+                <a:ext uri="{FF2B5EF4-FFF2-40B4-BE49-F238E27FC236}">
+                  <a16:creationId xmlns:a16="http://schemas.microsoft.com/office/drawing/2014/main" id="{0A41E845-1B4A-43C1-B1BE-07E1D10AD34E}"/>
+                </a:ext>
+              </a:extLst>
+            </p:cNvPr>
+            <p:cNvCxnSpPr>
+              <a:cxnSpLocks/>
+            </p:cNvCxnSpPr>
+            <p:nvPr/>
+          </p:nvCxnSpPr>
+          <p:spPr>
+            <a:xfrm>
+              <a:off x="1676185" y="626770"/>
+              <a:ext cx="4990070" cy="0"/>
+            </a:xfrm>
+            <a:prstGeom prst="line">
+              <a:avLst/>
+            </a:prstGeom>
+          </p:spPr>
+          <p:style>
+            <a:lnRef idx="1">
+              <a:schemeClr val="dk1"/>
+            </a:lnRef>
+            <a:fillRef idx="0">
+              <a:schemeClr val="dk1"/>
+            </a:fillRef>
+            <a:effectRef idx="0">
+              <a:schemeClr val="dk1"/>
+            </a:effectRef>
+            <a:fontRef idx="minor">
+              <a:schemeClr val="tx1"/>
+            </a:fontRef>
+          </p:style>
+        </p:cxnSp>
+        <p:cxnSp>
+          <p:nvCxnSpPr>
+            <p:cNvPr id="35" name="Straight Connector 34">
+              <a:extLst>
+                <a:ext uri="{FF2B5EF4-FFF2-40B4-BE49-F238E27FC236}">
+                  <a16:creationId xmlns:a16="http://schemas.microsoft.com/office/drawing/2014/main" id="{924279B0-9A71-4411-BAD6-5B608F789A7B}"/>
+                </a:ext>
+              </a:extLst>
+            </p:cNvPr>
+            <p:cNvCxnSpPr>
+              <a:cxnSpLocks/>
+            </p:cNvCxnSpPr>
+            <p:nvPr/>
+          </p:nvCxnSpPr>
+          <p:spPr>
+            <a:xfrm>
+              <a:off x="1676185" y="1841329"/>
+              <a:ext cx="4990070" cy="0"/>
+            </a:xfrm>
+            <a:prstGeom prst="line">
+              <a:avLst/>
+            </a:prstGeom>
+          </p:spPr>
+          <p:style>
+            <a:lnRef idx="1">
+              <a:schemeClr val="dk1"/>
+            </a:lnRef>
+            <a:fillRef idx="0">
+              <a:schemeClr val="dk1"/>
+            </a:fillRef>
+            <a:effectRef idx="0">
+              <a:schemeClr val="dk1"/>
+            </a:effectRef>
+            <a:fontRef idx="minor">
+              <a:schemeClr val="tx1"/>
+            </a:fontRef>
+          </p:style>
+        </p:cxnSp>
+      </p:grpSp>
+    </p:spTree>
+    <p:extLst>
+      <p:ext uri="{BB962C8B-B14F-4D97-AF65-F5344CB8AC3E}">
+        <p14:creationId xmlns:p14="http://schemas.microsoft.com/office/powerpoint/2010/main" val="1064736070"/>
+      </p:ext>
+    </p:extLst>
+  </p:cSld>
+  <p:clrMapOvr>
+    <a:masterClrMapping/>
+  </p:clrMapOvr>
+</p:sld>
+</file>
+
+<file path=ppt/slides/slide4.xml><?xml version="1.0" encoding="utf-8"?>
+<p:sld xmlns:a="http://schemas.openxmlformats.org/drawingml/2006/main" xmlns:r="http://schemas.openxmlformats.org/officeDocument/2006/relationships" xmlns:p="http://schemas.openxmlformats.org/presentationml/2006/main">
+  <p:cSld>
+    <p:spTree>
+      <p:nvGrpSpPr>
+        <p:cNvPr id="1" name=""/>
+        <p:cNvGrpSpPr/>
+        <p:nvPr/>
+      </p:nvGrpSpPr>
+      <p:grpSpPr>
+        <a:xfrm>
+          <a:off x="0" y="0"/>
+          <a:ext cx="0" cy="0"/>
+          <a:chOff x="0" y="0"/>
+          <a:chExt cx="0" cy="0"/>
+        </a:xfrm>
+      </p:grpSpPr>
+      <p:grpSp>
+        <p:nvGrpSpPr>
+          <p:cNvPr id="3" name="Group 2">
+            <a:extLst>
+              <a:ext uri="{FF2B5EF4-FFF2-40B4-BE49-F238E27FC236}">
+                <a16:creationId xmlns:a16="http://schemas.microsoft.com/office/drawing/2014/main" id="{07066145-2EF4-41B2-B041-A1EF2A3B4F3D}"/>
+              </a:ext>
+            </a:extLst>
+          </p:cNvPr>
+          <p:cNvGrpSpPr/>
+          <p:nvPr/>
+        </p:nvGrpSpPr>
+        <p:grpSpPr>
+          <a:xfrm>
+            <a:off x="60387" y="3004799"/>
+            <a:ext cx="3510712" cy="3466515"/>
+            <a:chOff x="3069006" y="3249217"/>
+            <a:chExt cx="3160856" cy="3221396"/>
+          </a:xfrm>
+        </p:grpSpPr>
+        <p:sp>
+          <p:nvSpPr>
+            <p:cNvPr id="10" name="Rectangle: Rounded Corners 9">
+              <a:extLst>
+                <a:ext uri="{FF2B5EF4-FFF2-40B4-BE49-F238E27FC236}">
+                  <a16:creationId xmlns:a16="http://schemas.microsoft.com/office/drawing/2014/main" id="{E1442A5B-C714-4568-9A98-9F425762DBC9}"/>
+                </a:ext>
+              </a:extLst>
+            </p:cNvPr>
+            <p:cNvSpPr/>
+            <p:nvPr/>
+          </p:nvSpPr>
+          <p:spPr>
+            <a:xfrm>
+              <a:off x="3069006" y="3249217"/>
+              <a:ext cx="3160856" cy="3221396"/>
+            </a:xfrm>
+            <a:prstGeom prst="roundRect">
+              <a:avLst/>
+            </a:prstGeom>
+            <a:noFill/>
+            <a:ln>
+              <a:solidFill>
+                <a:schemeClr val="tx1"/>
+              </a:solidFill>
+            </a:ln>
+          </p:spPr>
+          <p:style>
+            <a:lnRef idx="2">
+              <a:schemeClr val="accent1">
+                <a:shade val="50000"/>
+              </a:schemeClr>
+            </a:lnRef>
+            <a:fillRef idx="1">
+              <a:schemeClr val="accent1"/>
+            </a:fillRef>
+            <a:effectRef idx="0">
+              <a:schemeClr val="accent1"/>
+            </a:effectRef>
+            <a:fontRef idx="minor">
+              <a:schemeClr val="lt1"/>
+            </a:fontRef>
+          </p:style>
+          <p:txBody>
+            <a:bodyPr rtlCol="0" anchor="ctr"/>
+            <a:lstStyle/>
+            <a:p>
+              <a:pPr algn="ctr"/>
+              <a:endParaRPr lang="en-US" sz="1600" dirty="0">
+                <a:solidFill>
+                  <a:schemeClr val="tx1"/>
+                </a:solidFill>
+              </a:endParaRPr>
+            </a:p>
+            <a:p>
+              <a:pPr algn="ctr"/>
+              <a:r>
+                <a:rPr lang="en-US" sz="1600" dirty="0">
+                  <a:solidFill>
+                    <a:schemeClr val="tx1"/>
+                  </a:solidFill>
+                </a:rPr>
+                <a:t>Rectangle</a:t>
+              </a:r>
+            </a:p>
+            <a:p>
+              <a:pPr algn="ctr"/>
+              <a:endParaRPr lang="en-US" sz="1600" dirty="0">
+                <a:solidFill>
+                  <a:schemeClr val="tx1"/>
+                </a:solidFill>
+              </a:endParaRPr>
+            </a:p>
+            <a:p>
+              <a:pPr algn="ctr"/>
+              <a:endParaRPr lang="en-US" sz="1600" dirty="0">
+                <a:solidFill>
+                  <a:schemeClr val="tx1"/>
+                </a:solidFill>
+              </a:endParaRPr>
+            </a:p>
+            <a:p>
+              <a:pPr algn="ctr"/>
+              <a:r>
+                <a:rPr lang="en-US" sz="1600" dirty="0">
+                  <a:solidFill>
+                    <a:schemeClr val="tx1"/>
+                  </a:solidFill>
+                </a:rPr>
+                <a:t>- length: double</a:t>
+              </a:r>
+            </a:p>
+            <a:p>
+              <a:pPr marL="171450" indent="-171450" algn="ctr">
+                <a:buFontTx/>
+                <a:buChar char="-"/>
+              </a:pPr>
+              <a:r>
+                <a:rPr lang="en-US" sz="1600" dirty="0">
+                  <a:solidFill>
+                    <a:schemeClr val="tx1"/>
+                  </a:solidFill>
+                </a:rPr>
+                <a:t>width: double</a:t>
+              </a:r>
+            </a:p>
+            <a:p>
+              <a:pPr algn="ctr"/>
+              <a:r>
+                <a:rPr lang="en-US" sz="1600" dirty="0">
+                  <a:solidFill>
+                    <a:schemeClr val="tx1"/>
+                  </a:solidFill>
+                </a:rPr>
+                <a:t>- </a:t>
+              </a:r>
+              <a:r>
+                <a:rPr lang="en-US" sz="1600" dirty="0" err="1">
+                  <a:solidFill>
+                    <a:schemeClr val="tx1"/>
+                  </a:solidFill>
+                </a:rPr>
+                <a:t>GeometricShape</a:t>
+              </a:r>
+              <a:r>
+                <a:rPr lang="en-US" sz="1600" dirty="0">
+                  <a:solidFill>
+                    <a:schemeClr val="tx1"/>
+                  </a:solidFill>
+                </a:rPr>
+                <a:t> geo</a:t>
+              </a:r>
+            </a:p>
+            <a:p>
+              <a:pPr marL="171450" indent="-171450" algn="ctr">
+                <a:buFontTx/>
+                <a:buChar char="-"/>
+              </a:pPr>
+              <a:endParaRPr lang="en-US" sz="1600" dirty="0">
+                <a:solidFill>
+                  <a:schemeClr val="tx1"/>
+                </a:solidFill>
+              </a:endParaRPr>
+            </a:p>
+            <a:p>
+              <a:pPr algn="ctr"/>
+              <a:r>
+                <a:rPr lang="en-US" sz="1600" dirty="0">
+                  <a:solidFill>
+                    <a:schemeClr val="tx1"/>
+                  </a:solidFill>
+                </a:rPr>
+                <a:t>+ Rectangle(color: String, </a:t>
+              </a:r>
+              <a:r>
+                <a:rPr lang="en-US" sz="1600" dirty="0" err="1">
+                  <a:solidFill>
+                    <a:schemeClr val="tx1"/>
+                  </a:solidFill>
+                </a:rPr>
+                <a:t>isFilled</a:t>
+              </a:r>
+              <a:r>
+                <a:rPr lang="en-US" sz="1600" dirty="0">
+                  <a:solidFill>
+                    <a:schemeClr val="tx1"/>
+                  </a:solidFill>
+                </a:rPr>
+                <a:t>: Boolean, length: double, width: double)</a:t>
+              </a:r>
+            </a:p>
+            <a:p>
+              <a:pPr algn="ctr"/>
+              <a:r>
+                <a:rPr lang="en-US" sz="1600" dirty="0">
+                  <a:solidFill>
+                    <a:schemeClr val="tx1"/>
+                  </a:solidFill>
+                </a:rPr>
+                <a:t>+ </a:t>
+              </a:r>
+              <a:r>
+                <a:rPr lang="en-US" sz="1600" dirty="0" err="1">
+                  <a:solidFill>
+                    <a:schemeClr val="tx1"/>
+                  </a:solidFill>
+                </a:rPr>
+                <a:t>recPermieter</a:t>
+              </a:r>
+              <a:r>
+                <a:rPr lang="en-US" sz="1600" dirty="0">
+                  <a:solidFill>
+                    <a:schemeClr val="tx1"/>
+                  </a:solidFill>
+                </a:rPr>
+                <a:t>(): double</a:t>
+              </a:r>
+            </a:p>
+            <a:p>
+              <a:pPr algn="ctr"/>
+              <a:r>
+                <a:rPr lang="en-US" sz="1600" dirty="0">
+                  <a:solidFill>
+                    <a:schemeClr val="tx1"/>
+                  </a:solidFill>
+                </a:rPr>
+                <a:t>+ </a:t>
+              </a:r>
+              <a:r>
+                <a:rPr lang="en-US" sz="1600" dirty="0" err="1">
+                  <a:solidFill>
+                    <a:schemeClr val="tx1"/>
+                  </a:solidFill>
+                </a:rPr>
+                <a:t>recArea</a:t>
+              </a:r>
+              <a:r>
+                <a:rPr lang="en-US" sz="1600" dirty="0">
+                  <a:solidFill>
+                    <a:schemeClr val="tx1"/>
+                  </a:solidFill>
+                </a:rPr>
+                <a:t>(): double</a:t>
+              </a:r>
+            </a:p>
+            <a:p>
+              <a:pPr algn="ctr"/>
+              <a:r>
+                <a:rPr lang="en-US" sz="1600" dirty="0">
+                  <a:solidFill>
+                    <a:schemeClr val="tx1"/>
+                  </a:solidFill>
+                </a:rPr>
+                <a:t>+ </a:t>
+              </a:r>
+              <a:r>
+                <a:rPr lang="en-US" sz="1600" dirty="0" err="1">
+                  <a:solidFill>
+                    <a:schemeClr val="tx1"/>
+                  </a:solidFill>
+                </a:rPr>
+                <a:t>toString</a:t>
+              </a:r>
+              <a:r>
+                <a:rPr lang="en-US" sz="1600" dirty="0">
+                  <a:solidFill>
+                    <a:schemeClr val="tx1"/>
+                  </a:solidFill>
+                </a:rPr>
+                <a:t>(): String //pints all info gathered in this class</a:t>
+              </a:r>
+            </a:p>
+            <a:p>
+              <a:pPr algn="ctr"/>
+              <a:endParaRPr lang="en-US" sz="1600" dirty="0">
+                <a:solidFill>
+                  <a:schemeClr val="tx1"/>
+                </a:solidFill>
+              </a:endParaRPr>
+            </a:p>
+          </p:txBody>
+        </p:sp>
+        <p:cxnSp>
+          <p:nvCxnSpPr>
+            <p:cNvPr id="12" name="Straight Connector 11">
+              <a:extLst>
+                <a:ext uri="{FF2B5EF4-FFF2-40B4-BE49-F238E27FC236}">
+                  <a16:creationId xmlns:a16="http://schemas.microsoft.com/office/drawing/2014/main" id="{89C0BCA3-D36E-4A92-B123-173FCE4E75DA}"/>
+                </a:ext>
+              </a:extLst>
+            </p:cNvPr>
+            <p:cNvCxnSpPr>
+              <a:cxnSpLocks/>
+            </p:cNvCxnSpPr>
+            <p:nvPr/>
+          </p:nvCxnSpPr>
+          <p:spPr>
+            <a:xfrm>
+              <a:off x="3069006" y="3818058"/>
+              <a:ext cx="3160856" cy="0"/>
+            </a:xfrm>
+            <a:prstGeom prst="line">
+              <a:avLst/>
+            </a:prstGeom>
+          </p:spPr>
+          <p:style>
+            <a:lnRef idx="1">
+              <a:schemeClr val="dk1"/>
+            </a:lnRef>
+            <a:fillRef idx="0">
+              <a:schemeClr val="dk1"/>
+            </a:fillRef>
+            <a:effectRef idx="0">
+              <a:schemeClr val="dk1"/>
+            </a:effectRef>
+            <a:fontRef idx="minor">
+              <a:schemeClr val="tx1"/>
+            </a:fontRef>
+          </p:style>
+        </p:cxnSp>
+        <p:cxnSp>
+          <p:nvCxnSpPr>
+            <p:cNvPr id="13" name="Straight Connector 12">
+              <a:extLst>
+                <a:ext uri="{FF2B5EF4-FFF2-40B4-BE49-F238E27FC236}">
+                  <a16:creationId xmlns:a16="http://schemas.microsoft.com/office/drawing/2014/main" id="{1541FEC7-1537-40A3-B7AA-D5F234A54133}"/>
+                </a:ext>
+              </a:extLst>
+            </p:cNvPr>
+            <p:cNvCxnSpPr>
+              <a:cxnSpLocks/>
+            </p:cNvCxnSpPr>
+            <p:nvPr/>
+          </p:nvCxnSpPr>
+          <p:spPr>
+            <a:xfrm>
+              <a:off x="3069006" y="4824509"/>
+              <a:ext cx="3160856" cy="0"/>
+            </a:xfrm>
+            <a:prstGeom prst="line">
+              <a:avLst/>
+            </a:prstGeom>
+          </p:spPr>
+          <p:style>
+            <a:lnRef idx="1">
+              <a:schemeClr val="dk1"/>
+            </a:lnRef>
+            <a:fillRef idx="0">
+              <a:schemeClr val="dk1"/>
+            </a:fillRef>
+            <a:effectRef idx="0">
+              <a:schemeClr val="dk1"/>
+            </a:effectRef>
+            <a:fontRef idx="minor">
+              <a:schemeClr val="tx1"/>
+            </a:fontRef>
+          </p:style>
+        </p:cxnSp>
+      </p:grpSp>
+      <p:grpSp>
+        <p:nvGrpSpPr>
+          <p:cNvPr id="28" name="Group 27">
+            <a:extLst>
+              <a:ext uri="{FF2B5EF4-FFF2-40B4-BE49-F238E27FC236}">
+                <a16:creationId xmlns:a16="http://schemas.microsoft.com/office/drawing/2014/main" id="{215A9C14-C773-4A71-B249-F6D45876E697}"/>
+              </a:ext>
+            </a:extLst>
+          </p:cNvPr>
+          <p:cNvGrpSpPr/>
+          <p:nvPr/>
+        </p:nvGrpSpPr>
+        <p:grpSpPr>
+          <a:xfrm>
+            <a:off x="3620270" y="7636"/>
+            <a:ext cx="4517843" cy="3850981"/>
+            <a:chOff x="3756038" y="313245"/>
+            <a:chExt cx="4517843" cy="3850981"/>
+          </a:xfrm>
+        </p:grpSpPr>
+        <p:sp>
+          <p:nvSpPr>
+            <p:cNvPr id="9" name="Rectangle: Rounded Corners 8">
+              <a:extLst>
+                <a:ext uri="{FF2B5EF4-FFF2-40B4-BE49-F238E27FC236}">
+                  <a16:creationId xmlns:a16="http://schemas.microsoft.com/office/drawing/2014/main" id="{5D5FB481-EE0A-43D2-A283-E00CE219652C}"/>
+                </a:ext>
+              </a:extLst>
+            </p:cNvPr>
+            <p:cNvSpPr/>
+            <p:nvPr/>
+          </p:nvSpPr>
+          <p:spPr>
+            <a:xfrm>
+              <a:off x="3756038" y="313245"/>
+              <a:ext cx="4517843" cy="3850981"/>
+            </a:xfrm>
+            <a:prstGeom prst="roundRect">
+              <a:avLst/>
+            </a:prstGeom>
+            <a:noFill/>
+            <a:ln>
+              <a:solidFill>
+                <a:schemeClr val="tx1"/>
+              </a:solidFill>
+            </a:ln>
+          </p:spPr>
+          <p:style>
+            <a:lnRef idx="2">
+              <a:schemeClr val="accent1">
+                <a:shade val="50000"/>
+              </a:schemeClr>
+            </a:lnRef>
+            <a:fillRef idx="1">
+              <a:schemeClr val="accent1"/>
+            </a:fillRef>
+            <a:effectRef idx="0">
+              <a:schemeClr val="accent1"/>
+            </a:effectRef>
+            <a:fontRef idx="minor">
+              <a:schemeClr val="lt1"/>
+            </a:fontRef>
+          </p:style>
+          <p:txBody>
+            <a:bodyPr rtlCol="0" anchor="ctr"/>
+            <a:lstStyle/>
+            <a:p>
+              <a:pPr algn="ctr"/>
+              <a:r>
+                <a:rPr lang="en-US" sz="1600" dirty="0" err="1">
+                  <a:solidFill>
+                    <a:schemeClr val="tx1"/>
+                  </a:solidFill>
+                </a:rPr>
+                <a:t>GeometricShape</a:t>
+              </a:r>
+              <a:endParaRPr lang="en-US" sz="1600" dirty="0">
+                <a:solidFill>
+                  <a:schemeClr val="tx1"/>
+                </a:solidFill>
+              </a:endParaRPr>
+            </a:p>
+            <a:p>
+              <a:pPr algn="ctr"/>
+              <a:endParaRPr lang="en-US" sz="1600" dirty="0">
+                <a:solidFill>
+                  <a:schemeClr val="tx1"/>
+                </a:solidFill>
+              </a:endParaRPr>
+            </a:p>
+            <a:p>
+              <a:pPr algn="ctr"/>
+              <a:r>
+                <a:rPr lang="en-US" sz="1600" dirty="0">
+                  <a:solidFill>
+                    <a:schemeClr val="tx1"/>
+                  </a:solidFill>
+                </a:rPr>
+                <a:t>- name: String</a:t>
+              </a:r>
+            </a:p>
+            <a:p>
+              <a:pPr marL="171450" indent="-171450" algn="ctr">
+                <a:buFontTx/>
+                <a:buChar char="-"/>
+              </a:pPr>
+              <a:r>
+                <a:rPr lang="en-US" sz="1600" dirty="0">
+                  <a:solidFill>
+                    <a:schemeClr val="tx1"/>
+                  </a:solidFill>
+                </a:rPr>
+                <a:t>color: String</a:t>
+              </a:r>
+            </a:p>
+            <a:p>
+              <a:pPr algn="ctr"/>
+              <a:r>
+                <a:rPr lang="en-US" sz="1600" dirty="0">
+                  <a:solidFill>
+                    <a:schemeClr val="tx1"/>
+                  </a:solidFill>
+                </a:rPr>
+                <a:t>- </a:t>
+              </a:r>
+              <a:r>
+                <a:rPr lang="en-US" sz="1600" dirty="0" err="1">
+                  <a:solidFill>
+                    <a:schemeClr val="tx1"/>
+                  </a:solidFill>
+                </a:rPr>
+                <a:t>isFilled</a:t>
+              </a:r>
+              <a:r>
+                <a:rPr lang="en-US" sz="1600" dirty="0">
+                  <a:solidFill>
+                    <a:schemeClr val="tx1"/>
+                  </a:solidFill>
+                </a:rPr>
+                <a:t>: </a:t>
+              </a:r>
+              <a:r>
+                <a:rPr lang="en-US" sz="1600" dirty="0" err="1">
+                  <a:solidFill>
+                    <a:schemeClr val="tx1"/>
+                  </a:solidFill>
+                </a:rPr>
+                <a:t>boolean</a:t>
+              </a:r>
+              <a:endParaRPr lang="en-US" sz="1600" dirty="0">
+                <a:solidFill>
+                  <a:schemeClr val="tx1"/>
+                </a:solidFill>
+              </a:endParaRPr>
+            </a:p>
+            <a:p>
+              <a:pPr marL="171450" indent="-171450" algn="ctr">
+                <a:buFontTx/>
+                <a:buChar char="-"/>
+              </a:pPr>
+              <a:endParaRPr lang="en-US" sz="1600" dirty="0">
+                <a:solidFill>
+                  <a:schemeClr val="tx1"/>
+                </a:solidFill>
+              </a:endParaRPr>
+            </a:p>
+            <a:p>
+              <a:pPr algn="ctr"/>
+              <a:r>
+                <a:rPr lang="en-US" sz="1600" dirty="0">
+                  <a:solidFill>
+                    <a:schemeClr val="tx1"/>
+                  </a:solidFill>
+                </a:rPr>
+                <a:t>+ </a:t>
+              </a:r>
+              <a:r>
+                <a:rPr lang="en-US" sz="1600" dirty="0" err="1">
+                  <a:solidFill>
+                    <a:schemeClr val="tx1"/>
+                  </a:solidFill>
+                </a:rPr>
+                <a:t>GeometricShape</a:t>
+              </a:r>
+              <a:r>
+                <a:rPr lang="en-US" sz="1600" dirty="0">
+                  <a:solidFill>
+                    <a:schemeClr val="tx1"/>
+                  </a:solidFill>
+                </a:rPr>
+                <a:t>(): color: String</a:t>
+              </a:r>
+            </a:p>
+            <a:p>
+              <a:pPr algn="ctr"/>
+              <a:r>
+                <a:rPr lang="en-US" sz="1600" dirty="0">
+                  <a:solidFill>
+                    <a:schemeClr val="tx1"/>
+                  </a:solidFill>
+                </a:rPr>
+                <a:t>+ </a:t>
+              </a:r>
+              <a:r>
+                <a:rPr lang="en-US" sz="1600" dirty="0" err="1">
+                  <a:solidFill>
+                    <a:schemeClr val="tx1"/>
+                  </a:solidFill>
+                </a:rPr>
+                <a:t>GeometricShape</a:t>
+              </a:r>
+              <a:r>
+                <a:rPr lang="en-US" sz="1600" dirty="0">
+                  <a:solidFill>
+                    <a:schemeClr val="tx1"/>
+                  </a:solidFill>
+                </a:rPr>
+                <a:t>(color: String, </a:t>
+              </a:r>
+              <a:r>
+                <a:rPr lang="en-US" sz="1600" dirty="0" err="1">
+                  <a:solidFill>
+                    <a:schemeClr val="tx1"/>
+                  </a:solidFill>
+                </a:rPr>
+                <a:t>isFilled</a:t>
+              </a:r>
+              <a:r>
+                <a:rPr lang="en-US" sz="1600" dirty="0">
+                  <a:solidFill>
+                    <a:schemeClr val="tx1"/>
+                  </a:solidFill>
+                </a:rPr>
+                <a:t>: </a:t>
+              </a:r>
+              <a:r>
+                <a:rPr lang="en-US" sz="1600" dirty="0" err="1">
+                  <a:solidFill>
+                    <a:schemeClr val="tx1"/>
+                  </a:solidFill>
+                </a:rPr>
+                <a:t>boolean</a:t>
+              </a:r>
+              <a:r>
+                <a:rPr lang="en-US" sz="1600" dirty="0">
+                  <a:solidFill>
+                    <a:schemeClr val="tx1"/>
+                  </a:solidFill>
+                </a:rPr>
+                <a:t>)</a:t>
+              </a:r>
+            </a:p>
+            <a:p>
+              <a:pPr algn="ctr"/>
+              <a:r>
+                <a:rPr lang="en-US" sz="1600" dirty="0">
+                  <a:solidFill>
+                    <a:schemeClr val="tx1"/>
+                  </a:solidFill>
+                </a:rPr>
+                <a:t>+ </a:t>
+              </a:r>
+              <a:r>
+                <a:rPr lang="en-US" sz="1600" dirty="0" err="1">
+                  <a:solidFill>
+                    <a:schemeClr val="tx1"/>
+                  </a:solidFill>
+                </a:rPr>
+                <a:t>getColor</a:t>
+              </a:r>
+              <a:r>
+                <a:rPr lang="en-US" sz="1600" dirty="0">
+                  <a:solidFill>
+                    <a:schemeClr val="tx1"/>
+                  </a:solidFill>
+                </a:rPr>
+                <a:t>(): String</a:t>
+              </a:r>
+            </a:p>
+            <a:p>
+              <a:pPr algn="ctr"/>
+              <a:r>
+                <a:rPr lang="en-US" sz="1600" dirty="0">
+                  <a:solidFill>
+                    <a:schemeClr val="tx1"/>
+                  </a:solidFill>
+                </a:rPr>
+                <a:t>+ </a:t>
+              </a:r>
+              <a:r>
+                <a:rPr lang="en-US" sz="1600" dirty="0" err="1">
+                  <a:solidFill>
+                    <a:schemeClr val="tx1"/>
+                  </a:solidFill>
+                </a:rPr>
+                <a:t>setColor</a:t>
+              </a:r>
+              <a:r>
+                <a:rPr lang="en-US" sz="1600" dirty="0">
+                  <a:solidFill>
+                    <a:schemeClr val="tx1"/>
+                  </a:solidFill>
+                </a:rPr>
+                <a:t>(color: String): void</a:t>
+              </a:r>
+            </a:p>
+            <a:p>
+              <a:pPr algn="ctr"/>
+              <a:r>
+                <a:rPr lang="en-US" sz="1600" dirty="0">
+                  <a:solidFill>
+                    <a:schemeClr val="tx1"/>
+                  </a:solidFill>
+                </a:rPr>
+                <a:t>+ </a:t>
+              </a:r>
+              <a:r>
+                <a:rPr lang="en-US" sz="1600" dirty="0" err="1">
+                  <a:solidFill>
+                    <a:schemeClr val="tx1"/>
+                  </a:solidFill>
+                </a:rPr>
+                <a:t>isFilled</a:t>
+              </a:r>
+              <a:r>
+                <a:rPr lang="en-US" sz="1600" dirty="0">
+                  <a:solidFill>
+                    <a:schemeClr val="tx1"/>
+                  </a:solidFill>
+                </a:rPr>
+                <a:t>(): </a:t>
+              </a:r>
+              <a:r>
+                <a:rPr lang="en-US" sz="1600" dirty="0" err="1">
+                  <a:solidFill>
+                    <a:schemeClr val="tx1"/>
+                  </a:solidFill>
+                </a:rPr>
+                <a:t>boolean</a:t>
+              </a:r>
+              <a:endParaRPr lang="en-US" sz="1600" dirty="0">
+                <a:solidFill>
+                  <a:schemeClr val="tx1"/>
+                </a:solidFill>
+              </a:endParaRPr>
+            </a:p>
+            <a:p>
+              <a:pPr algn="ctr"/>
+              <a:r>
+                <a:rPr lang="en-US" sz="1600" dirty="0">
+                  <a:solidFill>
+                    <a:schemeClr val="tx1"/>
+                  </a:solidFill>
+                </a:rPr>
+                <a:t>+ </a:t>
+              </a:r>
+              <a:r>
+                <a:rPr lang="en-US" sz="1600" dirty="0" err="1">
+                  <a:solidFill>
+                    <a:schemeClr val="tx1"/>
+                  </a:solidFill>
+                </a:rPr>
+                <a:t>setFilled</a:t>
+              </a:r>
+              <a:r>
+                <a:rPr lang="en-US" sz="1600" dirty="0">
+                  <a:solidFill>
+                    <a:schemeClr val="tx1"/>
+                  </a:solidFill>
+                </a:rPr>
+                <a:t>(Boolean: </a:t>
+              </a:r>
+              <a:r>
+                <a:rPr lang="en-US" sz="1600" dirty="0" err="1">
+                  <a:solidFill>
+                    <a:schemeClr val="tx1"/>
+                  </a:solidFill>
+                </a:rPr>
+                <a:t>isFilled</a:t>
+              </a:r>
+              <a:r>
+                <a:rPr lang="en-US" sz="1600" dirty="0">
+                  <a:solidFill>
+                    <a:schemeClr val="tx1"/>
+                  </a:solidFill>
+                </a:rPr>
+                <a:t>): void</a:t>
+              </a:r>
+            </a:p>
+            <a:p>
+              <a:pPr algn="ctr"/>
+              <a:r>
+                <a:rPr lang="en-US" sz="1600" dirty="0">
+                  <a:solidFill>
+                    <a:schemeClr val="tx1"/>
+                  </a:solidFill>
+                </a:rPr>
+                <a:t>+ </a:t>
+              </a:r>
+              <a:r>
+                <a:rPr lang="en-US" sz="1600" dirty="0" err="1">
+                  <a:solidFill>
+                    <a:schemeClr val="tx1"/>
+                  </a:solidFill>
+                </a:rPr>
+                <a:t>toString</a:t>
+              </a:r>
+              <a:r>
+                <a:rPr lang="en-US" sz="1600" dirty="0">
+                  <a:solidFill>
+                    <a:schemeClr val="tx1"/>
+                  </a:solidFill>
+                </a:rPr>
+                <a:t>(): String //pints all info gathered in this class</a:t>
+              </a:r>
+            </a:p>
+          </p:txBody>
+        </p:sp>
+        <p:cxnSp>
+          <p:nvCxnSpPr>
+            <p:cNvPr id="14" name="Straight Connector 13">
+              <a:extLst>
+                <a:ext uri="{FF2B5EF4-FFF2-40B4-BE49-F238E27FC236}">
+                  <a16:creationId xmlns:a16="http://schemas.microsoft.com/office/drawing/2014/main" id="{5D0887A2-69EF-4359-85D4-8665D30595C6}"/>
+                </a:ext>
+              </a:extLst>
+            </p:cNvPr>
+            <p:cNvCxnSpPr>
+              <a:cxnSpLocks/>
+            </p:cNvCxnSpPr>
+            <p:nvPr/>
+          </p:nvCxnSpPr>
+          <p:spPr>
+            <a:xfrm>
+              <a:off x="3756038" y="825232"/>
+              <a:ext cx="4517843" cy="0"/>
+            </a:xfrm>
+            <a:prstGeom prst="line">
+              <a:avLst/>
+            </a:prstGeom>
+          </p:spPr>
+          <p:style>
+            <a:lnRef idx="1">
+              <a:schemeClr val="dk1"/>
+            </a:lnRef>
+            <a:fillRef idx="0">
+              <a:schemeClr val="dk1"/>
+            </a:fillRef>
+            <a:effectRef idx="0">
+              <a:schemeClr val="dk1"/>
+            </a:effectRef>
+            <a:fontRef idx="minor">
+              <a:schemeClr val="tx1"/>
+            </a:fontRef>
+          </p:style>
+        </p:cxnSp>
+        <p:cxnSp>
+          <p:nvCxnSpPr>
+            <p:cNvPr id="15" name="Straight Connector 14">
+              <a:extLst>
+                <a:ext uri="{FF2B5EF4-FFF2-40B4-BE49-F238E27FC236}">
+                  <a16:creationId xmlns:a16="http://schemas.microsoft.com/office/drawing/2014/main" id="{F9A84DF9-B3F5-46B2-80B3-81AD7F25A24E}"/>
+                </a:ext>
+              </a:extLst>
+            </p:cNvPr>
+            <p:cNvCxnSpPr>
+              <a:cxnSpLocks/>
+            </p:cNvCxnSpPr>
+            <p:nvPr/>
+          </p:nvCxnSpPr>
+          <p:spPr>
+            <a:xfrm>
+              <a:off x="3756039" y="1805358"/>
+              <a:ext cx="4517842" cy="0"/>
+            </a:xfrm>
+            <a:prstGeom prst="line">
+              <a:avLst/>
+            </a:prstGeom>
+          </p:spPr>
+          <p:style>
+            <a:lnRef idx="1">
+              <a:schemeClr val="dk1"/>
+            </a:lnRef>
+            <a:fillRef idx="0">
+              <a:schemeClr val="dk1"/>
+            </a:fillRef>
+            <a:effectRef idx="0">
+              <a:schemeClr val="dk1"/>
+            </a:effectRef>
+            <a:fontRef idx="minor">
+              <a:schemeClr val="tx1"/>
+            </a:fontRef>
+          </p:style>
+        </p:cxnSp>
+      </p:grpSp>
+      <p:grpSp>
+        <p:nvGrpSpPr>
+          <p:cNvPr id="4" name="Group 3">
+            <a:extLst>
+              <a:ext uri="{FF2B5EF4-FFF2-40B4-BE49-F238E27FC236}">
+                <a16:creationId xmlns:a16="http://schemas.microsoft.com/office/drawing/2014/main" id="{F10CBE7A-A714-4FED-B7F6-0441ED9EEBEC}"/>
+              </a:ext>
+            </a:extLst>
+          </p:cNvPr>
+          <p:cNvGrpSpPr/>
+          <p:nvPr/>
+        </p:nvGrpSpPr>
+        <p:grpSpPr>
+          <a:xfrm>
+            <a:off x="8216227" y="2532010"/>
+            <a:ext cx="3975148" cy="4186829"/>
+            <a:chOff x="6537392" y="3346360"/>
+            <a:chExt cx="3185265" cy="3333226"/>
+          </a:xfrm>
+        </p:grpSpPr>
+        <p:sp>
+          <p:nvSpPr>
+            <p:cNvPr id="11" name="Rectangle: Rounded Corners 10">
+              <a:extLst>
+                <a:ext uri="{FF2B5EF4-FFF2-40B4-BE49-F238E27FC236}">
+                  <a16:creationId xmlns:a16="http://schemas.microsoft.com/office/drawing/2014/main" id="{3E7AB6DE-CFDA-4E6A-A90D-E719977BA4B8}"/>
+                </a:ext>
+              </a:extLst>
+            </p:cNvPr>
+            <p:cNvSpPr/>
+            <p:nvPr/>
+          </p:nvSpPr>
+          <p:spPr>
+            <a:xfrm>
+              <a:off x="6537392" y="3346360"/>
+              <a:ext cx="3160856" cy="3333226"/>
+            </a:xfrm>
+            <a:prstGeom prst="roundRect">
+              <a:avLst/>
+            </a:prstGeom>
+            <a:noFill/>
+            <a:ln>
+              <a:solidFill>
+                <a:schemeClr val="tx1"/>
+              </a:solidFill>
+            </a:ln>
+          </p:spPr>
+          <p:style>
+            <a:lnRef idx="2">
+              <a:schemeClr val="accent1">
+                <a:shade val="50000"/>
+              </a:schemeClr>
+            </a:lnRef>
+            <a:fillRef idx="1">
+              <a:schemeClr val="accent1"/>
+            </a:fillRef>
+            <a:effectRef idx="0">
+              <a:schemeClr val="accent1"/>
+            </a:effectRef>
+            <a:fontRef idx="minor">
+              <a:schemeClr val="lt1"/>
+            </a:fontRef>
+          </p:style>
+          <p:txBody>
+            <a:bodyPr rtlCol="0" anchor="ctr"/>
+            <a:lstStyle/>
+            <a:p>
+              <a:pPr algn="ctr"/>
+              <a:endParaRPr lang="en-US" sz="1600" dirty="0">
+                <a:solidFill>
+                  <a:schemeClr val="tx1"/>
+                </a:solidFill>
+              </a:endParaRPr>
+            </a:p>
+            <a:p>
+              <a:pPr algn="ctr"/>
+              <a:endParaRPr lang="en-US" sz="1600" dirty="0">
+                <a:solidFill>
+                  <a:schemeClr val="tx1"/>
+                </a:solidFill>
+              </a:endParaRPr>
+            </a:p>
+            <a:p>
+              <a:pPr algn="ctr"/>
+              <a:r>
+                <a:rPr lang="en-US" sz="1600" dirty="0">
+                  <a:solidFill>
+                    <a:schemeClr val="tx1"/>
+                  </a:solidFill>
+                </a:rPr>
+                <a:t>Triangle</a:t>
+              </a:r>
+            </a:p>
+            <a:p>
+              <a:pPr algn="ctr"/>
+              <a:endParaRPr lang="en-US" sz="1600" dirty="0">
+                <a:solidFill>
+                  <a:schemeClr val="tx1"/>
+                </a:solidFill>
+              </a:endParaRPr>
+            </a:p>
+            <a:p>
+              <a:pPr algn="ctr"/>
+              <a:endParaRPr lang="en-US" sz="1600" dirty="0">
+                <a:solidFill>
+                  <a:schemeClr val="tx1"/>
+                </a:solidFill>
+              </a:endParaRPr>
+            </a:p>
+            <a:p>
+              <a:pPr algn="ctr"/>
+              <a:r>
+                <a:rPr lang="en-US" sz="1600" dirty="0">
+                  <a:solidFill>
+                    <a:schemeClr val="tx1"/>
+                  </a:solidFill>
+                </a:rPr>
+                <a:t>- base: double</a:t>
+              </a:r>
+            </a:p>
+            <a:p>
+              <a:pPr marL="171450" indent="-171450" algn="ctr">
+                <a:buFontTx/>
+                <a:buChar char="-"/>
+              </a:pPr>
+              <a:r>
+                <a:rPr lang="en-US" sz="1600" dirty="0">
+                  <a:solidFill>
+                    <a:schemeClr val="tx1"/>
+                  </a:solidFill>
+                </a:rPr>
+                <a:t>height: double</a:t>
+              </a:r>
+            </a:p>
+            <a:p>
+              <a:pPr algn="ctr"/>
+              <a:r>
+                <a:rPr lang="en-US" sz="1600" dirty="0">
+                  <a:solidFill>
+                    <a:schemeClr val="tx1"/>
+                  </a:solidFill>
+                </a:rPr>
+                <a:t>- </a:t>
+              </a:r>
+              <a:r>
+                <a:rPr lang="en-US" sz="1600" dirty="0" err="1">
+                  <a:solidFill>
+                    <a:schemeClr val="tx1"/>
+                  </a:solidFill>
+                </a:rPr>
+                <a:t>GeometricShape</a:t>
+              </a:r>
+              <a:r>
+                <a:rPr lang="en-US" sz="1600" dirty="0">
+                  <a:solidFill>
+                    <a:schemeClr val="tx1"/>
+                  </a:solidFill>
+                </a:rPr>
+                <a:t> geo</a:t>
+              </a:r>
+            </a:p>
+            <a:p>
+              <a:pPr algn="ctr"/>
+              <a:r>
+                <a:rPr lang="en-US" sz="1600" dirty="0">
+                  <a:solidFill>
+                    <a:schemeClr val="tx1"/>
+                  </a:solidFill>
+                </a:rPr>
+                <a:t>+ Triangle(color: String, </a:t>
+              </a:r>
+              <a:r>
+                <a:rPr lang="en-US" sz="1600" dirty="0" err="1">
+                  <a:solidFill>
+                    <a:schemeClr val="tx1"/>
+                  </a:solidFill>
+                </a:rPr>
+                <a:t>isFilled</a:t>
+              </a:r>
+              <a:r>
+                <a:rPr lang="en-US" sz="1600" dirty="0">
+                  <a:solidFill>
+                    <a:schemeClr val="tx1"/>
+                  </a:solidFill>
+                </a:rPr>
+                <a:t>: Boolean, base: double, height: double)</a:t>
+              </a:r>
+            </a:p>
+            <a:p>
+              <a:pPr algn="ctr"/>
+              <a:r>
+                <a:rPr lang="en-US" sz="1600" dirty="0">
+                  <a:solidFill>
+                    <a:schemeClr val="tx1"/>
+                  </a:solidFill>
+                </a:rPr>
+                <a:t>+ </a:t>
+              </a:r>
+              <a:r>
+                <a:rPr lang="en-US" sz="1600" dirty="0" err="1">
+                  <a:solidFill>
+                    <a:schemeClr val="tx1"/>
+                  </a:solidFill>
+                </a:rPr>
+                <a:t>getBase</a:t>
+              </a:r>
+              <a:r>
+                <a:rPr lang="en-US" sz="1600" dirty="0">
+                  <a:solidFill>
+                    <a:schemeClr val="tx1"/>
+                  </a:solidFill>
+                </a:rPr>
+                <a:t>(): double</a:t>
+              </a:r>
+            </a:p>
+            <a:p>
+              <a:pPr algn="ctr"/>
+              <a:r>
+                <a:rPr lang="en-US" sz="1600" dirty="0">
+                  <a:solidFill>
+                    <a:schemeClr val="tx1"/>
+                  </a:solidFill>
+                </a:rPr>
+                <a:t>+ </a:t>
+              </a:r>
+              <a:r>
+                <a:rPr lang="en-US" sz="1600" dirty="0" err="1">
+                  <a:solidFill>
+                    <a:schemeClr val="tx1"/>
+                  </a:solidFill>
+                </a:rPr>
+                <a:t>setBase</a:t>
+              </a:r>
+              <a:r>
+                <a:rPr lang="en-US" sz="1600" dirty="0">
+                  <a:solidFill>
+                    <a:schemeClr val="tx1"/>
+                  </a:solidFill>
+                </a:rPr>
+                <a:t>(base: double): void</a:t>
+              </a:r>
+            </a:p>
+            <a:p>
+              <a:pPr algn="ctr"/>
+              <a:r>
+                <a:rPr lang="en-US" sz="1600" dirty="0">
+                  <a:solidFill>
+                    <a:schemeClr val="tx1"/>
+                  </a:solidFill>
+                </a:rPr>
+                <a:t>+ </a:t>
+              </a:r>
+              <a:r>
+                <a:rPr lang="en-US" sz="1600" dirty="0" err="1">
+                  <a:solidFill>
+                    <a:schemeClr val="tx1"/>
+                  </a:solidFill>
+                </a:rPr>
+                <a:t>getHeight</a:t>
+              </a:r>
+              <a:r>
+                <a:rPr lang="en-US" sz="1600" dirty="0">
+                  <a:solidFill>
+                    <a:schemeClr val="tx1"/>
+                  </a:solidFill>
+                </a:rPr>
+                <a:t>(): double</a:t>
+              </a:r>
+            </a:p>
+            <a:p>
+              <a:pPr algn="ctr"/>
+              <a:r>
+                <a:rPr lang="en-US" sz="1600" dirty="0">
+                  <a:solidFill>
+                    <a:schemeClr val="tx1"/>
+                  </a:solidFill>
+                </a:rPr>
+                <a:t>+ </a:t>
+              </a:r>
+              <a:r>
+                <a:rPr lang="en-US" sz="1600" dirty="0" err="1">
+                  <a:solidFill>
+                    <a:schemeClr val="tx1"/>
+                  </a:solidFill>
+                </a:rPr>
+                <a:t>setHeight</a:t>
+              </a:r>
+              <a:r>
+                <a:rPr lang="en-US" sz="1600" dirty="0">
+                  <a:solidFill>
+                    <a:schemeClr val="tx1"/>
+                  </a:solidFill>
+                </a:rPr>
+                <a:t>(length: double): void</a:t>
+              </a:r>
+            </a:p>
+            <a:p>
+              <a:pPr algn="ctr"/>
+              <a:r>
+                <a:rPr lang="en-US" sz="1600" dirty="0">
+                  <a:solidFill>
+                    <a:schemeClr val="tx1"/>
+                  </a:solidFill>
+                </a:rPr>
+                <a:t>+ </a:t>
+              </a:r>
+              <a:r>
+                <a:rPr lang="en-US" sz="1600" dirty="0" err="1">
+                  <a:solidFill>
+                    <a:schemeClr val="tx1"/>
+                  </a:solidFill>
+                </a:rPr>
+                <a:t>triPerimeter</a:t>
+              </a:r>
+              <a:r>
+                <a:rPr lang="en-US" sz="1600" dirty="0">
+                  <a:solidFill>
+                    <a:schemeClr val="tx1"/>
+                  </a:solidFill>
+                </a:rPr>
+                <a:t>(): double</a:t>
+              </a:r>
+            </a:p>
+            <a:p>
+              <a:pPr algn="ctr"/>
+              <a:r>
+                <a:rPr lang="en-US" sz="1600" dirty="0">
+                  <a:solidFill>
+                    <a:schemeClr val="tx1"/>
+                  </a:solidFill>
+                </a:rPr>
+                <a:t>+ </a:t>
+              </a:r>
+              <a:r>
+                <a:rPr lang="en-US" sz="1600" dirty="0" err="1">
+                  <a:solidFill>
+                    <a:schemeClr val="tx1"/>
+                  </a:solidFill>
+                </a:rPr>
+                <a:t>triArea</a:t>
+              </a:r>
+              <a:r>
+                <a:rPr lang="en-US" sz="1600" dirty="0">
+                  <a:solidFill>
+                    <a:schemeClr val="tx1"/>
+                  </a:solidFill>
+                </a:rPr>
+                <a:t>(): double</a:t>
+              </a:r>
+            </a:p>
+            <a:p>
+              <a:pPr algn="ctr"/>
+              <a:r>
+                <a:rPr lang="en-US" sz="1600" dirty="0">
+                  <a:solidFill>
+                    <a:schemeClr val="tx1"/>
+                  </a:solidFill>
+                </a:rPr>
+                <a:t>+ </a:t>
+              </a:r>
+              <a:r>
+                <a:rPr lang="en-US" sz="1600" dirty="0" err="1">
+                  <a:solidFill>
+                    <a:schemeClr val="tx1"/>
+                  </a:solidFill>
+                </a:rPr>
+                <a:t>toString</a:t>
+              </a:r>
+              <a:r>
+                <a:rPr lang="en-US" sz="1600" dirty="0">
+                  <a:solidFill>
+                    <a:schemeClr val="tx1"/>
+                  </a:solidFill>
+                </a:rPr>
+                <a:t>(): String //pints all info gathered in this class</a:t>
+              </a:r>
+            </a:p>
+            <a:p>
+              <a:pPr algn="ctr"/>
+              <a:endParaRPr lang="en-US" sz="1600" dirty="0">
+                <a:solidFill>
+                  <a:schemeClr val="tx1"/>
+                </a:solidFill>
+              </a:endParaRPr>
+            </a:p>
+          </p:txBody>
+        </p:sp>
+        <p:cxnSp>
+          <p:nvCxnSpPr>
+            <p:cNvPr id="16" name="Straight Connector 15">
+              <a:extLst>
+                <a:ext uri="{FF2B5EF4-FFF2-40B4-BE49-F238E27FC236}">
+                  <a16:creationId xmlns:a16="http://schemas.microsoft.com/office/drawing/2014/main" id="{E5C0AF3B-8CA4-4DF1-AC8D-141CFA1A78B8}"/>
+                </a:ext>
+              </a:extLst>
+            </p:cNvPr>
+            <p:cNvCxnSpPr>
+              <a:cxnSpLocks/>
+            </p:cNvCxnSpPr>
+            <p:nvPr/>
+          </p:nvCxnSpPr>
+          <p:spPr>
+            <a:xfrm>
+              <a:off x="6561801" y="4006197"/>
+              <a:ext cx="3160856" cy="0"/>
+            </a:xfrm>
+            <a:prstGeom prst="line">
+              <a:avLst/>
+            </a:prstGeom>
+          </p:spPr>
+          <p:style>
+            <a:lnRef idx="1">
+              <a:schemeClr val="dk1"/>
+            </a:lnRef>
+            <a:fillRef idx="0">
+              <a:schemeClr val="dk1"/>
+            </a:fillRef>
+            <a:effectRef idx="0">
+              <a:schemeClr val="dk1"/>
+            </a:effectRef>
+            <a:fontRef idx="minor">
+              <a:schemeClr val="tx1"/>
+            </a:fontRef>
+          </p:style>
+        </p:cxnSp>
+        <p:cxnSp>
+          <p:nvCxnSpPr>
+            <p:cNvPr id="17" name="Straight Connector 16">
+              <a:extLst>
+                <a:ext uri="{FF2B5EF4-FFF2-40B4-BE49-F238E27FC236}">
+                  <a16:creationId xmlns:a16="http://schemas.microsoft.com/office/drawing/2014/main" id="{3B993FBE-909D-4EE3-9AEA-768E46435C8E}"/>
+                </a:ext>
+              </a:extLst>
+            </p:cNvPr>
+            <p:cNvCxnSpPr>
+              <a:cxnSpLocks/>
+            </p:cNvCxnSpPr>
+            <p:nvPr/>
+          </p:nvCxnSpPr>
+          <p:spPr>
+            <a:xfrm>
+              <a:off x="6541997" y="4766426"/>
+              <a:ext cx="3160856" cy="0"/>
+            </a:xfrm>
+            <a:prstGeom prst="line">
+              <a:avLst/>
+            </a:prstGeom>
+          </p:spPr>
+          <p:style>
+            <a:lnRef idx="1">
+              <a:schemeClr val="dk1"/>
+            </a:lnRef>
+            <a:fillRef idx="0">
+              <a:schemeClr val="dk1"/>
+            </a:fillRef>
+            <a:effectRef idx="0">
+              <a:schemeClr val="dk1"/>
+            </a:effectRef>
+            <a:fontRef idx="minor">
+              <a:schemeClr val="tx1"/>
+            </a:fontRef>
+          </p:style>
+        </p:cxnSp>
+      </p:grpSp>
+      <p:cxnSp>
+        <p:nvCxnSpPr>
+          <p:cNvPr id="18" name="Straight Arrow Connector 17">
+            <a:extLst>
+              <a:ext uri="{FF2B5EF4-FFF2-40B4-BE49-F238E27FC236}">
+                <a16:creationId xmlns:a16="http://schemas.microsoft.com/office/drawing/2014/main" id="{B2BE378A-6279-4805-AE7D-06F8932D4B20}"/>
+              </a:ext>
+            </a:extLst>
+          </p:cNvPr>
+          <p:cNvCxnSpPr>
+            <a:cxnSpLocks/>
+            <a:endCxn id="9" idx="1"/>
+          </p:cNvCxnSpPr>
+          <p:nvPr/>
+        </p:nvCxnSpPr>
+        <p:spPr>
+          <a:xfrm flipV="1">
+            <a:off x="1613619" y="1933127"/>
+            <a:ext cx="2006651" cy="1009418"/>
+          </a:xfrm>
+          <a:prstGeom prst="straightConnector1">
+            <a:avLst/>
+          </a:prstGeom>
+          <a:ln>
+            <a:tailEnd type="triangle"/>
+          </a:ln>
+        </p:spPr>
+        <p:style>
+          <a:lnRef idx="1">
+            <a:schemeClr val="accent1"/>
+          </a:lnRef>
+          <a:fillRef idx="0">
+            <a:schemeClr val="accent1"/>
+          </a:fillRef>
+          <a:effectRef idx="0">
+            <a:schemeClr val="accent1"/>
+          </a:effectRef>
+          <a:fontRef idx="minor">
+            <a:schemeClr val="tx1"/>
+          </a:fontRef>
+        </p:style>
+      </p:cxnSp>
+      <p:cxnSp>
+        <p:nvCxnSpPr>
+          <p:cNvPr id="21" name="Straight Arrow Connector 20">
+            <a:extLst>
+              <a:ext uri="{FF2B5EF4-FFF2-40B4-BE49-F238E27FC236}">
+                <a16:creationId xmlns:a16="http://schemas.microsoft.com/office/drawing/2014/main" id="{2F57A6DA-C0BD-485B-8CAC-72D29F1C102B}"/>
+              </a:ext>
+            </a:extLst>
+          </p:cNvPr>
+          <p:cNvCxnSpPr>
+            <a:cxnSpLocks/>
+            <a:endCxn id="9" idx="3"/>
+          </p:cNvCxnSpPr>
+          <p:nvPr/>
+        </p:nvCxnSpPr>
+        <p:spPr>
+          <a:xfrm flipH="1" flipV="1">
+            <a:off x="8138113" y="1933127"/>
+            <a:ext cx="2006652" cy="598884"/>
+          </a:xfrm>
+          <a:prstGeom prst="straightConnector1">
+            <a:avLst/>
+          </a:prstGeom>
+          <a:ln>
+            <a:tailEnd type="triangle"/>
+          </a:ln>
+        </p:spPr>
+        <p:style>
+          <a:lnRef idx="1">
+            <a:schemeClr val="accent1"/>
+          </a:lnRef>
+          <a:fillRef idx="0">
+            <a:schemeClr val="accent1"/>
+          </a:fillRef>
+          <a:effectRef idx="0">
+            <a:schemeClr val="accent1"/>
+          </a:effectRef>
+          <a:fontRef idx="minor">
+            <a:schemeClr val="tx1"/>
+          </a:fontRef>
+        </p:style>
+      </p:cxnSp>
+    </p:spTree>
+    <p:extLst>
+      <p:ext uri="{BB962C8B-B14F-4D97-AF65-F5344CB8AC3E}">
+        <p14:creationId xmlns:p14="http://schemas.microsoft.com/office/powerpoint/2010/main" val="2617914467"/>
       </p:ext>
     </p:extLst>
   </p:cSld>

--- a/CSE215_lab-Manuals/UML.pptx
+++ b/CSE215_lab-Manuals/UML.pptx
@@ -8,7 +8,9 @@
     <p:sldId id="256" r:id="rId2"/>
     <p:sldId id="257" r:id="rId3"/>
     <p:sldId id="258" r:id="rId4"/>
-    <p:sldId id="259" r:id="rId5"/>
+    <p:sldId id="260" r:id="rId5"/>
+    <p:sldId id="259" r:id="rId6"/>
+    <p:sldId id="261" r:id="rId7"/>
   </p:sldIdLst>
   <p:sldSz cx="12192000" cy="6858000"/>
   <p:notesSz cx="6858000" cy="9144000"/>
@@ -262,7 +264,7 @@
           <a:p>
             <a:fld id="{B0E4FD5C-81AD-4480-9B3D-2DDB48C9A47E}" type="datetimeFigureOut">
               <a:rPr lang="en-US" smtClean="0"/>
-              <a:t>12/25/2020</a:t>
+              <a:t>1/20/2021</a:t>
             </a:fld>
             <a:endParaRPr lang="en-US"/>
           </a:p>
@@ -460,7 +462,7 @@
           <a:p>
             <a:fld id="{B0E4FD5C-81AD-4480-9B3D-2DDB48C9A47E}" type="datetimeFigureOut">
               <a:rPr lang="en-US" smtClean="0"/>
-              <a:t>12/25/2020</a:t>
+              <a:t>1/20/2021</a:t>
             </a:fld>
             <a:endParaRPr lang="en-US"/>
           </a:p>
@@ -668,7 +670,7 @@
           <a:p>
             <a:fld id="{B0E4FD5C-81AD-4480-9B3D-2DDB48C9A47E}" type="datetimeFigureOut">
               <a:rPr lang="en-US" smtClean="0"/>
-              <a:t>12/25/2020</a:t>
+              <a:t>1/20/2021</a:t>
             </a:fld>
             <a:endParaRPr lang="en-US"/>
           </a:p>
@@ -866,7 +868,7 @@
           <a:p>
             <a:fld id="{B0E4FD5C-81AD-4480-9B3D-2DDB48C9A47E}" type="datetimeFigureOut">
               <a:rPr lang="en-US" smtClean="0"/>
-              <a:t>12/25/2020</a:t>
+              <a:t>1/20/2021</a:t>
             </a:fld>
             <a:endParaRPr lang="en-US"/>
           </a:p>
@@ -1141,7 +1143,7 @@
           <a:p>
             <a:fld id="{B0E4FD5C-81AD-4480-9B3D-2DDB48C9A47E}" type="datetimeFigureOut">
               <a:rPr lang="en-US" smtClean="0"/>
-              <a:t>12/25/2020</a:t>
+              <a:t>1/20/2021</a:t>
             </a:fld>
             <a:endParaRPr lang="en-US"/>
           </a:p>
@@ -1406,7 +1408,7 @@
           <a:p>
             <a:fld id="{B0E4FD5C-81AD-4480-9B3D-2DDB48C9A47E}" type="datetimeFigureOut">
               <a:rPr lang="en-US" smtClean="0"/>
-              <a:t>12/25/2020</a:t>
+              <a:t>1/20/2021</a:t>
             </a:fld>
             <a:endParaRPr lang="en-US"/>
           </a:p>
@@ -1818,7 +1820,7 @@
           <a:p>
             <a:fld id="{B0E4FD5C-81AD-4480-9B3D-2DDB48C9A47E}" type="datetimeFigureOut">
               <a:rPr lang="en-US" smtClean="0"/>
-              <a:t>12/25/2020</a:t>
+              <a:t>1/20/2021</a:t>
             </a:fld>
             <a:endParaRPr lang="en-US"/>
           </a:p>
@@ -1959,7 +1961,7 @@
           <a:p>
             <a:fld id="{B0E4FD5C-81AD-4480-9B3D-2DDB48C9A47E}" type="datetimeFigureOut">
               <a:rPr lang="en-US" smtClean="0"/>
-              <a:t>12/25/2020</a:t>
+              <a:t>1/20/2021</a:t>
             </a:fld>
             <a:endParaRPr lang="en-US"/>
           </a:p>
@@ -2072,7 +2074,7 @@
           <a:p>
             <a:fld id="{B0E4FD5C-81AD-4480-9B3D-2DDB48C9A47E}" type="datetimeFigureOut">
               <a:rPr lang="en-US" smtClean="0"/>
-              <a:t>12/25/2020</a:t>
+              <a:t>1/20/2021</a:t>
             </a:fld>
             <a:endParaRPr lang="en-US"/>
           </a:p>
@@ -2383,7 +2385,7 @@
           <a:p>
             <a:fld id="{B0E4FD5C-81AD-4480-9B3D-2DDB48C9A47E}" type="datetimeFigureOut">
               <a:rPr lang="en-US" smtClean="0"/>
-              <a:t>12/25/2020</a:t>
+              <a:t>1/20/2021</a:t>
             </a:fld>
             <a:endParaRPr lang="en-US"/>
           </a:p>
@@ -2671,7 +2673,7 @@
           <a:p>
             <a:fld id="{B0E4FD5C-81AD-4480-9B3D-2DDB48C9A47E}" type="datetimeFigureOut">
               <a:rPr lang="en-US" smtClean="0"/>
-              <a:t>12/25/2020</a:t>
+              <a:t>1/20/2021</a:t>
             </a:fld>
             <a:endParaRPr lang="en-US"/>
           </a:p>
@@ -2912,7 +2914,7 @@
           <a:p>
             <a:fld id="{B0E4FD5C-81AD-4480-9B3D-2DDB48C9A47E}" type="datetimeFigureOut">
               <a:rPr lang="en-US" smtClean="0"/>
-              <a:t>12/25/2020</a:t>
+              <a:t>1/20/2021</a:t>
             </a:fld>
             <a:endParaRPr lang="en-US"/>
           </a:p>
@@ -8503,6 +8505,833 @@
       </p:grpSpPr>
       <p:grpSp>
         <p:nvGrpSpPr>
+          <p:cNvPr id="2" name="Group 1">
+            <a:extLst>
+              <a:ext uri="{FF2B5EF4-FFF2-40B4-BE49-F238E27FC236}">
+                <a16:creationId xmlns:a16="http://schemas.microsoft.com/office/drawing/2014/main" id="{62AB00A4-F126-42A5-918B-94333E00D51D}"/>
+              </a:ext>
+            </a:extLst>
+          </p:cNvPr>
+          <p:cNvGrpSpPr/>
+          <p:nvPr/>
+        </p:nvGrpSpPr>
+        <p:grpSpPr>
+          <a:xfrm>
+            <a:off x="1243697" y="585535"/>
+            <a:ext cx="8271004" cy="5686930"/>
+            <a:chOff x="1676185" y="145459"/>
+            <a:chExt cx="4990070" cy="3283541"/>
+          </a:xfrm>
+        </p:grpSpPr>
+        <p:sp>
+          <p:nvSpPr>
+            <p:cNvPr id="29" name="Rectangle: Rounded Corners 28">
+              <a:extLst>
+                <a:ext uri="{FF2B5EF4-FFF2-40B4-BE49-F238E27FC236}">
+                  <a16:creationId xmlns:a16="http://schemas.microsoft.com/office/drawing/2014/main" id="{13E507AE-FF57-4902-8FB4-3963D1349DF5}"/>
+                </a:ext>
+              </a:extLst>
+            </p:cNvPr>
+            <p:cNvSpPr/>
+            <p:nvPr/>
+          </p:nvSpPr>
+          <p:spPr>
+            <a:xfrm>
+              <a:off x="1676185" y="145459"/>
+              <a:ext cx="4990070" cy="3283541"/>
+            </a:xfrm>
+            <a:prstGeom prst="roundRect">
+              <a:avLst/>
+            </a:prstGeom>
+            <a:noFill/>
+            <a:ln>
+              <a:solidFill>
+                <a:schemeClr val="tx1"/>
+              </a:solidFill>
+            </a:ln>
+          </p:spPr>
+          <p:style>
+            <a:lnRef idx="2">
+              <a:schemeClr val="accent1">
+                <a:shade val="50000"/>
+              </a:schemeClr>
+            </a:lnRef>
+            <a:fillRef idx="1">
+              <a:schemeClr val="accent1"/>
+            </a:fillRef>
+            <a:effectRef idx="0">
+              <a:schemeClr val="accent1"/>
+            </a:effectRef>
+            <a:fontRef idx="minor">
+              <a:schemeClr val="lt1"/>
+            </a:fontRef>
+          </p:style>
+          <p:txBody>
+            <a:bodyPr rtlCol="0" anchor="ctr"/>
+            <a:lstStyle/>
+            <a:p>
+              <a:pPr algn="ctr"/>
+              <a:r>
+                <a:rPr lang="en-US" sz="1600" dirty="0" err="1">
+                  <a:solidFill>
+                    <a:schemeClr val="tx1"/>
+                  </a:solidFill>
+                </a:rPr>
+                <a:t>GenerateTicket</a:t>
+              </a:r>
+              <a:endParaRPr lang="en-US" sz="1600" dirty="0">
+                <a:solidFill>
+                  <a:schemeClr val="tx1"/>
+                </a:solidFill>
+              </a:endParaRPr>
+            </a:p>
+            <a:p>
+              <a:pPr algn="ctr"/>
+              <a:endParaRPr lang="en-US" sz="1600" dirty="0">
+                <a:solidFill>
+                  <a:schemeClr val="tx1"/>
+                </a:solidFill>
+              </a:endParaRPr>
+            </a:p>
+            <a:p>
+              <a:pPr algn="ctr"/>
+              <a:endParaRPr lang="en-US" sz="1600" dirty="0">
+                <a:solidFill>
+                  <a:schemeClr val="tx1"/>
+                </a:solidFill>
+              </a:endParaRPr>
+            </a:p>
+            <a:p>
+              <a:pPr algn="ctr"/>
+              <a:r>
+                <a:rPr lang="en-US" sz="1600" dirty="0">
+                  <a:solidFill>
+                    <a:schemeClr val="tx1"/>
+                  </a:solidFill>
+                </a:rPr>
+                <a:t>- </a:t>
+              </a:r>
+              <a:r>
+                <a:rPr lang="en-US" sz="1600" dirty="0" err="1">
+                  <a:solidFill>
+                    <a:schemeClr val="tx1"/>
+                  </a:solidFill>
+                </a:rPr>
+                <a:t>customer_name</a:t>
+              </a:r>
+              <a:r>
+                <a:rPr lang="en-US" sz="1600" dirty="0">
+                  <a:solidFill>
+                    <a:schemeClr val="tx1"/>
+                  </a:solidFill>
+                </a:rPr>
+                <a:t>: String</a:t>
+              </a:r>
+            </a:p>
+            <a:p>
+              <a:pPr algn="ctr"/>
+              <a:r>
+                <a:rPr lang="en-US" sz="1600" dirty="0">
+                  <a:solidFill>
+                    <a:schemeClr val="tx1"/>
+                  </a:solidFill>
+                </a:rPr>
+                <a:t>- </a:t>
+              </a:r>
+              <a:r>
+                <a:rPr lang="en-US" sz="1600" dirty="0" err="1">
+                  <a:solidFill>
+                    <a:schemeClr val="tx1"/>
+                  </a:solidFill>
+                </a:rPr>
+                <a:t>ticket_booking_date</a:t>
+              </a:r>
+              <a:r>
+                <a:rPr lang="en-US" sz="1600" dirty="0">
+                  <a:solidFill>
+                    <a:schemeClr val="tx1"/>
+                  </a:solidFill>
+                </a:rPr>
+                <a:t>: Date</a:t>
+              </a:r>
+            </a:p>
+            <a:p>
+              <a:pPr marL="171450" indent="-171450" algn="ctr">
+                <a:buFontTx/>
+                <a:buChar char="-"/>
+              </a:pPr>
+              <a:r>
+                <a:rPr lang="en-US" sz="1600" dirty="0" err="1">
+                  <a:solidFill>
+                    <a:schemeClr val="tx1"/>
+                  </a:solidFill>
+                </a:rPr>
+                <a:t>booking_ID</a:t>
+              </a:r>
+              <a:r>
+                <a:rPr lang="en-US" sz="1600" dirty="0">
+                  <a:solidFill>
+                    <a:schemeClr val="tx1"/>
+                  </a:solidFill>
+                </a:rPr>
+                <a:t>: int</a:t>
+              </a:r>
+            </a:p>
+            <a:p>
+              <a:pPr marL="171450" indent="-171450" algn="ctr">
+                <a:buFontTx/>
+                <a:buChar char="-"/>
+              </a:pPr>
+              <a:r>
+                <a:rPr lang="en-US" sz="1600" dirty="0" err="1">
+                  <a:solidFill>
+                    <a:schemeClr val="tx1"/>
+                  </a:solidFill>
+                </a:rPr>
+                <a:t>booked_seats</a:t>
+              </a:r>
+              <a:r>
+                <a:rPr lang="en-US" sz="1600" dirty="0">
+                  <a:solidFill>
+                    <a:schemeClr val="tx1"/>
+                  </a:solidFill>
+                </a:rPr>
+                <a:t>[m][m]: String</a:t>
+              </a:r>
+            </a:p>
+            <a:p>
+              <a:pPr marL="171450" indent="-171450" algn="ctr">
+                <a:buFontTx/>
+                <a:buChar char="-"/>
+              </a:pPr>
+              <a:r>
+                <a:rPr lang="en-US" sz="1600" dirty="0" err="1">
+                  <a:solidFill>
+                    <a:schemeClr val="tx1"/>
+                  </a:solidFill>
+                </a:rPr>
+                <a:t>total_Cost</a:t>
+              </a:r>
+              <a:r>
+                <a:rPr lang="en-US" sz="1600" dirty="0">
+                  <a:solidFill>
+                    <a:schemeClr val="tx1"/>
+                  </a:solidFill>
+                </a:rPr>
+                <a:t>: double</a:t>
+              </a:r>
+            </a:p>
+            <a:p>
+              <a:pPr algn="ctr"/>
+              <a:r>
+                <a:rPr lang="en-US" sz="1600" dirty="0">
+                  <a:solidFill>
+                    <a:schemeClr val="tx1"/>
+                  </a:solidFill>
+                </a:rPr>
+                <a:t>- discount: </a:t>
+              </a:r>
+              <a:r>
+                <a:rPr lang="en-US" sz="1600" dirty="0" err="1">
+                  <a:solidFill>
+                    <a:schemeClr val="tx1"/>
+                  </a:solidFill>
+                </a:rPr>
+                <a:t>boolean</a:t>
+              </a:r>
+              <a:endParaRPr lang="en-US" sz="1600" dirty="0">
+                <a:solidFill>
+                  <a:schemeClr val="tx1"/>
+                </a:solidFill>
+              </a:endParaRPr>
+            </a:p>
+            <a:p>
+              <a:pPr algn="ctr"/>
+              <a:r>
+                <a:rPr lang="en-US" sz="1600" dirty="0">
+                  <a:solidFill>
+                    <a:schemeClr val="tx1"/>
+                  </a:solidFill>
+                </a:rPr>
+                <a:t>- </a:t>
+              </a:r>
+              <a:r>
+                <a:rPr lang="en-US" sz="1600" dirty="0" err="1">
+                  <a:solidFill>
+                    <a:schemeClr val="tx1"/>
+                  </a:solidFill>
+                </a:rPr>
+                <a:t>total_payable</a:t>
+              </a:r>
+              <a:r>
+                <a:rPr lang="en-US" sz="1600" dirty="0">
+                  <a:solidFill>
+                    <a:schemeClr val="tx1"/>
+                  </a:solidFill>
+                </a:rPr>
+                <a:t>: double</a:t>
+              </a:r>
+            </a:p>
+            <a:p>
+              <a:pPr marL="171450" indent="-171450" algn="ctr">
+                <a:buFontTx/>
+                <a:buChar char="-"/>
+              </a:pPr>
+              <a:endParaRPr lang="en-US" sz="1600" dirty="0">
+                <a:solidFill>
+                  <a:schemeClr val="tx1"/>
+                </a:solidFill>
+              </a:endParaRPr>
+            </a:p>
+            <a:p>
+              <a:pPr marL="171450" indent="-171450" algn="ctr">
+                <a:buFontTx/>
+                <a:buChar char="-"/>
+              </a:pPr>
+              <a:endParaRPr lang="en-US" sz="1600" dirty="0">
+                <a:solidFill>
+                  <a:schemeClr val="tx1"/>
+                </a:solidFill>
+              </a:endParaRPr>
+            </a:p>
+            <a:p>
+              <a:pPr algn="ctr"/>
+              <a:r>
+                <a:rPr lang="en-US" sz="1600" dirty="0">
+                  <a:solidFill>
+                    <a:schemeClr val="tx1"/>
+                  </a:solidFill>
+                </a:rPr>
+                <a:t>+ </a:t>
+              </a:r>
+              <a:r>
+                <a:rPr lang="en-US" sz="1600" dirty="0" err="1">
+                  <a:solidFill>
+                    <a:schemeClr val="tx1"/>
+                  </a:solidFill>
+                </a:rPr>
+                <a:t>GenerateTicket</a:t>
+              </a:r>
+              <a:r>
+                <a:rPr lang="en-US" sz="1600" dirty="0">
+                  <a:solidFill>
+                    <a:schemeClr val="tx1"/>
+                  </a:solidFill>
+                </a:rPr>
+                <a:t>(</a:t>
+              </a:r>
+              <a:r>
+                <a:rPr lang="en-US" sz="1600" dirty="0" err="1">
+                  <a:solidFill>
+                    <a:schemeClr val="tx1"/>
+                  </a:solidFill>
+                </a:rPr>
+                <a:t>customer_name</a:t>
+              </a:r>
+              <a:r>
+                <a:rPr lang="en-US" sz="1600" dirty="0">
+                  <a:solidFill>
+                    <a:schemeClr val="tx1"/>
+                  </a:solidFill>
+                </a:rPr>
+                <a:t>: String, </a:t>
+              </a:r>
+              <a:r>
+                <a:rPr lang="en-US" sz="1600" dirty="0" err="1">
+                  <a:solidFill>
+                    <a:schemeClr val="tx1"/>
+                  </a:solidFill>
+                </a:rPr>
+                <a:t>ticket_booking_date</a:t>
+              </a:r>
+              <a:r>
+                <a:rPr lang="en-US" sz="1600" dirty="0">
+                  <a:solidFill>
+                    <a:schemeClr val="tx1"/>
+                  </a:solidFill>
+                </a:rPr>
+                <a:t>: Date, </a:t>
+              </a:r>
+              <a:r>
+                <a:rPr lang="en-US" sz="1600" dirty="0" err="1">
+                  <a:solidFill>
+                    <a:schemeClr val="tx1"/>
+                  </a:solidFill>
+                </a:rPr>
+                <a:t>booking_ID</a:t>
+              </a:r>
+              <a:r>
+                <a:rPr lang="en-US" sz="1600" dirty="0">
+                  <a:solidFill>
+                    <a:schemeClr val="tx1"/>
+                  </a:solidFill>
+                </a:rPr>
+                <a:t>: int)</a:t>
+              </a:r>
+            </a:p>
+            <a:p>
+              <a:pPr algn="ctr"/>
+              <a:r>
+                <a:rPr lang="en-US" sz="1600" dirty="0">
+                  <a:solidFill>
+                    <a:schemeClr val="tx1"/>
+                  </a:solidFill>
+                </a:rPr>
+                <a:t>+ </a:t>
+              </a:r>
+              <a:r>
+                <a:rPr lang="en-US" sz="1600" dirty="0" err="1">
+                  <a:solidFill>
+                    <a:schemeClr val="tx1"/>
+                  </a:solidFill>
+                </a:rPr>
+                <a:t>getCustomer_name</a:t>
+              </a:r>
+              <a:r>
+                <a:rPr lang="en-US" sz="1600" dirty="0">
+                  <a:solidFill>
+                    <a:schemeClr val="tx1"/>
+                  </a:solidFill>
+                </a:rPr>
+                <a:t>(): String</a:t>
+              </a:r>
+            </a:p>
+            <a:p>
+              <a:pPr algn="ctr"/>
+              <a:r>
+                <a:rPr lang="en-US" sz="1600" dirty="0">
+                  <a:solidFill>
+                    <a:schemeClr val="tx1"/>
+                  </a:solidFill>
+                </a:rPr>
+                <a:t>+ </a:t>
+              </a:r>
+              <a:r>
+                <a:rPr lang="en-US" sz="1600" dirty="0" err="1">
+                  <a:solidFill>
+                    <a:schemeClr val="tx1"/>
+                  </a:solidFill>
+                </a:rPr>
+                <a:t>getBookingID</a:t>
+              </a:r>
+              <a:r>
+                <a:rPr lang="en-US" sz="1600" dirty="0">
+                  <a:solidFill>
+                    <a:schemeClr val="tx1"/>
+                  </a:solidFill>
+                </a:rPr>
+                <a:t>(): int</a:t>
+              </a:r>
+            </a:p>
+            <a:p>
+              <a:pPr algn="ctr"/>
+              <a:r>
+                <a:rPr lang="en-US" sz="1600" dirty="0">
+                  <a:solidFill>
+                    <a:schemeClr val="tx1"/>
+                  </a:solidFill>
+                </a:rPr>
+                <a:t>+ </a:t>
+              </a:r>
+              <a:r>
+                <a:rPr lang="en-US" sz="1600" dirty="0" err="1">
+                  <a:solidFill>
+                    <a:schemeClr val="tx1"/>
+                  </a:solidFill>
+                </a:rPr>
+                <a:t>bookSeats</a:t>
+              </a:r>
+              <a:r>
+                <a:rPr lang="en-US" sz="1600" dirty="0">
+                  <a:solidFill>
+                    <a:schemeClr val="tx1"/>
+                  </a:solidFill>
+                </a:rPr>
+                <a:t>(</a:t>
+              </a:r>
+              <a:r>
+                <a:rPr lang="en-US" sz="1600" dirty="0" err="1">
+                  <a:solidFill>
+                    <a:schemeClr val="tx1"/>
+                  </a:solidFill>
+                </a:rPr>
+                <a:t>booked_seats</a:t>
+              </a:r>
+              <a:r>
+                <a:rPr lang="en-US" sz="1600" dirty="0">
+                  <a:solidFill>
+                    <a:schemeClr val="tx1"/>
+                  </a:solidFill>
+                </a:rPr>
+                <a:t>[</a:t>
+              </a:r>
+              <a:r>
+                <a:rPr lang="en-US" sz="1600" dirty="0" err="1">
+                  <a:solidFill>
+                    <a:schemeClr val="tx1"/>
+                  </a:solidFill>
+                </a:rPr>
+                <a:t>i</a:t>
+              </a:r>
+              <a:r>
+                <a:rPr lang="en-US" sz="1600" dirty="0">
+                  <a:solidFill>
+                    <a:schemeClr val="tx1"/>
+                  </a:solidFill>
+                </a:rPr>
+                <a:t>][</a:t>
+              </a:r>
+              <a:r>
+                <a:rPr lang="en-US" sz="1600" dirty="0" err="1">
+                  <a:solidFill>
+                    <a:schemeClr val="tx1"/>
+                  </a:solidFill>
+                </a:rPr>
+                <a:t>i</a:t>
+              </a:r>
+              <a:r>
+                <a:rPr lang="en-US" sz="1600" dirty="0">
+                  <a:solidFill>
+                    <a:schemeClr val="tx1"/>
+                  </a:solidFill>
+                </a:rPr>
+                <a:t>]: String, i: int, </a:t>
+              </a:r>
+              <a:r>
+                <a:rPr lang="en-US" sz="1600" dirty="0" err="1">
+                  <a:solidFill>
+                    <a:schemeClr val="tx1"/>
+                  </a:solidFill>
+                </a:rPr>
+                <a:t>cost_per_ticket</a:t>
+              </a:r>
+              <a:r>
+                <a:rPr lang="en-US" sz="1600" dirty="0">
+                  <a:solidFill>
+                    <a:schemeClr val="tx1"/>
+                  </a:solidFill>
+                </a:rPr>
+                <a:t>: double): void</a:t>
+              </a:r>
+            </a:p>
+            <a:p>
+              <a:pPr algn="ctr"/>
+              <a:r>
+                <a:rPr lang="en-US" sz="1600" dirty="0">
+                  <a:solidFill>
+                    <a:schemeClr val="tx1"/>
+                  </a:solidFill>
+                </a:rPr>
+                <a:t>+ </a:t>
+              </a:r>
+              <a:r>
+                <a:rPr lang="en-US" sz="1600" dirty="0" err="1">
+                  <a:solidFill>
+                    <a:schemeClr val="tx1"/>
+                  </a:solidFill>
+                </a:rPr>
+                <a:t>getTotalCost</a:t>
+              </a:r>
+              <a:r>
+                <a:rPr lang="en-US" sz="1600" dirty="0">
+                  <a:solidFill>
+                    <a:schemeClr val="tx1"/>
+                  </a:solidFill>
+                </a:rPr>
+                <a:t>(): double</a:t>
+              </a:r>
+            </a:p>
+            <a:p>
+              <a:pPr algn="ctr"/>
+              <a:r>
+                <a:rPr lang="en-US" sz="1600" dirty="0">
+                  <a:solidFill>
+                    <a:schemeClr val="tx1"/>
+                  </a:solidFill>
+                </a:rPr>
+                <a:t>+ </a:t>
+              </a:r>
+              <a:r>
+                <a:rPr lang="en-US" sz="1600" dirty="0" err="1">
+                  <a:solidFill>
+                    <a:schemeClr val="tx1"/>
+                  </a:solidFill>
+                </a:rPr>
+                <a:t>activateDiscount</a:t>
+              </a:r>
+              <a:r>
+                <a:rPr lang="en-US" sz="1600" dirty="0">
+                  <a:solidFill>
+                    <a:schemeClr val="tx1"/>
+                  </a:solidFill>
+                </a:rPr>
+                <a:t>(</a:t>
+              </a:r>
+              <a:r>
+                <a:rPr lang="en-US" sz="1600" dirty="0" err="1">
+                  <a:solidFill>
+                    <a:schemeClr val="tx1"/>
+                  </a:solidFill>
+                </a:rPr>
+                <a:t>booking_ID</a:t>
+              </a:r>
+              <a:r>
+                <a:rPr lang="en-US" sz="1600" dirty="0">
+                  <a:solidFill>
+                    <a:schemeClr val="tx1"/>
+                  </a:solidFill>
+                </a:rPr>
+                <a:t>): Boolean</a:t>
+              </a:r>
+            </a:p>
+            <a:p>
+              <a:pPr algn="ctr"/>
+              <a:r>
+                <a:rPr lang="en-US" sz="1600" dirty="0">
+                  <a:solidFill>
+                    <a:schemeClr val="tx1"/>
+                  </a:solidFill>
+                </a:rPr>
+                <a:t>+ </a:t>
+              </a:r>
+              <a:r>
+                <a:rPr lang="en-US" sz="1600" dirty="0" err="1">
+                  <a:solidFill>
+                    <a:schemeClr val="tx1"/>
+                  </a:solidFill>
+                </a:rPr>
+                <a:t>availDiscount</a:t>
+              </a:r>
+              <a:r>
+                <a:rPr lang="en-US" sz="1600" dirty="0">
+                  <a:solidFill>
+                    <a:schemeClr val="tx1"/>
+                  </a:solidFill>
+                </a:rPr>
+                <a:t>(</a:t>
+              </a:r>
+              <a:r>
+                <a:rPr lang="en-US" sz="1600" dirty="0" err="1">
+                  <a:solidFill>
+                    <a:schemeClr val="tx1"/>
+                  </a:solidFill>
+                </a:rPr>
+                <a:t>total_cost</a:t>
+              </a:r>
+              <a:r>
+                <a:rPr lang="en-US" sz="1600" dirty="0">
+                  <a:solidFill>
+                    <a:schemeClr val="tx1"/>
+                  </a:solidFill>
+                </a:rPr>
+                <a:t>: double): discount: double</a:t>
+              </a:r>
+            </a:p>
+            <a:p>
+              <a:pPr algn="ctr"/>
+              <a:r>
+                <a:rPr lang="en-US" sz="1600" dirty="0">
+                  <a:solidFill>
+                    <a:schemeClr val="tx1"/>
+                  </a:solidFill>
+                </a:rPr>
+                <a:t>+ </a:t>
+              </a:r>
+              <a:r>
+                <a:rPr lang="en-US" sz="1600" dirty="0" err="1">
+                  <a:solidFill>
+                    <a:schemeClr val="tx1"/>
+                  </a:solidFill>
+                </a:rPr>
+                <a:t>toBePaid</a:t>
+              </a:r>
+              <a:r>
+                <a:rPr lang="en-US" sz="1600" dirty="0">
+                  <a:solidFill>
+                    <a:schemeClr val="tx1"/>
+                  </a:solidFill>
+                </a:rPr>
+                <a:t>(): </a:t>
+              </a:r>
+              <a:r>
+                <a:rPr lang="en-US" sz="1600" dirty="0" err="1">
+                  <a:solidFill>
+                    <a:schemeClr val="tx1"/>
+                  </a:solidFill>
+                </a:rPr>
+                <a:t>total_payable</a:t>
+              </a:r>
+              <a:r>
+                <a:rPr lang="en-US" sz="1600" dirty="0">
+                  <a:solidFill>
+                    <a:schemeClr val="tx1"/>
+                  </a:solidFill>
+                </a:rPr>
+                <a:t>: double</a:t>
+              </a:r>
+            </a:p>
+            <a:p>
+              <a:pPr algn="ctr"/>
+              <a:r>
+                <a:rPr lang="en-US" sz="1600" dirty="0">
+                  <a:solidFill>
+                    <a:schemeClr val="tx1"/>
+                  </a:solidFill>
+                </a:rPr>
+                <a:t>+ </a:t>
+              </a:r>
+              <a:r>
+                <a:rPr lang="en-US" sz="1600" dirty="0" err="1">
+                  <a:solidFill>
+                    <a:schemeClr val="tx1"/>
+                  </a:solidFill>
+                </a:rPr>
+                <a:t>printStatus</a:t>
+              </a:r>
+              <a:r>
+                <a:rPr lang="en-US" sz="1600" dirty="0">
+                  <a:solidFill>
+                    <a:schemeClr val="tx1"/>
+                  </a:solidFill>
+                </a:rPr>
+                <a:t>(</a:t>
+              </a:r>
+              <a:r>
+                <a:rPr lang="en-US" sz="1600" b="1" dirty="0" err="1">
+                  <a:solidFill>
+                    <a:schemeClr val="tx1"/>
+                  </a:solidFill>
+                </a:rPr>
+                <a:t>getBookingID</a:t>
+              </a:r>
+              <a:r>
+                <a:rPr lang="en-US" sz="1600" b="1" dirty="0">
+                  <a:solidFill>
+                    <a:schemeClr val="tx1"/>
+                  </a:solidFill>
+                </a:rPr>
+                <a:t>()</a:t>
+              </a:r>
+              <a:r>
+                <a:rPr lang="en-US" sz="1600" dirty="0">
+                  <a:solidFill>
+                    <a:schemeClr val="tx1"/>
+                  </a:solidFill>
+                </a:rPr>
+                <a:t>): String</a:t>
+              </a:r>
+            </a:p>
+          </p:txBody>
+        </p:sp>
+        <p:cxnSp>
+          <p:nvCxnSpPr>
+            <p:cNvPr id="31" name="Straight Connector 30">
+              <a:extLst>
+                <a:ext uri="{FF2B5EF4-FFF2-40B4-BE49-F238E27FC236}">
+                  <a16:creationId xmlns:a16="http://schemas.microsoft.com/office/drawing/2014/main" id="{0A41E845-1B4A-43C1-B1BE-07E1D10AD34E}"/>
+                </a:ext>
+              </a:extLst>
+            </p:cNvPr>
+            <p:cNvCxnSpPr>
+              <a:cxnSpLocks/>
+            </p:cNvCxnSpPr>
+            <p:nvPr/>
+          </p:nvCxnSpPr>
+          <p:spPr>
+            <a:xfrm>
+              <a:off x="1676185" y="626770"/>
+              <a:ext cx="4990070" cy="0"/>
+            </a:xfrm>
+            <a:prstGeom prst="line">
+              <a:avLst/>
+            </a:prstGeom>
+          </p:spPr>
+          <p:style>
+            <a:lnRef idx="1">
+              <a:schemeClr val="dk1"/>
+            </a:lnRef>
+            <a:fillRef idx="0">
+              <a:schemeClr val="dk1"/>
+            </a:fillRef>
+            <a:effectRef idx="0">
+              <a:schemeClr val="dk1"/>
+            </a:effectRef>
+            <a:fontRef idx="minor">
+              <a:schemeClr val="tx1"/>
+            </a:fontRef>
+          </p:style>
+        </p:cxnSp>
+        <p:cxnSp>
+          <p:nvCxnSpPr>
+            <p:cNvPr id="35" name="Straight Connector 34">
+              <a:extLst>
+                <a:ext uri="{FF2B5EF4-FFF2-40B4-BE49-F238E27FC236}">
+                  <a16:creationId xmlns:a16="http://schemas.microsoft.com/office/drawing/2014/main" id="{924279B0-9A71-4411-BAD6-5B608F789A7B}"/>
+                </a:ext>
+              </a:extLst>
+            </p:cNvPr>
+            <p:cNvCxnSpPr>
+              <a:cxnSpLocks/>
+            </p:cNvCxnSpPr>
+            <p:nvPr/>
+          </p:nvCxnSpPr>
+          <p:spPr>
+            <a:xfrm>
+              <a:off x="1676185" y="1841329"/>
+              <a:ext cx="4990070" cy="0"/>
+            </a:xfrm>
+            <a:prstGeom prst="line">
+              <a:avLst/>
+            </a:prstGeom>
+          </p:spPr>
+          <p:style>
+            <a:lnRef idx="1">
+              <a:schemeClr val="dk1"/>
+            </a:lnRef>
+            <a:fillRef idx="0">
+              <a:schemeClr val="dk1"/>
+            </a:fillRef>
+            <a:effectRef idx="0">
+              <a:schemeClr val="dk1"/>
+            </a:effectRef>
+            <a:fontRef idx="minor">
+              <a:schemeClr val="tx1"/>
+            </a:fontRef>
+          </p:style>
+        </p:cxnSp>
+      </p:grpSp>
+    </p:spTree>
+    <p:extLst>
+      <p:ext uri="{BB962C8B-B14F-4D97-AF65-F5344CB8AC3E}">
+        <p14:creationId xmlns:p14="http://schemas.microsoft.com/office/powerpoint/2010/main" val="2611605594"/>
+      </p:ext>
+    </p:extLst>
+  </p:cSld>
+  <p:clrMapOvr>
+    <a:masterClrMapping/>
+  </p:clrMapOvr>
+</p:sld>
+</file>
+
+<file path=ppt/slides/slide5.xml><?xml version="1.0" encoding="utf-8"?>
+<p:sld xmlns:a="http://schemas.openxmlformats.org/drawingml/2006/main" xmlns:r="http://schemas.openxmlformats.org/officeDocument/2006/relationships" xmlns:p="http://schemas.openxmlformats.org/presentationml/2006/main">
+  <p:cSld>
+    <p:spTree>
+      <p:nvGrpSpPr>
+        <p:cNvPr id="1" name=""/>
+        <p:cNvGrpSpPr/>
+        <p:nvPr/>
+      </p:nvGrpSpPr>
+      <p:grpSpPr>
+        <a:xfrm>
+          <a:off x="0" y="0"/>
+          <a:ext cx="0" cy="0"/>
+          <a:chOff x="0" y="0"/>
+          <a:chExt cx="0" cy="0"/>
+        </a:xfrm>
+      </p:grpSpPr>
+      <p:grpSp>
+        <p:nvGrpSpPr>
           <p:cNvPr id="3" name="Group 2">
             <a:extLst>
               <a:ext uri="{FF2B5EF4-FFF2-40B4-BE49-F238E27FC236}">
@@ -9907,6 +10736,1370 @@
     <p:extLst>
       <p:ext uri="{BB962C8B-B14F-4D97-AF65-F5344CB8AC3E}">
         <p14:creationId xmlns:p14="http://schemas.microsoft.com/office/powerpoint/2010/main" val="2617914467"/>
+      </p:ext>
+    </p:extLst>
+  </p:cSld>
+  <p:clrMapOvr>
+    <a:masterClrMapping/>
+  </p:clrMapOvr>
+</p:sld>
+</file>
+
+<file path=ppt/slides/slide6.xml><?xml version="1.0" encoding="utf-8"?>
+<p:sld xmlns:a="http://schemas.openxmlformats.org/drawingml/2006/main" xmlns:r="http://schemas.openxmlformats.org/officeDocument/2006/relationships" xmlns:p="http://schemas.openxmlformats.org/presentationml/2006/main">
+  <p:cSld>
+    <p:spTree>
+      <p:nvGrpSpPr>
+        <p:cNvPr id="1" name=""/>
+        <p:cNvGrpSpPr/>
+        <p:nvPr/>
+      </p:nvGrpSpPr>
+      <p:grpSpPr>
+        <a:xfrm>
+          <a:off x="0" y="0"/>
+          <a:ext cx="0" cy="0"/>
+          <a:chOff x="0" y="0"/>
+          <a:chExt cx="0" cy="0"/>
+        </a:xfrm>
+      </p:grpSpPr>
+      <p:grpSp>
+        <p:nvGrpSpPr>
+          <p:cNvPr id="3" name="Group 2">
+            <a:extLst>
+              <a:ext uri="{FF2B5EF4-FFF2-40B4-BE49-F238E27FC236}">
+                <a16:creationId xmlns:a16="http://schemas.microsoft.com/office/drawing/2014/main" id="{07066145-2EF4-41B2-B041-A1EF2A3B4F3D}"/>
+              </a:ext>
+            </a:extLst>
+          </p:cNvPr>
+          <p:cNvGrpSpPr/>
+          <p:nvPr/>
+        </p:nvGrpSpPr>
+        <p:grpSpPr>
+          <a:xfrm>
+            <a:off x="60387" y="3004799"/>
+            <a:ext cx="3510712" cy="3466515"/>
+            <a:chOff x="3069006" y="3249217"/>
+            <a:chExt cx="3160856" cy="3221396"/>
+          </a:xfrm>
+        </p:grpSpPr>
+        <p:sp>
+          <p:nvSpPr>
+            <p:cNvPr id="10" name="Rectangle: Rounded Corners 9">
+              <a:extLst>
+                <a:ext uri="{FF2B5EF4-FFF2-40B4-BE49-F238E27FC236}">
+                  <a16:creationId xmlns:a16="http://schemas.microsoft.com/office/drawing/2014/main" id="{E1442A5B-C714-4568-9A98-9F425762DBC9}"/>
+                </a:ext>
+              </a:extLst>
+            </p:cNvPr>
+            <p:cNvSpPr/>
+            <p:nvPr/>
+          </p:nvSpPr>
+          <p:spPr>
+            <a:xfrm>
+              <a:off x="3069006" y="3249217"/>
+              <a:ext cx="3160856" cy="3221396"/>
+            </a:xfrm>
+            <a:prstGeom prst="roundRect">
+              <a:avLst/>
+            </a:prstGeom>
+            <a:noFill/>
+            <a:ln>
+              <a:solidFill>
+                <a:schemeClr val="tx1"/>
+              </a:solidFill>
+            </a:ln>
+          </p:spPr>
+          <p:style>
+            <a:lnRef idx="2">
+              <a:schemeClr val="accent1">
+                <a:shade val="50000"/>
+              </a:schemeClr>
+            </a:lnRef>
+            <a:fillRef idx="1">
+              <a:schemeClr val="accent1"/>
+            </a:fillRef>
+            <a:effectRef idx="0">
+              <a:schemeClr val="accent1"/>
+            </a:effectRef>
+            <a:fontRef idx="minor">
+              <a:schemeClr val="lt1"/>
+            </a:fontRef>
+          </p:style>
+          <p:txBody>
+            <a:bodyPr rtlCol="0" anchor="ctr"/>
+            <a:lstStyle/>
+            <a:p>
+              <a:pPr algn="ctr"/>
+              <a:endParaRPr lang="en-US" sz="1600" dirty="0">
+                <a:solidFill>
+                  <a:schemeClr val="tx1"/>
+                </a:solidFill>
+              </a:endParaRPr>
+            </a:p>
+            <a:p>
+              <a:pPr algn="ctr"/>
+              <a:r>
+                <a:rPr lang="en-US" sz="1600" dirty="0">
+                  <a:solidFill>
+                    <a:schemeClr val="tx1"/>
+                  </a:solidFill>
+                </a:rPr>
+                <a:t>Premio</a:t>
+              </a:r>
+            </a:p>
+            <a:p>
+              <a:pPr algn="ctr"/>
+              <a:endParaRPr lang="en-US" sz="1600" dirty="0">
+                <a:solidFill>
+                  <a:schemeClr val="tx1"/>
+                </a:solidFill>
+              </a:endParaRPr>
+            </a:p>
+            <a:p>
+              <a:pPr algn="ctr"/>
+              <a:r>
+                <a:rPr lang="en-US" sz="1600" dirty="0">
+                  <a:solidFill>
+                    <a:schemeClr val="tx1"/>
+                  </a:solidFill>
+                </a:rPr>
+                <a:t>- engine: String</a:t>
+              </a:r>
+            </a:p>
+            <a:p>
+              <a:pPr marL="171450" indent="-171450" algn="ctr">
+                <a:buFontTx/>
+                <a:buChar char="-"/>
+              </a:pPr>
+              <a:r>
+                <a:rPr lang="en-US" sz="1600" dirty="0">
+                  <a:solidFill>
+                    <a:schemeClr val="tx1"/>
+                  </a:solidFill>
+                </a:rPr>
+                <a:t>model: int</a:t>
+              </a:r>
+            </a:p>
+            <a:p>
+              <a:pPr algn="ctr"/>
+              <a:r>
+                <a:rPr lang="en-US" sz="1600" dirty="0">
+                  <a:solidFill>
+                    <a:schemeClr val="tx1"/>
+                  </a:solidFill>
+                </a:rPr>
+                <a:t>- </a:t>
+              </a:r>
+              <a:r>
+                <a:rPr lang="en-US" sz="1600" dirty="0" err="1">
+                  <a:solidFill>
+                    <a:schemeClr val="tx1"/>
+                  </a:solidFill>
+                </a:rPr>
+                <a:t>BuildCar</a:t>
+              </a:r>
+              <a:r>
+                <a:rPr lang="en-US" sz="1600" dirty="0">
+                  <a:solidFill>
+                    <a:schemeClr val="tx1"/>
+                  </a:solidFill>
+                </a:rPr>
+                <a:t> obj</a:t>
+              </a:r>
+            </a:p>
+            <a:p>
+              <a:pPr marL="171450" indent="-171450" algn="ctr">
+                <a:buFontTx/>
+                <a:buChar char="-"/>
+              </a:pPr>
+              <a:endParaRPr lang="en-US" sz="1600" dirty="0">
+                <a:solidFill>
+                  <a:schemeClr val="tx1"/>
+                </a:solidFill>
+              </a:endParaRPr>
+            </a:p>
+            <a:p>
+              <a:pPr algn="ctr"/>
+              <a:r>
+                <a:rPr lang="en-US" sz="1600" dirty="0">
+                  <a:solidFill>
+                    <a:schemeClr val="tx1"/>
+                  </a:solidFill>
+                </a:rPr>
+                <a:t>+ Premio(color: String, </a:t>
+              </a:r>
+              <a:r>
+                <a:rPr lang="en-US" sz="1600" dirty="0" err="1">
+                  <a:solidFill>
+                    <a:schemeClr val="tx1"/>
+                  </a:solidFill>
+                </a:rPr>
+                <a:t>is_Purchased</a:t>
+              </a:r>
+              <a:r>
+                <a:rPr lang="en-US" sz="1600" dirty="0">
+                  <a:solidFill>
+                    <a:schemeClr val="tx1"/>
+                  </a:solidFill>
+                </a:rPr>
+                <a:t> : Boolean, engine: String, model: int)</a:t>
+              </a:r>
+            </a:p>
+            <a:p>
+              <a:pPr algn="ctr"/>
+              <a:r>
+                <a:rPr lang="en-US" sz="1600" dirty="0">
+                  <a:solidFill>
+                    <a:schemeClr val="tx1"/>
+                  </a:solidFill>
+                </a:rPr>
+                <a:t>+ </a:t>
+              </a:r>
+              <a:r>
+                <a:rPr lang="en-US" sz="1600" dirty="0" err="1">
+                  <a:solidFill>
+                    <a:schemeClr val="tx1"/>
+                  </a:solidFill>
+                </a:rPr>
+                <a:t>showEngine</a:t>
+              </a:r>
+              <a:r>
+                <a:rPr lang="en-US" sz="1600" dirty="0">
+                  <a:solidFill>
+                    <a:schemeClr val="tx1"/>
+                  </a:solidFill>
+                </a:rPr>
+                <a:t>(): String</a:t>
+              </a:r>
+            </a:p>
+            <a:p>
+              <a:pPr algn="ctr"/>
+              <a:r>
+                <a:rPr lang="en-US" sz="1600" dirty="0">
+                  <a:solidFill>
+                    <a:schemeClr val="tx1"/>
+                  </a:solidFill>
+                </a:rPr>
+                <a:t>+ </a:t>
+              </a:r>
+              <a:r>
+                <a:rPr lang="en-US" sz="1600" dirty="0" err="1">
+                  <a:solidFill>
+                    <a:schemeClr val="tx1"/>
+                  </a:solidFill>
+                </a:rPr>
+                <a:t>recModel</a:t>
+              </a:r>
+              <a:r>
+                <a:rPr lang="en-US" sz="1600" dirty="0">
+                  <a:solidFill>
+                    <a:schemeClr val="tx1"/>
+                  </a:solidFill>
+                </a:rPr>
+                <a:t>(): int</a:t>
+              </a:r>
+            </a:p>
+            <a:p>
+              <a:pPr algn="ctr"/>
+              <a:r>
+                <a:rPr lang="en-US" sz="1600" dirty="0">
+                  <a:solidFill>
+                    <a:schemeClr val="tx1"/>
+                  </a:solidFill>
+                </a:rPr>
+                <a:t>+ </a:t>
+              </a:r>
+              <a:r>
+                <a:rPr lang="en-US" sz="1600" dirty="0" err="1">
+                  <a:solidFill>
+                    <a:schemeClr val="tx1"/>
+                  </a:solidFill>
+                </a:rPr>
+                <a:t>toString</a:t>
+              </a:r>
+              <a:r>
+                <a:rPr lang="en-US" sz="1600" dirty="0">
+                  <a:solidFill>
+                    <a:schemeClr val="tx1"/>
+                  </a:solidFill>
+                </a:rPr>
+                <a:t>(): String //pints all info gathered in this class</a:t>
+              </a:r>
+            </a:p>
+            <a:p>
+              <a:pPr algn="ctr"/>
+              <a:endParaRPr lang="en-US" sz="1600" dirty="0">
+                <a:solidFill>
+                  <a:schemeClr val="tx1"/>
+                </a:solidFill>
+              </a:endParaRPr>
+            </a:p>
+          </p:txBody>
+        </p:sp>
+        <p:cxnSp>
+          <p:nvCxnSpPr>
+            <p:cNvPr id="12" name="Straight Connector 11">
+              <a:extLst>
+                <a:ext uri="{FF2B5EF4-FFF2-40B4-BE49-F238E27FC236}">
+                  <a16:creationId xmlns:a16="http://schemas.microsoft.com/office/drawing/2014/main" id="{89C0BCA3-D36E-4A92-B123-173FCE4E75DA}"/>
+                </a:ext>
+              </a:extLst>
+            </p:cNvPr>
+            <p:cNvCxnSpPr>
+              <a:cxnSpLocks/>
+            </p:cNvCxnSpPr>
+            <p:nvPr/>
+          </p:nvCxnSpPr>
+          <p:spPr>
+            <a:xfrm>
+              <a:off x="3069006" y="3818058"/>
+              <a:ext cx="3160856" cy="0"/>
+            </a:xfrm>
+            <a:prstGeom prst="line">
+              <a:avLst/>
+            </a:prstGeom>
+          </p:spPr>
+          <p:style>
+            <a:lnRef idx="1">
+              <a:schemeClr val="dk1"/>
+            </a:lnRef>
+            <a:fillRef idx="0">
+              <a:schemeClr val="dk1"/>
+            </a:fillRef>
+            <a:effectRef idx="0">
+              <a:schemeClr val="dk1"/>
+            </a:effectRef>
+            <a:fontRef idx="minor">
+              <a:schemeClr val="tx1"/>
+            </a:fontRef>
+          </p:style>
+        </p:cxnSp>
+        <p:cxnSp>
+          <p:nvCxnSpPr>
+            <p:cNvPr id="13" name="Straight Connector 12">
+              <a:extLst>
+                <a:ext uri="{FF2B5EF4-FFF2-40B4-BE49-F238E27FC236}">
+                  <a16:creationId xmlns:a16="http://schemas.microsoft.com/office/drawing/2014/main" id="{1541FEC7-1537-40A3-B7AA-D5F234A54133}"/>
+                </a:ext>
+              </a:extLst>
+            </p:cNvPr>
+            <p:cNvCxnSpPr>
+              <a:cxnSpLocks/>
+            </p:cNvCxnSpPr>
+            <p:nvPr/>
+          </p:nvCxnSpPr>
+          <p:spPr>
+            <a:xfrm>
+              <a:off x="3069006" y="4675228"/>
+              <a:ext cx="3160856" cy="0"/>
+            </a:xfrm>
+            <a:prstGeom prst="line">
+              <a:avLst/>
+            </a:prstGeom>
+          </p:spPr>
+          <p:style>
+            <a:lnRef idx="1">
+              <a:schemeClr val="dk1"/>
+            </a:lnRef>
+            <a:fillRef idx="0">
+              <a:schemeClr val="dk1"/>
+            </a:fillRef>
+            <a:effectRef idx="0">
+              <a:schemeClr val="dk1"/>
+            </a:effectRef>
+            <a:fontRef idx="minor">
+              <a:schemeClr val="tx1"/>
+            </a:fontRef>
+          </p:style>
+        </p:cxnSp>
+      </p:grpSp>
+      <p:grpSp>
+        <p:nvGrpSpPr>
+          <p:cNvPr id="28" name="Group 27">
+            <a:extLst>
+              <a:ext uri="{FF2B5EF4-FFF2-40B4-BE49-F238E27FC236}">
+                <a16:creationId xmlns:a16="http://schemas.microsoft.com/office/drawing/2014/main" id="{215A9C14-C773-4A71-B249-F6D45876E697}"/>
+              </a:ext>
+            </a:extLst>
+          </p:cNvPr>
+          <p:cNvGrpSpPr/>
+          <p:nvPr/>
+        </p:nvGrpSpPr>
+        <p:grpSpPr>
+          <a:xfrm>
+            <a:off x="3620270" y="7636"/>
+            <a:ext cx="4517843" cy="3850981"/>
+            <a:chOff x="3756038" y="313245"/>
+            <a:chExt cx="4517843" cy="3850981"/>
+          </a:xfrm>
+        </p:grpSpPr>
+        <p:sp>
+          <p:nvSpPr>
+            <p:cNvPr id="9" name="Rectangle: Rounded Corners 8">
+              <a:extLst>
+                <a:ext uri="{FF2B5EF4-FFF2-40B4-BE49-F238E27FC236}">
+                  <a16:creationId xmlns:a16="http://schemas.microsoft.com/office/drawing/2014/main" id="{5D5FB481-EE0A-43D2-A283-E00CE219652C}"/>
+                </a:ext>
+              </a:extLst>
+            </p:cNvPr>
+            <p:cNvSpPr/>
+            <p:nvPr/>
+          </p:nvSpPr>
+          <p:spPr>
+            <a:xfrm>
+              <a:off x="3756038" y="313245"/>
+              <a:ext cx="4517843" cy="3850981"/>
+            </a:xfrm>
+            <a:prstGeom prst="roundRect">
+              <a:avLst/>
+            </a:prstGeom>
+            <a:noFill/>
+            <a:ln>
+              <a:solidFill>
+                <a:schemeClr val="tx1"/>
+              </a:solidFill>
+            </a:ln>
+          </p:spPr>
+          <p:style>
+            <a:lnRef idx="2">
+              <a:schemeClr val="accent1">
+                <a:shade val="50000"/>
+              </a:schemeClr>
+            </a:lnRef>
+            <a:fillRef idx="1">
+              <a:schemeClr val="accent1"/>
+            </a:fillRef>
+            <a:effectRef idx="0">
+              <a:schemeClr val="accent1"/>
+            </a:effectRef>
+            <a:fontRef idx="minor">
+              <a:schemeClr val="lt1"/>
+            </a:fontRef>
+          </p:style>
+          <p:txBody>
+            <a:bodyPr rtlCol="0" anchor="ctr"/>
+            <a:lstStyle/>
+            <a:p>
+              <a:pPr algn="ctr"/>
+              <a:r>
+                <a:rPr lang="en-US" sz="1600" dirty="0" err="1">
+                  <a:solidFill>
+                    <a:schemeClr val="tx1"/>
+                  </a:solidFill>
+                </a:rPr>
+                <a:t>BuildCar</a:t>
+              </a:r>
+              <a:endParaRPr lang="en-US" sz="1600" dirty="0">
+                <a:solidFill>
+                  <a:schemeClr val="tx1"/>
+                </a:solidFill>
+              </a:endParaRPr>
+            </a:p>
+            <a:p>
+              <a:pPr algn="ctr"/>
+              <a:endParaRPr lang="en-US" sz="1600" dirty="0">
+                <a:solidFill>
+                  <a:schemeClr val="tx1"/>
+                </a:solidFill>
+              </a:endParaRPr>
+            </a:p>
+            <a:p>
+              <a:pPr algn="ctr"/>
+              <a:r>
+                <a:rPr lang="en-US" sz="1600" dirty="0">
+                  <a:solidFill>
+                    <a:schemeClr val="tx1"/>
+                  </a:solidFill>
+                </a:rPr>
+                <a:t>- </a:t>
+              </a:r>
+              <a:r>
+                <a:rPr lang="en-US" sz="1600" dirty="0" err="1">
+                  <a:solidFill>
+                    <a:schemeClr val="tx1"/>
+                  </a:solidFill>
+                </a:rPr>
+                <a:t>registration_no</a:t>
+              </a:r>
+              <a:r>
+                <a:rPr lang="en-US" sz="1600" dirty="0">
+                  <a:solidFill>
+                    <a:schemeClr val="tx1"/>
+                  </a:solidFill>
+                </a:rPr>
+                <a:t>: String</a:t>
+              </a:r>
+            </a:p>
+            <a:p>
+              <a:pPr marL="171450" indent="-171450" algn="ctr">
+                <a:buFontTx/>
+                <a:buChar char="-"/>
+              </a:pPr>
+              <a:r>
+                <a:rPr lang="en-US" sz="1600" dirty="0">
+                  <a:solidFill>
+                    <a:schemeClr val="tx1"/>
+                  </a:solidFill>
+                </a:rPr>
+                <a:t>color: String</a:t>
+              </a:r>
+            </a:p>
+            <a:p>
+              <a:pPr algn="ctr"/>
+              <a:r>
+                <a:rPr lang="en-US" sz="1600" dirty="0">
+                  <a:solidFill>
+                    <a:schemeClr val="tx1"/>
+                  </a:solidFill>
+                </a:rPr>
+                <a:t>- </a:t>
+              </a:r>
+              <a:r>
+                <a:rPr lang="en-US" sz="1600" dirty="0" err="1">
+                  <a:solidFill>
+                    <a:schemeClr val="tx1"/>
+                  </a:solidFill>
+                </a:rPr>
+                <a:t>is_Purchased</a:t>
+              </a:r>
+              <a:r>
+                <a:rPr lang="en-US" sz="1600" dirty="0">
+                  <a:solidFill>
+                    <a:schemeClr val="tx1"/>
+                  </a:solidFill>
+                </a:rPr>
+                <a:t>: </a:t>
+              </a:r>
+              <a:r>
+                <a:rPr lang="en-US" sz="1600" dirty="0" err="1">
+                  <a:solidFill>
+                    <a:schemeClr val="tx1"/>
+                  </a:solidFill>
+                </a:rPr>
+                <a:t>boolean</a:t>
+              </a:r>
+              <a:endParaRPr lang="en-US" sz="1600" dirty="0">
+                <a:solidFill>
+                  <a:schemeClr val="tx1"/>
+                </a:solidFill>
+              </a:endParaRPr>
+            </a:p>
+            <a:p>
+              <a:pPr marL="171450" indent="-171450" algn="ctr">
+                <a:buFontTx/>
+                <a:buChar char="-"/>
+              </a:pPr>
+              <a:endParaRPr lang="en-US" sz="1600" dirty="0">
+                <a:solidFill>
+                  <a:schemeClr val="tx1"/>
+                </a:solidFill>
+              </a:endParaRPr>
+            </a:p>
+            <a:p>
+              <a:pPr algn="ctr"/>
+              <a:r>
+                <a:rPr lang="en-US" sz="1600" dirty="0">
+                  <a:solidFill>
+                    <a:schemeClr val="tx1"/>
+                  </a:solidFill>
+                </a:rPr>
+                <a:t>+ </a:t>
+              </a:r>
+              <a:r>
+                <a:rPr lang="en-US" sz="1600" dirty="0" err="1">
+                  <a:solidFill>
+                    <a:schemeClr val="tx1"/>
+                  </a:solidFill>
+                </a:rPr>
+                <a:t>BuildCar</a:t>
+              </a:r>
+              <a:r>
+                <a:rPr lang="en-US" sz="1600" dirty="0">
+                  <a:solidFill>
+                    <a:schemeClr val="tx1"/>
+                  </a:solidFill>
+                </a:rPr>
+                <a:t>(): color: String</a:t>
+              </a:r>
+            </a:p>
+            <a:p>
+              <a:pPr algn="ctr"/>
+              <a:r>
+                <a:rPr lang="en-US" sz="1600" dirty="0">
+                  <a:solidFill>
+                    <a:schemeClr val="tx1"/>
+                  </a:solidFill>
+                </a:rPr>
+                <a:t>+ </a:t>
+              </a:r>
+              <a:r>
+                <a:rPr lang="en-US" sz="1600" dirty="0" err="1">
+                  <a:solidFill>
+                    <a:schemeClr val="tx1"/>
+                  </a:solidFill>
+                </a:rPr>
+                <a:t>BuildCar</a:t>
+              </a:r>
+              <a:r>
+                <a:rPr lang="en-US" sz="1600" dirty="0">
+                  <a:solidFill>
+                    <a:schemeClr val="tx1"/>
+                  </a:solidFill>
+                </a:rPr>
+                <a:t>(color: String, </a:t>
+              </a:r>
+              <a:r>
+                <a:rPr lang="en-US" sz="1600" dirty="0" err="1">
+                  <a:solidFill>
+                    <a:schemeClr val="tx1"/>
+                  </a:solidFill>
+                </a:rPr>
+                <a:t>is_Purchased</a:t>
+              </a:r>
+              <a:r>
+                <a:rPr lang="en-US" sz="1600" dirty="0">
+                  <a:solidFill>
+                    <a:schemeClr val="tx1"/>
+                  </a:solidFill>
+                </a:rPr>
+                <a:t>: </a:t>
+              </a:r>
+              <a:r>
+                <a:rPr lang="en-US" sz="1600" dirty="0" err="1">
+                  <a:solidFill>
+                    <a:schemeClr val="tx1"/>
+                  </a:solidFill>
+                </a:rPr>
+                <a:t>boolean</a:t>
+              </a:r>
+              <a:r>
+                <a:rPr lang="en-US" sz="1600" dirty="0">
+                  <a:solidFill>
+                    <a:schemeClr val="tx1"/>
+                  </a:solidFill>
+                </a:rPr>
+                <a:t>)</a:t>
+              </a:r>
+            </a:p>
+            <a:p>
+              <a:pPr algn="ctr"/>
+              <a:r>
+                <a:rPr lang="en-US" sz="1600" dirty="0">
+                  <a:solidFill>
+                    <a:schemeClr val="tx1"/>
+                  </a:solidFill>
+                </a:rPr>
+                <a:t>+ </a:t>
+              </a:r>
+              <a:r>
+                <a:rPr lang="en-US" sz="1600" dirty="0" err="1">
+                  <a:solidFill>
+                    <a:schemeClr val="tx1"/>
+                  </a:solidFill>
+                </a:rPr>
+                <a:t>getColor</a:t>
+              </a:r>
+              <a:r>
+                <a:rPr lang="en-US" sz="1600" dirty="0">
+                  <a:solidFill>
+                    <a:schemeClr val="tx1"/>
+                  </a:solidFill>
+                </a:rPr>
+                <a:t>(): String</a:t>
+              </a:r>
+            </a:p>
+            <a:p>
+              <a:pPr algn="ctr"/>
+              <a:r>
+                <a:rPr lang="en-US" sz="1600" dirty="0">
+                  <a:solidFill>
+                    <a:schemeClr val="tx1"/>
+                  </a:solidFill>
+                </a:rPr>
+                <a:t>+ </a:t>
+              </a:r>
+              <a:r>
+                <a:rPr lang="en-US" sz="1600" dirty="0" err="1">
+                  <a:solidFill>
+                    <a:schemeClr val="tx1"/>
+                  </a:solidFill>
+                </a:rPr>
+                <a:t>setColor</a:t>
+              </a:r>
+              <a:r>
+                <a:rPr lang="en-US" sz="1600" dirty="0">
+                  <a:solidFill>
+                    <a:schemeClr val="tx1"/>
+                  </a:solidFill>
+                </a:rPr>
+                <a:t>(color: String): void</a:t>
+              </a:r>
+            </a:p>
+            <a:p>
+              <a:pPr algn="ctr"/>
+              <a:r>
+                <a:rPr lang="en-US" sz="1600" dirty="0">
+                  <a:solidFill>
+                    <a:schemeClr val="tx1"/>
+                  </a:solidFill>
+                </a:rPr>
+                <a:t>+ </a:t>
+              </a:r>
+              <a:r>
+                <a:rPr lang="en-US" sz="1600" dirty="0" err="1">
+                  <a:solidFill>
+                    <a:schemeClr val="tx1"/>
+                  </a:solidFill>
+                </a:rPr>
+                <a:t>isPurchased</a:t>
+              </a:r>
+              <a:r>
+                <a:rPr lang="en-US" sz="1600" dirty="0">
+                  <a:solidFill>
+                    <a:schemeClr val="tx1"/>
+                  </a:solidFill>
+                </a:rPr>
+                <a:t>(): </a:t>
+              </a:r>
+              <a:r>
+                <a:rPr lang="en-US" sz="1600" dirty="0" err="1">
+                  <a:solidFill>
+                    <a:schemeClr val="tx1"/>
+                  </a:solidFill>
+                </a:rPr>
+                <a:t>boolean</a:t>
+              </a:r>
+              <a:endParaRPr lang="en-US" sz="1600" dirty="0">
+                <a:solidFill>
+                  <a:schemeClr val="tx1"/>
+                </a:solidFill>
+              </a:endParaRPr>
+            </a:p>
+            <a:p>
+              <a:pPr algn="ctr"/>
+              <a:r>
+                <a:rPr lang="en-US" sz="1600" dirty="0">
+                  <a:solidFill>
+                    <a:schemeClr val="tx1"/>
+                  </a:solidFill>
+                </a:rPr>
+                <a:t>+ </a:t>
+              </a:r>
+              <a:r>
+                <a:rPr lang="en-US" sz="1600" dirty="0" err="1">
+                  <a:solidFill>
+                    <a:schemeClr val="tx1"/>
+                  </a:solidFill>
+                </a:rPr>
+                <a:t>setPurchasedStatus</a:t>
+              </a:r>
+              <a:r>
+                <a:rPr lang="en-US" sz="1600" dirty="0">
+                  <a:solidFill>
+                    <a:schemeClr val="tx1"/>
+                  </a:solidFill>
+                </a:rPr>
+                <a:t>(Boolean: </a:t>
+              </a:r>
+              <a:r>
+                <a:rPr lang="en-US" sz="1600" dirty="0" err="1">
+                  <a:solidFill>
+                    <a:schemeClr val="tx1"/>
+                  </a:solidFill>
+                </a:rPr>
+                <a:t>is_Purchased</a:t>
+              </a:r>
+              <a:r>
+                <a:rPr lang="en-US" sz="1600" dirty="0">
+                  <a:solidFill>
+                    <a:schemeClr val="tx1"/>
+                  </a:solidFill>
+                </a:rPr>
+                <a:t>): void</a:t>
+              </a:r>
+            </a:p>
+            <a:p>
+              <a:pPr algn="ctr"/>
+              <a:r>
+                <a:rPr lang="en-US" sz="1600" dirty="0">
+                  <a:solidFill>
+                    <a:schemeClr val="tx1"/>
+                  </a:solidFill>
+                </a:rPr>
+                <a:t>+ </a:t>
+              </a:r>
+              <a:r>
+                <a:rPr lang="en-US" sz="1600" dirty="0" err="1">
+                  <a:solidFill>
+                    <a:schemeClr val="tx1"/>
+                  </a:solidFill>
+                </a:rPr>
+                <a:t>toString</a:t>
+              </a:r>
+              <a:r>
+                <a:rPr lang="en-US" sz="1600" dirty="0">
+                  <a:solidFill>
+                    <a:schemeClr val="tx1"/>
+                  </a:solidFill>
+                </a:rPr>
+                <a:t>(): String //pints all info gathered in this class</a:t>
+              </a:r>
+            </a:p>
+          </p:txBody>
+        </p:sp>
+        <p:cxnSp>
+          <p:nvCxnSpPr>
+            <p:cNvPr id="14" name="Straight Connector 13">
+              <a:extLst>
+                <a:ext uri="{FF2B5EF4-FFF2-40B4-BE49-F238E27FC236}">
+                  <a16:creationId xmlns:a16="http://schemas.microsoft.com/office/drawing/2014/main" id="{5D0887A2-69EF-4359-85D4-8665D30595C6}"/>
+                </a:ext>
+              </a:extLst>
+            </p:cNvPr>
+            <p:cNvCxnSpPr>
+              <a:cxnSpLocks/>
+            </p:cNvCxnSpPr>
+            <p:nvPr/>
+          </p:nvCxnSpPr>
+          <p:spPr>
+            <a:xfrm>
+              <a:off x="3756038" y="825232"/>
+              <a:ext cx="4517843" cy="0"/>
+            </a:xfrm>
+            <a:prstGeom prst="line">
+              <a:avLst/>
+            </a:prstGeom>
+          </p:spPr>
+          <p:style>
+            <a:lnRef idx="1">
+              <a:schemeClr val="dk1"/>
+            </a:lnRef>
+            <a:fillRef idx="0">
+              <a:schemeClr val="dk1"/>
+            </a:fillRef>
+            <a:effectRef idx="0">
+              <a:schemeClr val="dk1"/>
+            </a:effectRef>
+            <a:fontRef idx="minor">
+              <a:schemeClr val="tx1"/>
+            </a:fontRef>
+          </p:style>
+        </p:cxnSp>
+        <p:cxnSp>
+          <p:nvCxnSpPr>
+            <p:cNvPr id="15" name="Straight Connector 14">
+              <a:extLst>
+                <a:ext uri="{FF2B5EF4-FFF2-40B4-BE49-F238E27FC236}">
+                  <a16:creationId xmlns:a16="http://schemas.microsoft.com/office/drawing/2014/main" id="{F9A84DF9-B3F5-46B2-80B3-81AD7F25A24E}"/>
+                </a:ext>
+              </a:extLst>
+            </p:cNvPr>
+            <p:cNvCxnSpPr>
+              <a:cxnSpLocks/>
+            </p:cNvCxnSpPr>
+            <p:nvPr/>
+          </p:nvCxnSpPr>
+          <p:spPr>
+            <a:xfrm>
+              <a:off x="3756039" y="1805358"/>
+              <a:ext cx="4517842" cy="0"/>
+            </a:xfrm>
+            <a:prstGeom prst="line">
+              <a:avLst/>
+            </a:prstGeom>
+          </p:spPr>
+          <p:style>
+            <a:lnRef idx="1">
+              <a:schemeClr val="dk1"/>
+            </a:lnRef>
+            <a:fillRef idx="0">
+              <a:schemeClr val="dk1"/>
+            </a:fillRef>
+            <a:effectRef idx="0">
+              <a:schemeClr val="dk1"/>
+            </a:effectRef>
+            <a:fontRef idx="minor">
+              <a:schemeClr val="tx1"/>
+            </a:fontRef>
+          </p:style>
+        </p:cxnSp>
+      </p:grpSp>
+      <p:grpSp>
+        <p:nvGrpSpPr>
+          <p:cNvPr id="4" name="Group 3">
+            <a:extLst>
+              <a:ext uri="{FF2B5EF4-FFF2-40B4-BE49-F238E27FC236}">
+                <a16:creationId xmlns:a16="http://schemas.microsoft.com/office/drawing/2014/main" id="{F10CBE7A-A714-4FED-B7F6-0441ED9EEBEC}"/>
+              </a:ext>
+            </a:extLst>
+          </p:cNvPr>
+          <p:cNvGrpSpPr/>
+          <p:nvPr/>
+        </p:nvGrpSpPr>
+        <p:grpSpPr>
+          <a:xfrm>
+            <a:off x="8172423" y="3004800"/>
+            <a:ext cx="4019577" cy="3714040"/>
+            <a:chOff x="6502292" y="3722758"/>
+            <a:chExt cx="3220866" cy="2956828"/>
+          </a:xfrm>
+        </p:grpSpPr>
+        <p:sp>
+          <p:nvSpPr>
+            <p:cNvPr id="11" name="Rectangle: Rounded Corners 10">
+              <a:extLst>
+                <a:ext uri="{FF2B5EF4-FFF2-40B4-BE49-F238E27FC236}">
+                  <a16:creationId xmlns:a16="http://schemas.microsoft.com/office/drawing/2014/main" id="{3E7AB6DE-CFDA-4E6A-A90D-E719977BA4B8}"/>
+                </a:ext>
+              </a:extLst>
+            </p:cNvPr>
+            <p:cNvSpPr/>
+            <p:nvPr/>
+          </p:nvSpPr>
+          <p:spPr>
+            <a:xfrm>
+              <a:off x="6537392" y="3722758"/>
+              <a:ext cx="3160856" cy="2956828"/>
+            </a:xfrm>
+            <a:prstGeom prst="roundRect">
+              <a:avLst/>
+            </a:prstGeom>
+            <a:noFill/>
+            <a:ln>
+              <a:solidFill>
+                <a:schemeClr val="tx1"/>
+              </a:solidFill>
+            </a:ln>
+          </p:spPr>
+          <p:style>
+            <a:lnRef idx="2">
+              <a:schemeClr val="accent1">
+                <a:shade val="50000"/>
+              </a:schemeClr>
+            </a:lnRef>
+            <a:fillRef idx="1">
+              <a:schemeClr val="accent1"/>
+            </a:fillRef>
+            <a:effectRef idx="0">
+              <a:schemeClr val="accent1"/>
+            </a:effectRef>
+            <a:fontRef idx="minor">
+              <a:schemeClr val="lt1"/>
+            </a:fontRef>
+          </p:style>
+          <p:txBody>
+            <a:bodyPr rtlCol="0" anchor="ctr"/>
+            <a:lstStyle/>
+            <a:p>
+              <a:pPr algn="ctr"/>
+              <a:endParaRPr lang="en-US" sz="1600" dirty="0">
+                <a:solidFill>
+                  <a:schemeClr val="tx1"/>
+                </a:solidFill>
+              </a:endParaRPr>
+            </a:p>
+            <a:p>
+              <a:pPr algn="ctr"/>
+              <a:endParaRPr lang="en-US" sz="1600" dirty="0">
+                <a:solidFill>
+                  <a:schemeClr val="tx1"/>
+                </a:solidFill>
+              </a:endParaRPr>
+            </a:p>
+            <a:p>
+              <a:pPr algn="ctr"/>
+              <a:r>
+                <a:rPr lang="en-US" sz="1600" dirty="0" err="1">
+                  <a:solidFill>
+                    <a:schemeClr val="tx1"/>
+                  </a:solidFill>
+                </a:rPr>
+                <a:t>Allion</a:t>
+              </a:r>
+              <a:endParaRPr lang="en-US" sz="1600" dirty="0">
+                <a:solidFill>
+                  <a:schemeClr val="tx1"/>
+                </a:solidFill>
+              </a:endParaRPr>
+            </a:p>
+            <a:p>
+              <a:pPr algn="ctr"/>
+              <a:endParaRPr lang="en-US" sz="1600" dirty="0">
+                <a:solidFill>
+                  <a:schemeClr val="tx1"/>
+                </a:solidFill>
+              </a:endParaRPr>
+            </a:p>
+            <a:p>
+              <a:pPr algn="ctr"/>
+              <a:endParaRPr lang="en-US" sz="1600" dirty="0">
+                <a:solidFill>
+                  <a:schemeClr val="tx1"/>
+                </a:solidFill>
+              </a:endParaRPr>
+            </a:p>
+            <a:p>
+              <a:pPr algn="ctr"/>
+              <a:r>
+                <a:rPr lang="en-US" sz="1600" dirty="0">
+                  <a:solidFill>
+                    <a:schemeClr val="tx1"/>
+                  </a:solidFill>
+                </a:rPr>
+                <a:t>- engine: String</a:t>
+              </a:r>
+            </a:p>
+            <a:p>
+              <a:pPr marL="171450" indent="-171450" algn="ctr">
+                <a:buFontTx/>
+                <a:buChar char="-"/>
+              </a:pPr>
+              <a:r>
+                <a:rPr lang="en-US" sz="1600" dirty="0">
+                  <a:solidFill>
+                    <a:schemeClr val="tx1"/>
+                  </a:solidFill>
+                </a:rPr>
+                <a:t>model: int</a:t>
+              </a:r>
+            </a:p>
+            <a:p>
+              <a:pPr marL="285750" indent="-285750" algn="ctr">
+                <a:buFontTx/>
+                <a:buChar char="-"/>
+              </a:pPr>
+              <a:r>
+                <a:rPr lang="en-US" sz="1600" dirty="0" err="1">
+                  <a:solidFill>
+                    <a:schemeClr val="tx1"/>
+                  </a:solidFill>
+                </a:rPr>
+                <a:t>BuildCar</a:t>
+              </a:r>
+              <a:r>
+                <a:rPr lang="en-US" sz="1600" dirty="0">
+                  <a:solidFill>
+                    <a:schemeClr val="tx1"/>
+                  </a:solidFill>
+                </a:rPr>
+                <a:t> obj</a:t>
+              </a:r>
+            </a:p>
+            <a:p>
+              <a:pPr algn="ctr"/>
+              <a:endParaRPr lang="en-US" sz="1600" dirty="0">
+                <a:solidFill>
+                  <a:schemeClr val="tx1"/>
+                </a:solidFill>
+              </a:endParaRPr>
+            </a:p>
+            <a:p>
+              <a:pPr algn="ctr"/>
+              <a:endParaRPr lang="en-US" sz="1600" dirty="0">
+                <a:solidFill>
+                  <a:schemeClr val="tx1"/>
+                </a:solidFill>
+              </a:endParaRPr>
+            </a:p>
+            <a:p>
+              <a:pPr algn="ctr"/>
+              <a:r>
+                <a:rPr lang="en-US" sz="1600" dirty="0">
+                  <a:solidFill>
+                    <a:schemeClr val="tx1"/>
+                  </a:solidFill>
+                </a:rPr>
+                <a:t>+ </a:t>
+              </a:r>
+              <a:r>
+                <a:rPr lang="en-US" sz="1600" dirty="0" err="1">
+                  <a:solidFill>
+                    <a:schemeClr val="tx1"/>
+                  </a:solidFill>
+                </a:rPr>
+                <a:t>Allion</a:t>
+              </a:r>
+              <a:r>
+                <a:rPr lang="en-US" sz="1600" dirty="0">
+                  <a:solidFill>
+                    <a:schemeClr val="tx1"/>
+                  </a:solidFill>
+                </a:rPr>
+                <a:t>(color: String, </a:t>
+              </a:r>
+              <a:r>
+                <a:rPr lang="en-US" sz="1600" dirty="0" err="1">
+                  <a:solidFill>
+                    <a:schemeClr val="tx1"/>
+                  </a:solidFill>
+                </a:rPr>
+                <a:t>is_Purchased</a:t>
+              </a:r>
+              <a:r>
+                <a:rPr lang="en-US" sz="1600" dirty="0">
+                  <a:solidFill>
+                    <a:schemeClr val="tx1"/>
+                  </a:solidFill>
+                </a:rPr>
+                <a:t> : Boolean, engine: String, model: int)</a:t>
+              </a:r>
+            </a:p>
+            <a:p>
+              <a:pPr algn="ctr"/>
+              <a:r>
+                <a:rPr lang="en-US" sz="1600" dirty="0">
+                  <a:solidFill>
+                    <a:schemeClr val="tx1"/>
+                  </a:solidFill>
+                </a:rPr>
+                <a:t>+ </a:t>
+              </a:r>
+              <a:r>
+                <a:rPr lang="en-US" sz="1600" dirty="0" err="1">
+                  <a:solidFill>
+                    <a:schemeClr val="tx1"/>
+                  </a:solidFill>
+                </a:rPr>
+                <a:t>showEngine</a:t>
+              </a:r>
+              <a:r>
+                <a:rPr lang="en-US" sz="1600" dirty="0">
+                  <a:solidFill>
+                    <a:schemeClr val="tx1"/>
+                  </a:solidFill>
+                </a:rPr>
+                <a:t>(): String</a:t>
+              </a:r>
+            </a:p>
+            <a:p>
+              <a:pPr algn="ctr"/>
+              <a:r>
+                <a:rPr lang="en-US" sz="1600" dirty="0">
+                  <a:solidFill>
+                    <a:schemeClr val="tx1"/>
+                  </a:solidFill>
+                </a:rPr>
+                <a:t>+ </a:t>
+              </a:r>
+              <a:r>
+                <a:rPr lang="en-US" sz="1600" dirty="0" err="1">
+                  <a:solidFill>
+                    <a:schemeClr val="tx1"/>
+                  </a:solidFill>
+                </a:rPr>
+                <a:t>recModel</a:t>
+              </a:r>
+              <a:r>
+                <a:rPr lang="en-US" sz="1600" dirty="0">
+                  <a:solidFill>
+                    <a:schemeClr val="tx1"/>
+                  </a:solidFill>
+                </a:rPr>
+                <a:t>(): int</a:t>
+              </a:r>
+            </a:p>
+            <a:p>
+              <a:pPr algn="ctr"/>
+              <a:r>
+                <a:rPr lang="en-US" sz="1600" dirty="0">
+                  <a:solidFill>
+                    <a:schemeClr val="tx1"/>
+                  </a:solidFill>
+                </a:rPr>
+                <a:t>+ </a:t>
+              </a:r>
+              <a:r>
+                <a:rPr lang="en-US" sz="1600" dirty="0" err="1">
+                  <a:solidFill>
+                    <a:schemeClr val="tx1"/>
+                  </a:solidFill>
+                </a:rPr>
+                <a:t>toString</a:t>
+              </a:r>
+              <a:r>
+                <a:rPr lang="en-US" sz="1600" dirty="0">
+                  <a:solidFill>
+                    <a:schemeClr val="tx1"/>
+                  </a:solidFill>
+                </a:rPr>
+                <a:t>(): String //pints all info gathered in this class</a:t>
+              </a:r>
+            </a:p>
+            <a:p>
+              <a:pPr algn="ctr"/>
+              <a:endParaRPr lang="en-US" sz="1600" dirty="0">
+                <a:solidFill>
+                  <a:schemeClr val="tx1"/>
+                </a:solidFill>
+              </a:endParaRPr>
+            </a:p>
+          </p:txBody>
+        </p:sp>
+        <p:cxnSp>
+          <p:nvCxnSpPr>
+            <p:cNvPr id="16" name="Straight Connector 15">
+              <a:extLst>
+                <a:ext uri="{FF2B5EF4-FFF2-40B4-BE49-F238E27FC236}">
+                  <a16:creationId xmlns:a16="http://schemas.microsoft.com/office/drawing/2014/main" id="{E5C0AF3B-8CA4-4DF1-AC8D-141CFA1A78B8}"/>
+                </a:ext>
+              </a:extLst>
+            </p:cNvPr>
+            <p:cNvCxnSpPr>
+              <a:cxnSpLocks/>
+            </p:cNvCxnSpPr>
+            <p:nvPr/>
+          </p:nvCxnSpPr>
+          <p:spPr>
+            <a:xfrm>
+              <a:off x="6562302" y="4210084"/>
+              <a:ext cx="3160856" cy="0"/>
+            </a:xfrm>
+            <a:prstGeom prst="line">
+              <a:avLst/>
+            </a:prstGeom>
+          </p:spPr>
+          <p:style>
+            <a:lnRef idx="1">
+              <a:schemeClr val="dk1"/>
+            </a:lnRef>
+            <a:fillRef idx="0">
+              <a:schemeClr val="dk1"/>
+            </a:fillRef>
+            <a:effectRef idx="0">
+              <a:schemeClr val="dk1"/>
+            </a:effectRef>
+            <a:fontRef idx="minor">
+              <a:schemeClr val="tx1"/>
+            </a:fontRef>
+          </p:style>
+        </p:cxnSp>
+        <p:cxnSp>
+          <p:nvCxnSpPr>
+            <p:cNvPr id="17" name="Straight Connector 16">
+              <a:extLst>
+                <a:ext uri="{FF2B5EF4-FFF2-40B4-BE49-F238E27FC236}">
+                  <a16:creationId xmlns:a16="http://schemas.microsoft.com/office/drawing/2014/main" id="{3B993FBE-909D-4EE3-9AEA-768E46435C8E}"/>
+                </a:ext>
+              </a:extLst>
+            </p:cNvPr>
+            <p:cNvCxnSpPr>
+              <a:cxnSpLocks/>
+            </p:cNvCxnSpPr>
+            <p:nvPr/>
+          </p:nvCxnSpPr>
+          <p:spPr>
+            <a:xfrm>
+              <a:off x="6502292" y="5268137"/>
+              <a:ext cx="3160856" cy="0"/>
+            </a:xfrm>
+            <a:prstGeom prst="line">
+              <a:avLst/>
+            </a:prstGeom>
+          </p:spPr>
+          <p:style>
+            <a:lnRef idx="1">
+              <a:schemeClr val="dk1"/>
+            </a:lnRef>
+            <a:fillRef idx="0">
+              <a:schemeClr val="dk1"/>
+            </a:fillRef>
+            <a:effectRef idx="0">
+              <a:schemeClr val="dk1"/>
+            </a:effectRef>
+            <a:fontRef idx="minor">
+              <a:schemeClr val="tx1"/>
+            </a:fontRef>
+          </p:style>
+        </p:cxnSp>
+      </p:grpSp>
+      <p:cxnSp>
+        <p:nvCxnSpPr>
+          <p:cNvPr id="18" name="Straight Arrow Connector 17">
+            <a:extLst>
+              <a:ext uri="{FF2B5EF4-FFF2-40B4-BE49-F238E27FC236}">
+                <a16:creationId xmlns:a16="http://schemas.microsoft.com/office/drawing/2014/main" id="{B2BE378A-6279-4805-AE7D-06F8932D4B20}"/>
+              </a:ext>
+            </a:extLst>
+          </p:cNvPr>
+          <p:cNvCxnSpPr>
+            <a:cxnSpLocks/>
+            <a:endCxn id="9" idx="1"/>
+          </p:cNvCxnSpPr>
+          <p:nvPr/>
+        </p:nvCxnSpPr>
+        <p:spPr>
+          <a:xfrm flipV="1">
+            <a:off x="1613619" y="1933127"/>
+            <a:ext cx="2006651" cy="1009418"/>
+          </a:xfrm>
+          <a:prstGeom prst="straightConnector1">
+            <a:avLst/>
+          </a:prstGeom>
+          <a:ln>
+            <a:tailEnd type="triangle"/>
+          </a:ln>
+        </p:spPr>
+        <p:style>
+          <a:lnRef idx="1">
+            <a:schemeClr val="accent1"/>
+          </a:lnRef>
+          <a:fillRef idx="0">
+            <a:schemeClr val="accent1"/>
+          </a:fillRef>
+          <a:effectRef idx="0">
+            <a:schemeClr val="accent1"/>
+          </a:effectRef>
+          <a:fontRef idx="minor">
+            <a:schemeClr val="tx1"/>
+          </a:fontRef>
+        </p:style>
+      </p:cxnSp>
+      <p:cxnSp>
+        <p:nvCxnSpPr>
+          <p:cNvPr id="21" name="Straight Arrow Connector 20">
+            <a:extLst>
+              <a:ext uri="{FF2B5EF4-FFF2-40B4-BE49-F238E27FC236}">
+                <a16:creationId xmlns:a16="http://schemas.microsoft.com/office/drawing/2014/main" id="{2F57A6DA-C0BD-485B-8CAC-72D29F1C102B}"/>
+              </a:ext>
+            </a:extLst>
+          </p:cNvPr>
+          <p:cNvCxnSpPr>
+            <a:cxnSpLocks/>
+            <a:endCxn id="9" idx="3"/>
+          </p:cNvCxnSpPr>
+          <p:nvPr/>
+        </p:nvCxnSpPr>
+        <p:spPr>
+          <a:xfrm flipH="1" flipV="1">
+            <a:off x="8138113" y="1933127"/>
+            <a:ext cx="2031498" cy="895631"/>
+          </a:xfrm>
+          <a:prstGeom prst="straightConnector1">
+            <a:avLst/>
+          </a:prstGeom>
+          <a:ln>
+            <a:tailEnd type="triangle"/>
+          </a:ln>
+        </p:spPr>
+        <p:style>
+          <a:lnRef idx="1">
+            <a:schemeClr val="accent1"/>
+          </a:lnRef>
+          <a:fillRef idx="0">
+            <a:schemeClr val="accent1"/>
+          </a:fillRef>
+          <a:effectRef idx="0">
+            <a:schemeClr val="accent1"/>
+          </a:effectRef>
+          <a:fontRef idx="minor">
+            <a:schemeClr val="tx1"/>
+          </a:fontRef>
+        </p:style>
+      </p:cxnSp>
+    </p:spTree>
+    <p:extLst>
+      <p:ext uri="{BB962C8B-B14F-4D97-AF65-F5344CB8AC3E}">
+        <p14:creationId xmlns:p14="http://schemas.microsoft.com/office/powerpoint/2010/main" val="2740812259"/>
       </p:ext>
     </p:extLst>
   </p:cSld>
